--- a/CSCI-111/week-6/week-6-lecture/week-6-lecture.pptx
+++ b/CSCI-111/week-6/week-6-lecture/week-6-lecture.pptx
@@ -32,7 +32,6 @@
     <p:sldId id="277" r:id="rId27"/>
     <p:sldId id="278" r:id="rId28"/>
     <p:sldId id="279" r:id="rId29"/>
-    <p:sldId id="280" r:id="rId30"/>
   </p:sldIdLst>
   <p:sldSz cy="5143500" cx="9144000"/>
   <p:notesSz cx="6858000" cy="9144000"/>
@@ -814,7 +813,7 @@
   <p:cSld>
     <p:spTree>
       <p:nvGrpSpPr>
-        <p:cNvPr id="118" name="Shape 118"/>
+        <p:cNvPr id="119" name="Shape 119"/>
         <p:cNvGrpSpPr/>
         <p:nvPr/>
       </p:nvGrpSpPr>
@@ -828,7 +827,7 @@
       </p:grpSpPr>
       <p:sp>
         <p:nvSpPr>
-          <p:cNvPr id="119" name="Google Shape;119;g3006a2eb24e_0_149:notes"/>
+          <p:cNvPr id="120" name="Google Shape;120;g2d30e8c92a0_0_5:notes"/>
           <p:cNvSpPr/>
           <p:nvPr>
             <p:ph idx="2" type="sldImg"/>
@@ -863,7 +862,7 @@
       </p:sp>
       <p:sp>
         <p:nvSpPr>
-          <p:cNvPr id="120" name="Google Shape;120;g3006a2eb24e_0_149:notes"/>
+          <p:cNvPr id="121" name="Google Shape;121;g2d30e8c92a0_0_5:notes"/>
           <p:cNvSpPr txBox="1"/>
           <p:nvPr>
             <p:ph idx="1" type="body"/>
@@ -913,7 +912,7 @@
   <p:cSld>
     <p:spTree>
       <p:nvGrpSpPr>
-        <p:cNvPr id="125" name="Shape 125"/>
+        <p:cNvPr id="127" name="Shape 127"/>
         <p:cNvGrpSpPr/>
         <p:nvPr/>
       </p:nvGrpSpPr>
@@ -927,7 +926,7 @@
       </p:grpSpPr>
       <p:sp>
         <p:nvSpPr>
-          <p:cNvPr id="126" name="Google Shape;126;g2d30e8c92a0_0_5:notes"/>
+          <p:cNvPr id="128" name="Google Shape;128;g2d30e8c92a0_0_17:notes"/>
           <p:cNvSpPr/>
           <p:nvPr>
             <p:ph idx="2" type="sldImg"/>
@@ -962,7 +961,7 @@
       </p:sp>
       <p:sp>
         <p:nvSpPr>
-          <p:cNvPr id="127" name="Google Shape;127;g2d30e8c92a0_0_5:notes"/>
+          <p:cNvPr id="129" name="Google Shape;129;g2d30e8c92a0_0_17:notes"/>
           <p:cNvSpPr txBox="1"/>
           <p:nvPr>
             <p:ph idx="1" type="body"/>
@@ -1012,7 +1011,7 @@
   <p:cSld>
     <p:spTree>
       <p:nvGrpSpPr>
-        <p:cNvPr id="133" name="Shape 133"/>
+        <p:cNvPr id="135" name="Shape 135"/>
         <p:cNvGrpSpPr/>
         <p:nvPr/>
       </p:nvGrpSpPr>
@@ -1026,7 +1025,7 @@
       </p:grpSpPr>
       <p:sp>
         <p:nvSpPr>
-          <p:cNvPr id="134" name="Google Shape;134;g2d30e8c92a0_0_17:notes"/>
+          <p:cNvPr id="136" name="Google Shape;136;g301f58a5d8c_0_0:notes"/>
           <p:cNvSpPr/>
           <p:nvPr>
             <p:ph idx="2" type="sldImg"/>
@@ -1061,7 +1060,7 @@
       </p:sp>
       <p:sp>
         <p:nvSpPr>
-          <p:cNvPr id="135" name="Google Shape;135;g2d30e8c92a0_0_17:notes"/>
+          <p:cNvPr id="137" name="Google Shape;137;g301f58a5d8c_0_0:notes"/>
           <p:cNvSpPr txBox="1"/>
           <p:nvPr>
             <p:ph idx="1" type="body"/>
@@ -1111,7 +1110,7 @@
   <p:cSld>
     <p:spTree>
       <p:nvGrpSpPr>
-        <p:cNvPr id="141" name="Shape 141"/>
+        <p:cNvPr id="142" name="Shape 142"/>
         <p:cNvGrpSpPr/>
         <p:nvPr/>
       </p:nvGrpSpPr>
@@ -1125,7 +1124,7 @@
       </p:grpSpPr>
       <p:sp>
         <p:nvSpPr>
-          <p:cNvPr id="142" name="Google Shape;142;g301f58a5d8c_0_0:notes"/>
+          <p:cNvPr id="143" name="Google Shape;143;g301f58a5d8c_0_7:notes"/>
           <p:cNvSpPr/>
           <p:nvPr>
             <p:ph idx="2" type="sldImg"/>
@@ -1160,7 +1159,7 @@
       </p:sp>
       <p:sp>
         <p:nvSpPr>
-          <p:cNvPr id="143" name="Google Shape;143;g301f58a5d8c_0_0:notes"/>
+          <p:cNvPr id="144" name="Google Shape;144;g301f58a5d8c_0_7:notes"/>
           <p:cNvSpPr txBox="1"/>
           <p:nvPr>
             <p:ph idx="1" type="body"/>
@@ -1210,7 +1209,7 @@
   <p:cSld>
     <p:spTree>
       <p:nvGrpSpPr>
-        <p:cNvPr id="148" name="Shape 148"/>
+        <p:cNvPr id="149" name="Shape 149"/>
         <p:cNvGrpSpPr/>
         <p:nvPr/>
       </p:nvGrpSpPr>
@@ -1224,7 +1223,7 @@
       </p:grpSpPr>
       <p:sp>
         <p:nvSpPr>
-          <p:cNvPr id="149" name="Google Shape;149;g301f58a5d8c_0_7:notes"/>
+          <p:cNvPr id="150" name="Google Shape;150;g2d30e8c92a0_0_27:notes"/>
           <p:cNvSpPr/>
           <p:nvPr>
             <p:ph idx="2" type="sldImg"/>
@@ -1259,7 +1258,7 @@
       </p:sp>
       <p:sp>
         <p:nvSpPr>
-          <p:cNvPr id="150" name="Google Shape;150;g301f58a5d8c_0_7:notes"/>
+          <p:cNvPr id="151" name="Google Shape;151;g2d30e8c92a0_0_27:notes"/>
           <p:cNvSpPr txBox="1"/>
           <p:nvPr>
             <p:ph idx="1" type="body"/>
@@ -1309,7 +1308,7 @@
   <p:cSld>
     <p:spTree>
       <p:nvGrpSpPr>
-        <p:cNvPr id="155" name="Shape 155"/>
+        <p:cNvPr id="156" name="Shape 156"/>
         <p:cNvGrpSpPr/>
         <p:nvPr/>
       </p:nvGrpSpPr>
@@ -1323,7 +1322,7 @@
       </p:grpSpPr>
       <p:sp>
         <p:nvSpPr>
-          <p:cNvPr id="156" name="Google Shape;156;g2d30e8c92a0_0_27:notes"/>
+          <p:cNvPr id="157" name="Google Shape;157;g2d30ec3669b_0_4:notes"/>
           <p:cNvSpPr/>
           <p:nvPr>
             <p:ph idx="2" type="sldImg"/>
@@ -1358,7 +1357,7 @@
       </p:sp>
       <p:sp>
         <p:nvSpPr>
-          <p:cNvPr id="157" name="Google Shape;157;g2d30e8c92a0_0_27:notes"/>
+          <p:cNvPr id="158" name="Google Shape;158;g2d30ec3669b_0_4:notes"/>
           <p:cNvSpPr txBox="1"/>
           <p:nvPr>
             <p:ph idx="1" type="body"/>
@@ -1408,7 +1407,7 @@
   <p:cSld>
     <p:spTree>
       <p:nvGrpSpPr>
-        <p:cNvPr id="162" name="Shape 162"/>
+        <p:cNvPr id="163" name="Shape 163"/>
         <p:cNvGrpSpPr/>
         <p:nvPr/>
       </p:nvGrpSpPr>
@@ -1422,7 +1421,7 @@
       </p:grpSpPr>
       <p:sp>
         <p:nvSpPr>
-          <p:cNvPr id="163" name="Google Shape;163;g2d30ec3669b_0_4:notes"/>
+          <p:cNvPr id="164" name="Google Shape;164;g2d30ec3669b_0_10:notes"/>
           <p:cNvSpPr/>
           <p:nvPr>
             <p:ph idx="2" type="sldImg"/>
@@ -1457,7 +1456,7 @@
       </p:sp>
       <p:sp>
         <p:nvSpPr>
-          <p:cNvPr id="164" name="Google Shape;164;g2d30ec3669b_0_4:notes"/>
+          <p:cNvPr id="165" name="Google Shape;165;g2d30ec3669b_0_10:notes"/>
           <p:cNvSpPr txBox="1"/>
           <p:nvPr>
             <p:ph idx="1" type="body"/>
@@ -1507,7 +1506,7 @@
   <p:cSld>
     <p:spTree>
       <p:nvGrpSpPr>
-        <p:cNvPr id="169" name="Shape 169"/>
+        <p:cNvPr id="170" name="Shape 170"/>
         <p:cNvGrpSpPr/>
         <p:nvPr/>
       </p:nvGrpSpPr>
@@ -1521,7 +1520,7 @@
       </p:grpSpPr>
       <p:sp>
         <p:nvSpPr>
-          <p:cNvPr id="170" name="Google Shape;170;g2d30ec3669b_0_10:notes"/>
+          <p:cNvPr id="171" name="Google Shape;171;g2d30ec3669b_0_23:notes"/>
           <p:cNvSpPr/>
           <p:nvPr>
             <p:ph idx="2" type="sldImg"/>
@@ -1556,7 +1555,7 @@
       </p:sp>
       <p:sp>
         <p:nvSpPr>
-          <p:cNvPr id="171" name="Google Shape;171;g2d30ec3669b_0_10:notes"/>
+          <p:cNvPr id="172" name="Google Shape;172;g2d30ec3669b_0_23:notes"/>
           <p:cNvSpPr txBox="1"/>
           <p:nvPr>
             <p:ph idx="1" type="body"/>
@@ -1606,7 +1605,7 @@
   <p:cSld>
     <p:spTree>
       <p:nvGrpSpPr>
-        <p:cNvPr id="176" name="Shape 176"/>
+        <p:cNvPr id="177" name="Shape 177"/>
         <p:cNvGrpSpPr/>
         <p:nvPr/>
       </p:nvGrpSpPr>
@@ -1620,7 +1619,7 @@
       </p:grpSpPr>
       <p:sp>
         <p:nvSpPr>
-          <p:cNvPr id="177" name="Google Shape;177;g2d30ec3669b_0_23:notes"/>
+          <p:cNvPr id="178" name="Google Shape;178;g2d30ec3669b_0_31:notes"/>
           <p:cNvSpPr/>
           <p:nvPr>
             <p:ph idx="2" type="sldImg"/>
@@ -1655,7 +1654,7 @@
       </p:sp>
       <p:sp>
         <p:nvSpPr>
-          <p:cNvPr id="178" name="Google Shape;178;g2d30ec3669b_0_23:notes"/>
+          <p:cNvPr id="179" name="Google Shape;179;g2d30ec3669b_0_31:notes"/>
           <p:cNvSpPr txBox="1"/>
           <p:nvPr>
             <p:ph idx="1" type="body"/>
@@ -1705,7 +1704,7 @@
   <p:cSld>
     <p:spTree>
       <p:nvGrpSpPr>
-        <p:cNvPr id="183" name="Shape 183"/>
+        <p:cNvPr id="184" name="Shape 184"/>
         <p:cNvGrpSpPr/>
         <p:nvPr/>
       </p:nvGrpSpPr>
@@ -1719,7 +1718,7 @@
       </p:grpSpPr>
       <p:sp>
         <p:nvSpPr>
-          <p:cNvPr id="184" name="Google Shape;184;g2d30ec3669b_0_31:notes"/>
+          <p:cNvPr id="185" name="Google Shape;185;g2d30ec3669b_0_16:notes"/>
           <p:cNvSpPr/>
           <p:nvPr>
             <p:ph idx="2" type="sldImg"/>
@@ -1754,7 +1753,7 @@
       </p:sp>
       <p:sp>
         <p:nvSpPr>
-          <p:cNvPr id="185" name="Google Shape;185;g2d30ec3669b_0_31:notes"/>
+          <p:cNvPr id="186" name="Google Shape;186;g2d30ec3669b_0_16:notes"/>
           <p:cNvSpPr txBox="1"/>
           <p:nvPr>
             <p:ph idx="1" type="body"/>
@@ -1903,7 +1902,7 @@
   <p:cSld>
     <p:spTree>
       <p:nvGrpSpPr>
-        <p:cNvPr id="190" name="Shape 190"/>
+        <p:cNvPr id="192" name="Shape 192"/>
         <p:cNvGrpSpPr/>
         <p:nvPr/>
       </p:nvGrpSpPr>
@@ -1917,7 +1916,7 @@
       </p:grpSpPr>
       <p:sp>
         <p:nvSpPr>
-          <p:cNvPr id="191" name="Google Shape;191;g2d30ec3669b_0_16:notes"/>
+          <p:cNvPr id="193" name="Google Shape;193;g2d30ec3669b_0_39:notes"/>
           <p:cNvSpPr/>
           <p:nvPr>
             <p:ph idx="2" type="sldImg"/>
@@ -1952,7 +1951,7 @@
       </p:sp>
       <p:sp>
         <p:nvSpPr>
-          <p:cNvPr id="192" name="Google Shape;192;g2d30ec3669b_0_16:notes"/>
+          <p:cNvPr id="194" name="Google Shape;194;g2d30ec3669b_0_39:notes"/>
           <p:cNvSpPr txBox="1"/>
           <p:nvPr>
             <p:ph idx="1" type="body"/>
@@ -2002,7 +2001,7 @@
   <p:cSld>
     <p:spTree>
       <p:nvGrpSpPr>
-        <p:cNvPr id="198" name="Shape 198"/>
+        <p:cNvPr id="200" name="Shape 200"/>
         <p:cNvGrpSpPr/>
         <p:nvPr/>
       </p:nvGrpSpPr>
@@ -2016,7 +2015,7 @@
       </p:grpSpPr>
       <p:sp>
         <p:nvSpPr>
-          <p:cNvPr id="199" name="Google Shape;199;g2d30ec3669b_0_39:notes"/>
+          <p:cNvPr id="201" name="Google Shape;201;g2d30ec3669b_0_54:notes"/>
           <p:cNvSpPr/>
           <p:nvPr>
             <p:ph idx="2" type="sldImg"/>
@@ -2051,7 +2050,7 @@
       </p:sp>
       <p:sp>
         <p:nvSpPr>
-          <p:cNvPr id="200" name="Google Shape;200;g2d30ec3669b_0_39:notes"/>
+          <p:cNvPr id="202" name="Google Shape;202;g2d30ec3669b_0_54:notes"/>
           <p:cNvSpPr txBox="1"/>
           <p:nvPr>
             <p:ph idx="1" type="body"/>
@@ -2101,7 +2100,7 @@
   <p:cSld>
     <p:spTree>
       <p:nvGrpSpPr>
-        <p:cNvPr id="206" name="Shape 206"/>
+        <p:cNvPr id="208" name="Shape 208"/>
         <p:cNvGrpSpPr/>
         <p:nvPr/>
       </p:nvGrpSpPr>
@@ -2115,7 +2114,7 @@
       </p:grpSpPr>
       <p:sp>
         <p:nvSpPr>
-          <p:cNvPr id="207" name="Google Shape;207;g2d30ec3669b_0_54:notes"/>
+          <p:cNvPr id="209" name="Google Shape;209;g2d30ec3669b_0_47:notes"/>
           <p:cNvSpPr/>
           <p:nvPr>
             <p:ph idx="2" type="sldImg"/>
@@ -2150,7 +2149,7 @@
       </p:sp>
       <p:sp>
         <p:nvSpPr>
-          <p:cNvPr id="208" name="Google Shape;208;g2d30ec3669b_0_54:notes"/>
+          <p:cNvPr id="210" name="Google Shape;210;g2d30ec3669b_0_47:notes"/>
           <p:cNvSpPr txBox="1"/>
           <p:nvPr>
             <p:ph idx="1" type="body"/>
@@ -2200,7 +2199,7 @@
   <p:cSld>
     <p:spTree>
       <p:nvGrpSpPr>
-        <p:cNvPr id="214" name="Shape 214"/>
+        <p:cNvPr id="216" name="Shape 216"/>
         <p:cNvGrpSpPr/>
         <p:nvPr/>
       </p:nvGrpSpPr>
@@ -2214,7 +2213,7 @@
       </p:grpSpPr>
       <p:sp>
         <p:nvSpPr>
-          <p:cNvPr id="215" name="Google Shape;215;g2d30ec3669b_0_47:notes"/>
+          <p:cNvPr id="217" name="Google Shape;217;g2d30ec3669b_0_70:notes"/>
           <p:cNvSpPr/>
           <p:nvPr>
             <p:ph idx="2" type="sldImg"/>
@@ -2249,7 +2248,7 @@
       </p:sp>
       <p:sp>
         <p:nvSpPr>
-          <p:cNvPr id="216" name="Google Shape;216;g2d30ec3669b_0_47:notes"/>
+          <p:cNvPr id="218" name="Google Shape;218;g2d30ec3669b_0_70:notes"/>
           <p:cNvSpPr txBox="1"/>
           <p:nvPr>
             <p:ph idx="1" type="body"/>
@@ -2313,7 +2312,7 @@
       </p:grpSpPr>
       <p:sp>
         <p:nvSpPr>
-          <p:cNvPr id="223" name="Google Shape;223;g2d30ec3669b_0_70:notes"/>
+          <p:cNvPr id="223" name="Google Shape;223;g2d30ec3669b_1_5:notes"/>
           <p:cNvSpPr/>
           <p:nvPr>
             <p:ph idx="2" type="sldImg"/>
@@ -2348,106 +2347,7 @@
       </p:sp>
       <p:sp>
         <p:nvSpPr>
-          <p:cNvPr id="224" name="Google Shape;224;g2d30ec3669b_0_70:notes"/>
-          <p:cNvSpPr txBox="1"/>
-          <p:nvPr>
-            <p:ph idx="1" type="body"/>
-          </p:nvPr>
-        </p:nvSpPr>
-        <p:spPr>
-          <a:xfrm>
-            <a:off x="685800" y="4343400"/>
-            <a:ext cx="5486400" cy="4114800"/>
-          </a:xfrm>
-          <a:prstGeom prst="rect">
-            <a:avLst/>
-          </a:prstGeom>
-        </p:spPr>
-        <p:txBody>
-          <a:bodyPr anchorCtr="0" anchor="t" bIns="91425" lIns="91425" spcFirstLastPara="1" rIns="91425" wrap="square" tIns="91425">
-            <a:noAutofit/>
-          </a:bodyPr>
-          <a:lstStyle/>
-          <a:p>
-            <a:pPr indent="0" lvl="0" marL="0" rtl="0" algn="l">
-              <a:spcBef>
-                <a:spcPts val="0"/>
-              </a:spcBef>
-              <a:spcAft>
-                <a:spcPts val="0"/>
-              </a:spcAft>
-              <a:buNone/>
-            </a:pPr>
-            <a:r>
-              <a:t/>
-            </a:r>
-            <a:endParaRPr/>
-          </a:p>
-        </p:txBody>
-      </p:sp>
-    </p:spTree>
-  </p:cSld>
-  <p:clrMapOvr>
-    <a:masterClrMapping/>
-  </p:clrMapOvr>
-</p:notes>
-</file>
-
-<file path=ppt/notesSlides/notesSlide25.xml><?xml version="1.0" encoding="utf-8"?>
-<p:notes xmlns:a="http://schemas.openxmlformats.org/drawingml/2006/main" xmlns:r="http://schemas.openxmlformats.org/officeDocument/2006/relationships" xmlns:mc="http://schemas.openxmlformats.org/markup-compatibility/2006" xmlns:mv="urn:schemas-microsoft-com:mac:vml" xmlns:p="http://schemas.openxmlformats.org/presentationml/2006/main" xmlns:c="http://schemas.openxmlformats.org/drawingml/2006/chart" xmlns:dgm="http://schemas.openxmlformats.org/drawingml/2006/diagram" xmlns:o="urn:schemas-microsoft-com:office:office" xmlns:v="urn:schemas-microsoft-com:vml" xmlns:pvml="urn:schemas-microsoft-com:office:powerpoint" xmlns:com="http://schemas.openxmlformats.org/drawingml/2006/compatibility" xmlns:p14="http://schemas.microsoft.com/office/powerpoint/2010/main" xmlns:p15="http://schemas.microsoft.com/office/powerpoint/2012/main" xmlns:ahyp="http://schemas.microsoft.com/office/drawing/2018/hyperlinkcolor" showMasterPhAnim="0" showMasterSp="0">
-  <p:cSld>
-    <p:spTree>
-      <p:nvGrpSpPr>
-        <p:cNvPr id="228" name="Shape 228"/>
-        <p:cNvGrpSpPr/>
-        <p:nvPr/>
-      </p:nvGrpSpPr>
-      <p:grpSpPr>
-        <a:xfrm>
-          <a:off x="0" y="0"/>
-          <a:ext cx="0" cy="0"/>
-          <a:chOff x="0" y="0"/>
-          <a:chExt cx="0" cy="0"/>
-        </a:xfrm>
-      </p:grpSpPr>
-      <p:sp>
-        <p:nvSpPr>
-          <p:cNvPr id="229" name="Google Shape;229;g2d30ec3669b_1_5:notes"/>
-          <p:cNvSpPr/>
-          <p:nvPr>
-            <p:ph idx="2" type="sldImg"/>
-          </p:nvPr>
-        </p:nvSpPr>
-        <p:spPr>
-          <a:xfrm>
-            <a:off x="381300" y="685800"/>
-            <a:ext cx="6096000" cy="3429000"/>
-          </a:xfrm>
-          <a:custGeom>
-            <a:rect b="b" l="l" r="r" t="t"/>
-            <a:pathLst>
-              <a:path extrusionOk="0" h="120000" w="120000">
-                <a:moveTo>
-                  <a:pt x="0" y="0"/>
-                </a:moveTo>
-                <a:lnTo>
-                  <a:pt x="120000" y="0"/>
-                </a:lnTo>
-                <a:lnTo>
-                  <a:pt x="120000" y="120000"/>
-                </a:lnTo>
-                <a:lnTo>
-                  <a:pt x="0" y="120000"/>
-                </a:lnTo>
-                <a:close/>
-              </a:path>
-            </a:pathLst>
-          </a:custGeom>
-        </p:spPr>
-      </p:sp>
-      <p:sp>
-        <p:nvSpPr>
-          <p:cNvPr id="230" name="Google Shape;230;g2d30ec3669b_1_5:notes"/>
+          <p:cNvPr id="224" name="Google Shape;224;g2d30ec3669b_1_5:notes"/>
           <p:cNvSpPr txBox="1"/>
           <p:nvPr>
             <p:ph idx="1" type="body"/>
@@ -2808,7 +2708,7 @@
       </p:grpSpPr>
       <p:sp>
         <p:nvSpPr>
-          <p:cNvPr id="92" name="Google Shape;92;g3006a2eb24e_0_111:notes"/>
+          <p:cNvPr id="92" name="Google Shape;92;g3006a2eb24e_0_121:notes"/>
           <p:cNvSpPr/>
           <p:nvPr>
             <p:ph idx="2" type="sldImg"/>
@@ -2843,7 +2743,7 @@
       </p:sp>
       <p:sp>
         <p:nvSpPr>
-          <p:cNvPr id="93" name="Google Shape;93;g3006a2eb24e_0_111:notes"/>
+          <p:cNvPr id="93" name="Google Shape;93;g3006a2eb24e_0_121:notes"/>
           <p:cNvSpPr txBox="1"/>
           <p:nvPr>
             <p:ph idx="1" type="body"/>
@@ -2893,7 +2793,7 @@
   <p:cSld>
     <p:spTree>
       <p:nvGrpSpPr>
-        <p:cNvPr id="97" name="Shape 97"/>
+        <p:cNvPr id="98" name="Shape 98"/>
         <p:cNvGrpSpPr/>
         <p:nvPr/>
       </p:nvGrpSpPr>
@@ -2907,7 +2807,7 @@
       </p:grpSpPr>
       <p:sp>
         <p:nvSpPr>
-          <p:cNvPr id="98" name="Google Shape;98;g3006a2eb24e_0_121:notes"/>
+          <p:cNvPr id="99" name="Google Shape;99;g3006a2eb24e_0_132:notes"/>
           <p:cNvSpPr/>
           <p:nvPr>
             <p:ph idx="2" type="sldImg"/>
@@ -2942,7 +2842,7 @@
       </p:sp>
       <p:sp>
         <p:nvSpPr>
-          <p:cNvPr id="99" name="Google Shape;99;g3006a2eb24e_0_121:notes"/>
+          <p:cNvPr id="100" name="Google Shape;100;g3006a2eb24e_0_132:notes"/>
           <p:cNvSpPr txBox="1"/>
           <p:nvPr>
             <p:ph idx="1" type="body"/>
@@ -2992,7 +2892,7 @@
   <p:cSld>
     <p:spTree>
       <p:nvGrpSpPr>
-        <p:cNvPr id="104" name="Shape 104"/>
+        <p:cNvPr id="105" name="Shape 105"/>
         <p:cNvGrpSpPr/>
         <p:nvPr/>
       </p:nvGrpSpPr>
@@ -3006,7 +2906,7 @@
       </p:grpSpPr>
       <p:sp>
         <p:nvSpPr>
-          <p:cNvPr id="105" name="Google Shape;105;g3006a2eb24e_0_132:notes"/>
+          <p:cNvPr id="106" name="Google Shape;106;g3006a2eb24e_0_143:notes"/>
           <p:cNvSpPr/>
           <p:nvPr>
             <p:ph idx="2" type="sldImg"/>
@@ -3041,7 +2941,7 @@
       </p:sp>
       <p:sp>
         <p:nvSpPr>
-          <p:cNvPr id="106" name="Google Shape;106;g3006a2eb24e_0_132:notes"/>
+          <p:cNvPr id="107" name="Google Shape;107;g3006a2eb24e_0_143:notes"/>
           <p:cNvSpPr txBox="1"/>
           <p:nvPr>
             <p:ph idx="1" type="body"/>
@@ -3091,7 +2991,7 @@
   <p:cSld>
     <p:spTree>
       <p:nvGrpSpPr>
-        <p:cNvPr id="111" name="Shape 111"/>
+        <p:cNvPr id="112" name="Shape 112"/>
         <p:cNvGrpSpPr/>
         <p:nvPr/>
       </p:nvGrpSpPr>
@@ -3105,7 +3005,7 @@
       </p:grpSpPr>
       <p:sp>
         <p:nvSpPr>
-          <p:cNvPr id="112" name="Google Shape;112;g3006a2eb24e_0_143:notes"/>
+          <p:cNvPr id="113" name="Google Shape;113;g3006a2eb24e_0_149:notes"/>
           <p:cNvSpPr/>
           <p:nvPr>
             <p:ph idx="2" type="sldImg"/>
@@ -3140,7 +3040,7 @@
       </p:sp>
       <p:sp>
         <p:nvSpPr>
-          <p:cNvPr id="113" name="Google Shape;113;g3006a2eb24e_0_143:notes"/>
+          <p:cNvPr id="114" name="Google Shape;114;g3006a2eb24e_0_149:notes"/>
           <p:cNvSpPr txBox="1"/>
           <p:nvPr>
             <p:ph idx="1" type="body"/>
@@ -8864,7 +8764,7 @@
                 <a:cs typeface="Times New Roman"/>
                 <a:sym typeface="Times New Roman"/>
               </a:rPr>
-              <a:t>eeks [6-11]</a:t>
+              <a:t>eeks [6-12]</a:t>
             </a:r>
             <a:endParaRPr b="1">
               <a:latin typeface="Times New Roman"/>
@@ -8877,7 +8777,7 @@
       </p:sp>
       <p:pic>
         <p:nvPicPr>
-          <p:cNvPr id="61" name="Google Shape;61;p14"/>
+          <p:cNvPr id="61" name="Google Shape;61;p14" title="Screenshot.png"/>
           <p:cNvPicPr preferRelativeResize="0"/>
           <p:nvPr/>
         </p:nvPicPr>
@@ -8892,7 +8792,7 @@
         <p:spPr>
           <a:xfrm>
             <a:off x="152400" y="897525"/>
-            <a:ext cx="8839198" cy="2593420"/>
+            <a:ext cx="8839202" cy="3045359"/>
           </a:xfrm>
           <a:prstGeom prst="rect">
             <a:avLst/>
@@ -8916,7 +8816,7 @@
   <p:cSld>
     <p:spTree>
       <p:nvGrpSpPr>
-        <p:cNvPr id="121" name="Shape 121"/>
+        <p:cNvPr id="122" name="Shape 122"/>
         <p:cNvGrpSpPr/>
         <p:nvPr/>
       </p:nvGrpSpPr>
@@ -8930,7 +8830,7 @@
       </p:grpSpPr>
       <p:sp>
         <p:nvSpPr>
-          <p:cNvPr id="122" name="Google Shape;122;p23"/>
+          <p:cNvPr id="123" name="Google Shape;123;p23"/>
           <p:cNvSpPr txBox="1"/>
           <p:nvPr>
             <p:ph idx="1" type="body"/>
@@ -8951,7 +8851,7 @@
           </a:bodyPr>
           <a:lstStyle/>
           <a:p>
-            <a:pPr indent="0" lvl="2" marL="0" rtl="0" algn="l">
+            <a:pPr indent="0" lvl="0" marL="0" rtl="0" algn="l">
               <a:lnSpc>
                 <a:spcPct val="150000"/>
               </a:lnSpc>
@@ -8964,7 +8864,19 @@
               <a:buNone/>
             </a:pPr>
             <a:r>
-              <a:rPr b="1" lang="en" sz="1800">
+              <a:rPr lang="en" sz="2200">
+                <a:solidFill>
+                  <a:schemeClr val="dk1"/>
+                </a:solidFill>
+                <a:latin typeface="Times New Roman"/>
+                <a:ea typeface="Times New Roman"/>
+                <a:cs typeface="Times New Roman"/>
+                <a:sym typeface="Times New Roman"/>
+              </a:rPr>
+              <a:t>There are six </a:t>
+            </a:r>
+            <a:r>
+              <a:rPr b="1" lang="en" sz="2200">
                 <a:solidFill>
                   <a:srgbClr val="FF0000"/>
                 </a:solidFill>
@@ -8973,9 +8885,554 @@
                 <a:cs typeface="Times New Roman"/>
                 <a:sym typeface="Times New Roman"/>
               </a:rPr>
-              <a:t>Variable declarations:</a:t>
-            </a:r>
-            <a:endParaRPr b="1" sz="1800">
+              <a:t>primitive </a:t>
+            </a:r>
+            <a:r>
+              <a:rPr lang="en" sz="2200">
+                <a:solidFill>
+                  <a:schemeClr val="dk1"/>
+                </a:solidFill>
+                <a:latin typeface="Times New Roman"/>
+                <a:ea typeface="Times New Roman"/>
+                <a:cs typeface="Times New Roman"/>
+                <a:sym typeface="Times New Roman"/>
+              </a:rPr>
+              <a:t>data types:</a:t>
+            </a:r>
+            <a:endParaRPr sz="2200">
+              <a:solidFill>
+                <a:schemeClr val="dk1"/>
+              </a:solidFill>
+              <a:latin typeface="Times New Roman"/>
+              <a:ea typeface="Times New Roman"/>
+              <a:cs typeface="Times New Roman"/>
+              <a:sym typeface="Times New Roman"/>
+            </a:endParaRPr>
+          </a:p>
+          <a:p>
+            <a:pPr indent="0" lvl="0" marL="0" rtl="0" algn="l">
+              <a:lnSpc>
+                <a:spcPct val="150000"/>
+              </a:lnSpc>
+              <a:spcBef>
+                <a:spcPts val="0"/>
+              </a:spcBef>
+              <a:spcAft>
+                <a:spcPts val="0"/>
+              </a:spcAft>
+              <a:buClr>
+                <a:schemeClr val="dk1"/>
+              </a:buClr>
+              <a:buFont typeface="Arial"/>
+              <a:buNone/>
+            </a:pPr>
+            <a:r>
+              <a:rPr lang="en" sz="2200">
+                <a:solidFill>
+                  <a:schemeClr val="dk1"/>
+                </a:solidFill>
+                <a:latin typeface="Times New Roman"/>
+                <a:ea typeface="Times New Roman"/>
+                <a:cs typeface="Times New Roman"/>
+                <a:sym typeface="Times New Roman"/>
+              </a:rPr>
+              <a:t>[in JavaScript data types are not declared in code]</a:t>
+            </a:r>
+            <a:endParaRPr sz="2200">
+              <a:solidFill>
+                <a:schemeClr val="dk1"/>
+              </a:solidFill>
+              <a:latin typeface="Times New Roman"/>
+              <a:ea typeface="Times New Roman"/>
+              <a:cs typeface="Times New Roman"/>
+              <a:sym typeface="Times New Roman"/>
+            </a:endParaRPr>
+          </a:p>
+          <a:p>
+            <a:pPr indent="0" lvl="0" marL="0" rtl="0" algn="l">
+              <a:lnSpc>
+                <a:spcPct val="150000"/>
+              </a:lnSpc>
+              <a:spcBef>
+                <a:spcPts val="0"/>
+              </a:spcBef>
+              <a:spcAft>
+                <a:spcPts val="0"/>
+              </a:spcAft>
+              <a:buClr>
+                <a:schemeClr val="dk1"/>
+              </a:buClr>
+              <a:buFont typeface="Arial"/>
+              <a:buNone/>
+            </a:pPr>
+            <a:r>
+              <a:rPr lang="en" sz="2200">
+                <a:solidFill>
+                  <a:srgbClr val="FF0000"/>
+                </a:solidFill>
+                <a:latin typeface="Times New Roman"/>
+                <a:ea typeface="Times New Roman"/>
+                <a:cs typeface="Times New Roman"/>
+                <a:sym typeface="Times New Roman"/>
+              </a:rPr>
+              <a:t>• Number</a:t>
+            </a:r>
+            <a:r>
+              <a:rPr lang="en" sz="2200">
+                <a:solidFill>
+                  <a:schemeClr val="dk1"/>
+                </a:solidFill>
+                <a:latin typeface="Times New Roman"/>
+                <a:ea typeface="Times New Roman"/>
+                <a:cs typeface="Times New Roman"/>
+                <a:sym typeface="Times New Roman"/>
+              </a:rPr>
+              <a:t>: integer or decimal numbers  </a:t>
+            </a:r>
+            <a:r>
+              <a:rPr lang="en" sz="2200">
+                <a:solidFill>
+                  <a:srgbClr val="4472C5"/>
+                </a:solidFill>
+                <a:latin typeface="Courier New"/>
+                <a:ea typeface="Courier New"/>
+                <a:cs typeface="Courier New"/>
+                <a:sym typeface="Courier New"/>
+              </a:rPr>
+              <a:t>a = 20, b = 3.5</a:t>
+            </a:r>
+            <a:endParaRPr sz="2200">
+              <a:solidFill>
+                <a:schemeClr val="dk1"/>
+              </a:solidFill>
+              <a:latin typeface="Courier New"/>
+              <a:ea typeface="Courier New"/>
+              <a:cs typeface="Courier New"/>
+              <a:sym typeface="Courier New"/>
+            </a:endParaRPr>
+          </a:p>
+          <a:p>
+            <a:pPr indent="0" lvl="0" marL="0" rtl="0" algn="l">
+              <a:lnSpc>
+                <a:spcPct val="150000"/>
+              </a:lnSpc>
+              <a:spcBef>
+                <a:spcPts val="0"/>
+              </a:spcBef>
+              <a:spcAft>
+                <a:spcPts val="0"/>
+              </a:spcAft>
+              <a:buClr>
+                <a:schemeClr val="dk1"/>
+              </a:buClr>
+              <a:buFont typeface="Arial"/>
+              <a:buNone/>
+            </a:pPr>
+            <a:r>
+              <a:rPr lang="en" sz="2200">
+                <a:solidFill>
+                  <a:srgbClr val="4472C5"/>
+                </a:solidFill>
+                <a:latin typeface="Times New Roman"/>
+                <a:ea typeface="Times New Roman"/>
+                <a:cs typeface="Times New Roman"/>
+                <a:sym typeface="Times New Roman"/>
+              </a:rPr>
+              <a:t>• String</a:t>
+            </a:r>
+            <a:r>
+              <a:rPr lang="en" sz="2200">
+                <a:solidFill>
+                  <a:schemeClr val="dk1"/>
+                </a:solidFill>
+                <a:latin typeface="Times New Roman"/>
+                <a:ea typeface="Times New Roman"/>
+                <a:cs typeface="Times New Roman"/>
+                <a:sym typeface="Times New Roman"/>
+              </a:rPr>
+              <a:t>: some text  </a:t>
+            </a:r>
+            <a:r>
+              <a:rPr lang="en" sz="2200">
+                <a:solidFill>
+                  <a:srgbClr val="4472C5"/>
+                </a:solidFill>
+                <a:latin typeface="Courier New"/>
+                <a:ea typeface="Courier New"/>
+                <a:cs typeface="Courier New"/>
+                <a:sym typeface="Courier New"/>
+              </a:rPr>
+              <a:t>s = "Hello, World!"</a:t>
+            </a:r>
+            <a:r>
+              <a:rPr lang="en" sz="2200">
+                <a:solidFill>
+                  <a:srgbClr val="4472C5"/>
+                </a:solidFill>
+                <a:latin typeface="Times New Roman"/>
+                <a:ea typeface="Times New Roman"/>
+                <a:cs typeface="Times New Roman"/>
+                <a:sym typeface="Times New Roman"/>
+              </a:rPr>
+              <a:t> </a:t>
+            </a:r>
+            <a:r>
+              <a:rPr lang="en" sz="2200">
+                <a:solidFill>
+                  <a:schemeClr val="dk1"/>
+                </a:solidFill>
+                <a:latin typeface="Times New Roman"/>
+                <a:ea typeface="Times New Roman"/>
+                <a:cs typeface="Times New Roman"/>
+                <a:sym typeface="Times New Roman"/>
+              </a:rPr>
+              <a:t>or empty string  </a:t>
+            </a:r>
+            <a:r>
+              <a:rPr lang="en" sz="2200">
+                <a:solidFill>
+                  <a:srgbClr val="4472C5"/>
+                </a:solidFill>
+                <a:latin typeface="Times New Roman"/>
+                <a:ea typeface="Times New Roman"/>
+                <a:cs typeface="Times New Roman"/>
+                <a:sym typeface="Times New Roman"/>
+              </a:rPr>
+              <a:t>t = ""</a:t>
+            </a:r>
+            <a:endParaRPr sz="2200">
+              <a:solidFill>
+                <a:srgbClr val="4472C5"/>
+              </a:solidFill>
+              <a:latin typeface="Times New Roman"/>
+              <a:ea typeface="Times New Roman"/>
+              <a:cs typeface="Times New Roman"/>
+              <a:sym typeface="Times New Roman"/>
+            </a:endParaRPr>
+          </a:p>
+          <a:p>
+            <a:pPr indent="0" lvl="0" marL="0" rtl="0" algn="l">
+              <a:lnSpc>
+                <a:spcPct val="150000"/>
+              </a:lnSpc>
+              <a:spcBef>
+                <a:spcPts val="0"/>
+              </a:spcBef>
+              <a:spcAft>
+                <a:spcPts val="0"/>
+              </a:spcAft>
+              <a:buClr>
+                <a:schemeClr val="dk1"/>
+              </a:buClr>
+              <a:buFont typeface="Arial"/>
+              <a:buNone/>
+            </a:pPr>
+            <a:r>
+              <a:rPr lang="en" sz="2200">
+                <a:solidFill>
+                  <a:srgbClr val="548335"/>
+                </a:solidFill>
+                <a:latin typeface="Times New Roman"/>
+                <a:ea typeface="Times New Roman"/>
+                <a:cs typeface="Times New Roman"/>
+                <a:sym typeface="Times New Roman"/>
+              </a:rPr>
+              <a:t>• Boolean</a:t>
+            </a:r>
+            <a:r>
+              <a:rPr lang="en" sz="2200">
+                <a:solidFill>
+                  <a:schemeClr val="dk1"/>
+                </a:solidFill>
+                <a:latin typeface="Times New Roman"/>
+                <a:ea typeface="Times New Roman"/>
+                <a:cs typeface="Times New Roman"/>
+                <a:sym typeface="Times New Roman"/>
+              </a:rPr>
+              <a:t>: </a:t>
+            </a:r>
+            <a:r>
+              <a:rPr b="1" lang="en" sz="2200">
+                <a:solidFill>
+                  <a:schemeClr val="dk1"/>
+                </a:solidFill>
+                <a:latin typeface="Courier New"/>
+                <a:ea typeface="Courier New"/>
+                <a:cs typeface="Courier New"/>
+                <a:sym typeface="Courier New"/>
+              </a:rPr>
+              <a:t>true</a:t>
+            </a:r>
+            <a:r>
+              <a:rPr b="1" lang="en" sz="2200">
+                <a:solidFill>
+                  <a:schemeClr val="dk1"/>
+                </a:solidFill>
+                <a:latin typeface="Times New Roman"/>
+                <a:ea typeface="Times New Roman"/>
+                <a:cs typeface="Times New Roman"/>
+                <a:sym typeface="Times New Roman"/>
+              </a:rPr>
+              <a:t> </a:t>
+            </a:r>
+            <a:r>
+              <a:rPr lang="en" sz="2200">
+                <a:solidFill>
+                  <a:schemeClr val="dk1"/>
+                </a:solidFill>
+                <a:latin typeface="Times New Roman"/>
+                <a:ea typeface="Times New Roman"/>
+                <a:cs typeface="Times New Roman"/>
+                <a:sym typeface="Times New Roman"/>
+              </a:rPr>
+              <a:t>or </a:t>
+            </a:r>
+            <a:r>
+              <a:rPr b="1" lang="en" sz="2200">
+                <a:solidFill>
+                  <a:schemeClr val="dk1"/>
+                </a:solidFill>
+                <a:latin typeface="Courier New"/>
+                <a:ea typeface="Courier New"/>
+                <a:cs typeface="Courier New"/>
+                <a:sym typeface="Courier New"/>
+              </a:rPr>
+              <a:t>false</a:t>
+            </a:r>
+            <a:r>
+              <a:rPr lang="en" sz="2200">
+                <a:solidFill>
+                  <a:schemeClr val="dk1"/>
+                </a:solidFill>
+                <a:latin typeface="Times New Roman"/>
+                <a:ea typeface="Times New Roman"/>
+                <a:cs typeface="Times New Roman"/>
+                <a:sym typeface="Times New Roman"/>
+              </a:rPr>
+              <a:t>  </a:t>
+            </a:r>
+            <a:r>
+              <a:rPr lang="en" sz="2200">
+                <a:solidFill>
+                  <a:srgbClr val="4472C5"/>
+                </a:solidFill>
+                <a:latin typeface="Courier New"/>
+                <a:ea typeface="Courier New"/>
+                <a:cs typeface="Courier New"/>
+                <a:sym typeface="Courier New"/>
+              </a:rPr>
+              <a:t>y = true</a:t>
+            </a:r>
+            <a:endParaRPr sz="2200">
+              <a:solidFill>
+                <a:schemeClr val="dk1"/>
+              </a:solidFill>
+              <a:latin typeface="Courier New"/>
+              <a:ea typeface="Courier New"/>
+              <a:cs typeface="Courier New"/>
+              <a:sym typeface="Courier New"/>
+            </a:endParaRPr>
+          </a:p>
+          <a:p>
+            <a:pPr indent="0" lvl="0" marL="0" rtl="0" algn="l">
+              <a:lnSpc>
+                <a:spcPct val="150000"/>
+              </a:lnSpc>
+              <a:spcBef>
+                <a:spcPts val="0"/>
+              </a:spcBef>
+              <a:spcAft>
+                <a:spcPts val="0"/>
+              </a:spcAft>
+              <a:buClr>
+                <a:schemeClr val="dk1"/>
+              </a:buClr>
+              <a:buFont typeface="Arial"/>
+              <a:buNone/>
+            </a:pPr>
+            <a:r>
+              <a:rPr lang="en" sz="2200">
+                <a:solidFill>
+                  <a:srgbClr val="FF0000"/>
+                </a:solidFill>
+                <a:latin typeface="Times New Roman"/>
+                <a:ea typeface="Times New Roman"/>
+                <a:cs typeface="Times New Roman"/>
+                <a:sym typeface="Times New Roman"/>
+              </a:rPr>
+              <a:t>• undefined</a:t>
+            </a:r>
+            <a:r>
+              <a:rPr lang="en" sz="2200">
+                <a:solidFill>
+                  <a:schemeClr val="dk1"/>
+                </a:solidFill>
+                <a:latin typeface="Times New Roman"/>
+                <a:ea typeface="Times New Roman"/>
+                <a:cs typeface="Times New Roman"/>
+                <a:sym typeface="Times New Roman"/>
+              </a:rPr>
+              <a:t>: a variable which is declared but doesn’t contain value  </a:t>
+            </a:r>
+            <a:r>
+              <a:rPr lang="en" sz="2200">
+                <a:solidFill>
+                  <a:srgbClr val="4472C5"/>
+                </a:solidFill>
+                <a:latin typeface="Courier New"/>
+                <a:ea typeface="Courier New"/>
+                <a:cs typeface="Courier New"/>
+                <a:sym typeface="Courier New"/>
+              </a:rPr>
+              <a:t>let x</a:t>
+            </a:r>
+            <a:r>
+              <a:rPr lang="en" sz="2200">
+                <a:solidFill>
+                  <a:schemeClr val="dk1"/>
+                </a:solidFill>
+                <a:latin typeface="Courier New"/>
+                <a:ea typeface="Courier New"/>
+                <a:cs typeface="Courier New"/>
+                <a:sym typeface="Courier New"/>
+              </a:rPr>
+              <a:t>;</a:t>
+            </a:r>
+            <a:endParaRPr sz="2200">
+              <a:solidFill>
+                <a:schemeClr val="dk1"/>
+              </a:solidFill>
+              <a:latin typeface="Courier New"/>
+              <a:ea typeface="Courier New"/>
+              <a:cs typeface="Courier New"/>
+              <a:sym typeface="Courier New"/>
+            </a:endParaRPr>
+          </a:p>
+          <a:p>
+            <a:pPr indent="0" lvl="0" marL="0" rtl="0" algn="l">
+              <a:lnSpc>
+                <a:spcPct val="150000"/>
+              </a:lnSpc>
+              <a:spcBef>
+                <a:spcPts val="0"/>
+              </a:spcBef>
+              <a:spcAft>
+                <a:spcPts val="0"/>
+              </a:spcAft>
+              <a:buClr>
+                <a:schemeClr val="dk1"/>
+              </a:buClr>
+              <a:buFont typeface="Arial"/>
+              <a:buNone/>
+            </a:pPr>
+            <a:r>
+              <a:rPr lang="en" sz="2200">
+                <a:solidFill>
+                  <a:srgbClr val="4472C5"/>
+                </a:solidFill>
+                <a:latin typeface="Times New Roman"/>
+                <a:ea typeface="Times New Roman"/>
+                <a:cs typeface="Times New Roman"/>
+                <a:sym typeface="Times New Roman"/>
+              </a:rPr>
+              <a:t>• null</a:t>
+            </a:r>
+            <a:r>
+              <a:rPr lang="en" sz="2200">
+                <a:solidFill>
+                  <a:schemeClr val="dk1"/>
+                </a:solidFill>
+                <a:latin typeface="Times New Roman"/>
+                <a:ea typeface="Times New Roman"/>
+                <a:cs typeface="Times New Roman"/>
+                <a:sym typeface="Times New Roman"/>
+              </a:rPr>
+              <a:t>: a variable with </a:t>
+            </a:r>
+            <a:r>
+              <a:rPr b="1" lang="en" sz="2200">
+                <a:solidFill>
+                  <a:schemeClr val="dk1"/>
+                </a:solidFill>
+                <a:latin typeface="Times New Roman"/>
+                <a:ea typeface="Times New Roman"/>
+                <a:cs typeface="Times New Roman"/>
+                <a:sym typeface="Times New Roman"/>
+              </a:rPr>
+              <a:t>no value </a:t>
+            </a:r>
+            <a:r>
+              <a:rPr lang="en" sz="2200">
+                <a:solidFill>
+                  <a:schemeClr val="dk1"/>
+                </a:solidFill>
+                <a:latin typeface="Times New Roman"/>
+                <a:ea typeface="Times New Roman"/>
+                <a:cs typeface="Times New Roman"/>
+                <a:sym typeface="Times New Roman"/>
+              </a:rPr>
+              <a:t>assigned to it  </a:t>
+            </a:r>
+            <a:r>
+              <a:rPr lang="en" sz="2200">
+                <a:solidFill>
+                  <a:srgbClr val="4472C5"/>
+                </a:solidFill>
+                <a:latin typeface="Courier New"/>
+                <a:ea typeface="Courier New"/>
+                <a:cs typeface="Courier New"/>
+                <a:sym typeface="Courier New"/>
+              </a:rPr>
+              <a:t>p = null</a:t>
+            </a:r>
+            <a:endParaRPr sz="2200">
+              <a:solidFill>
+                <a:schemeClr val="dk1"/>
+              </a:solidFill>
+              <a:latin typeface="Courier New"/>
+              <a:ea typeface="Courier New"/>
+              <a:cs typeface="Courier New"/>
+              <a:sym typeface="Courier New"/>
+            </a:endParaRPr>
+          </a:p>
+          <a:p>
+            <a:pPr indent="0" lvl="0" marL="0" rtl="0" algn="l">
+              <a:lnSpc>
+                <a:spcPct val="150000"/>
+              </a:lnSpc>
+              <a:spcBef>
+                <a:spcPts val="0"/>
+              </a:spcBef>
+              <a:spcAft>
+                <a:spcPts val="0"/>
+              </a:spcAft>
+              <a:buNone/>
+            </a:pPr>
+            <a:r>
+              <a:rPr lang="en" sz="2200">
+                <a:solidFill>
+                  <a:srgbClr val="548335"/>
+                </a:solidFill>
+                <a:latin typeface="Times New Roman"/>
+                <a:ea typeface="Times New Roman"/>
+                <a:cs typeface="Times New Roman"/>
+                <a:sym typeface="Times New Roman"/>
+              </a:rPr>
+              <a:t>• Symbol</a:t>
+            </a:r>
+            <a:r>
+              <a:rPr lang="en" sz="2200">
+                <a:solidFill>
+                  <a:schemeClr val="dk1"/>
+                </a:solidFill>
+                <a:latin typeface="Times New Roman"/>
+                <a:ea typeface="Times New Roman"/>
+                <a:cs typeface="Times New Roman"/>
+                <a:sym typeface="Times New Roman"/>
+              </a:rPr>
+              <a:t>: unique symbolic value (not covering here)</a:t>
+            </a:r>
+            <a:endParaRPr b="1" sz="2200">
               <a:solidFill>
                 <a:srgbClr val="FF0000"/>
               </a:solidFill>
@@ -8985,458 +9442,11 @@
               <a:sym typeface="Times New Roman"/>
             </a:endParaRPr>
           </a:p>
-          <a:p>
-            <a:pPr indent="0" lvl="0" marL="0" rtl="0" algn="l">
-              <a:lnSpc>
-                <a:spcPct val="100000"/>
-              </a:lnSpc>
-              <a:spcBef>
-                <a:spcPts val="0"/>
-              </a:spcBef>
-              <a:spcAft>
-                <a:spcPts val="0"/>
-              </a:spcAft>
-              <a:buNone/>
-            </a:pPr>
-            <a:r>
-              <a:t/>
-            </a:r>
-            <a:endParaRPr sz="2000">
-              <a:solidFill>
-                <a:srgbClr val="4F81BD"/>
-              </a:solidFill>
-              <a:latin typeface="Times New Roman"/>
-              <a:ea typeface="Times New Roman"/>
-              <a:cs typeface="Times New Roman"/>
-              <a:sym typeface="Times New Roman"/>
-            </a:endParaRPr>
-          </a:p>
-          <a:p>
-            <a:pPr indent="0" lvl="0" marL="0" rtl="0" algn="l">
-              <a:lnSpc>
-                <a:spcPct val="100000"/>
-              </a:lnSpc>
-              <a:spcBef>
-                <a:spcPts val="0"/>
-              </a:spcBef>
-              <a:spcAft>
-                <a:spcPts val="0"/>
-              </a:spcAft>
-              <a:buClr>
-                <a:srgbClr val="000000"/>
-              </a:buClr>
-              <a:buFont typeface="Arial"/>
-              <a:buNone/>
-            </a:pPr>
-            <a:r>
-              <a:rPr lang="en" sz="2000">
-                <a:solidFill>
-                  <a:srgbClr val="4F81BD"/>
-                </a:solidFill>
-                <a:latin typeface="Courier New"/>
-                <a:ea typeface="Courier New"/>
-                <a:cs typeface="Courier New"/>
-                <a:sym typeface="Courier New"/>
-              </a:rPr>
-              <a:t> var</a:t>
-            </a:r>
-            <a:r>
-              <a:rPr lang="en" sz="2000">
-                <a:solidFill>
-                  <a:srgbClr val="000000"/>
-                </a:solidFill>
-                <a:latin typeface="Courier New"/>
-                <a:ea typeface="Courier New"/>
-                <a:cs typeface="Courier New"/>
-                <a:sym typeface="Courier New"/>
-              </a:rPr>
-              <a:t> x = </a:t>
-            </a:r>
-            <a:r>
-              <a:rPr lang="en" sz="2000">
-                <a:solidFill>
-                  <a:srgbClr val="F79646"/>
-                </a:solidFill>
-                <a:latin typeface="Courier New"/>
-                <a:ea typeface="Courier New"/>
-                <a:cs typeface="Courier New"/>
-                <a:sym typeface="Courier New"/>
-              </a:rPr>
-              <a:t>3 + 2</a:t>
-            </a:r>
-            <a:r>
-              <a:rPr lang="en" sz="2000">
-                <a:solidFill>
-                  <a:srgbClr val="000000"/>
-                </a:solidFill>
-                <a:latin typeface="Courier New"/>
-                <a:ea typeface="Courier New"/>
-                <a:cs typeface="Courier New"/>
-                <a:sym typeface="Courier New"/>
-              </a:rPr>
-              <a:t>;			</a:t>
-            </a:r>
-            <a:r>
-              <a:rPr lang="en" sz="2000">
-                <a:solidFill>
-                  <a:srgbClr val="76923C"/>
-                </a:solidFill>
-                <a:latin typeface="Courier New"/>
-                <a:ea typeface="Courier New"/>
-                <a:cs typeface="Courier New"/>
-                <a:sym typeface="Courier New"/>
-              </a:rPr>
-              <a:t>// x is 5</a:t>
-            </a:r>
-            <a:endParaRPr sz="1400">
-              <a:solidFill>
-                <a:srgbClr val="000000"/>
-              </a:solidFill>
-              <a:latin typeface="Courier New"/>
-              <a:ea typeface="Courier New"/>
-              <a:cs typeface="Courier New"/>
-              <a:sym typeface="Courier New"/>
-            </a:endParaRPr>
-          </a:p>
-          <a:p>
-            <a:pPr indent="0" lvl="0" marL="0" rtl="0" algn="l">
-              <a:lnSpc>
-                <a:spcPct val="100000"/>
-              </a:lnSpc>
-              <a:spcBef>
-                <a:spcPts val="0"/>
-              </a:spcBef>
-              <a:spcAft>
-                <a:spcPts val="0"/>
-              </a:spcAft>
-              <a:buClr>
-                <a:srgbClr val="000000"/>
-              </a:buClr>
-              <a:buFont typeface="Arial"/>
-              <a:buNone/>
-            </a:pPr>
-            <a:r>
-              <a:rPr lang="en" sz="2000">
-                <a:solidFill>
-                  <a:srgbClr val="4F81BD"/>
-                </a:solidFill>
-                <a:latin typeface="Courier New"/>
-                <a:ea typeface="Courier New"/>
-                <a:cs typeface="Courier New"/>
-                <a:sym typeface="Courier New"/>
-              </a:rPr>
-              <a:t> let</a:t>
-            </a:r>
-            <a:r>
-              <a:rPr lang="en" sz="2000">
-                <a:solidFill>
-                  <a:srgbClr val="000000"/>
-                </a:solidFill>
-                <a:latin typeface="Courier New"/>
-                <a:ea typeface="Courier New"/>
-                <a:cs typeface="Courier New"/>
-                <a:sym typeface="Courier New"/>
-              </a:rPr>
-              <a:t> y = </a:t>
-            </a:r>
-            <a:r>
-              <a:rPr lang="en" sz="2000">
-                <a:solidFill>
-                  <a:srgbClr val="F79646"/>
-                </a:solidFill>
-                <a:latin typeface="Courier New"/>
-                <a:ea typeface="Courier New"/>
-                <a:cs typeface="Courier New"/>
-                <a:sym typeface="Courier New"/>
-              </a:rPr>
-              <a:t>10</a:t>
-            </a:r>
-            <a:r>
-              <a:rPr lang="en" sz="2000">
-                <a:solidFill>
-                  <a:srgbClr val="000000"/>
-                </a:solidFill>
-                <a:latin typeface="Courier New"/>
-                <a:ea typeface="Courier New"/>
-                <a:cs typeface="Courier New"/>
-                <a:sym typeface="Courier New"/>
-              </a:rPr>
-              <a:t>; 				</a:t>
-            </a:r>
-            <a:r>
-              <a:rPr lang="en" sz="2000">
-                <a:solidFill>
-                  <a:srgbClr val="76923C"/>
-                </a:solidFill>
-                <a:latin typeface="Courier New"/>
-                <a:ea typeface="Courier New"/>
-                <a:cs typeface="Courier New"/>
-                <a:sym typeface="Courier New"/>
-              </a:rPr>
-              <a:t>// y is 10</a:t>
-            </a:r>
-            <a:endParaRPr sz="1400">
-              <a:solidFill>
-                <a:srgbClr val="000000"/>
-              </a:solidFill>
-              <a:latin typeface="Courier New"/>
-              <a:ea typeface="Courier New"/>
-              <a:cs typeface="Courier New"/>
-              <a:sym typeface="Courier New"/>
-            </a:endParaRPr>
-          </a:p>
-          <a:p>
-            <a:pPr indent="0" lvl="0" marL="0" rtl="0" algn="l">
-              <a:lnSpc>
-                <a:spcPct val="100000"/>
-              </a:lnSpc>
-              <a:spcBef>
-                <a:spcPts val="0"/>
-              </a:spcBef>
-              <a:spcAft>
-                <a:spcPts val="0"/>
-              </a:spcAft>
-              <a:buClr>
-                <a:srgbClr val="000000"/>
-              </a:buClr>
-              <a:buFont typeface="Arial"/>
-              <a:buNone/>
-            </a:pPr>
-            <a:r>
-              <a:rPr lang="en" sz="2000">
-                <a:solidFill>
-                  <a:srgbClr val="4F81BD"/>
-                </a:solidFill>
-                <a:latin typeface="Courier New"/>
-                <a:ea typeface="Courier New"/>
-                <a:cs typeface="Courier New"/>
-                <a:sym typeface="Courier New"/>
-              </a:rPr>
-              <a:t> const </a:t>
-            </a:r>
-            <a:r>
-              <a:rPr lang="en" sz="2000">
-                <a:solidFill>
-                  <a:srgbClr val="000000"/>
-                </a:solidFill>
-                <a:latin typeface="Courier New"/>
-                <a:ea typeface="Courier New"/>
-                <a:cs typeface="Courier New"/>
-                <a:sym typeface="Courier New"/>
-              </a:rPr>
-              <a:t>PI = </a:t>
-            </a:r>
-            <a:r>
-              <a:rPr lang="en" sz="2000">
-                <a:solidFill>
-                  <a:srgbClr val="F79646"/>
-                </a:solidFill>
-                <a:latin typeface="Courier New"/>
-                <a:ea typeface="Courier New"/>
-                <a:cs typeface="Courier New"/>
-                <a:sym typeface="Courier New"/>
-              </a:rPr>
-              <a:t>3.14</a:t>
-            </a:r>
-            <a:r>
-              <a:rPr lang="en" sz="2000">
-                <a:solidFill>
-                  <a:srgbClr val="000000"/>
-                </a:solidFill>
-                <a:latin typeface="Courier New"/>
-                <a:ea typeface="Courier New"/>
-                <a:cs typeface="Courier New"/>
-                <a:sym typeface="Courier New"/>
-              </a:rPr>
-              <a:t>; 			</a:t>
-            </a:r>
-            <a:r>
-              <a:rPr lang="en" sz="2000">
-                <a:solidFill>
-                  <a:srgbClr val="76923C"/>
-                </a:solidFill>
-                <a:latin typeface="Courier New"/>
-                <a:ea typeface="Courier New"/>
-                <a:cs typeface="Courier New"/>
-                <a:sym typeface="Courier New"/>
-              </a:rPr>
-              <a:t>// PI is "3.14"</a:t>
-            </a:r>
-            <a:endParaRPr sz="1400">
-              <a:solidFill>
-                <a:srgbClr val="000000"/>
-              </a:solidFill>
-              <a:latin typeface="Courier New"/>
-              <a:ea typeface="Courier New"/>
-              <a:cs typeface="Courier New"/>
-              <a:sym typeface="Courier New"/>
-            </a:endParaRPr>
-          </a:p>
-          <a:p>
-            <a:pPr indent="0" lvl="0" marL="0" rtl="0" algn="l">
-              <a:lnSpc>
-                <a:spcPct val="100000"/>
-              </a:lnSpc>
-              <a:spcBef>
-                <a:spcPts val="0"/>
-              </a:spcBef>
-              <a:spcAft>
-                <a:spcPts val="0"/>
-              </a:spcAft>
-              <a:buClr>
-                <a:srgbClr val="000000"/>
-              </a:buClr>
-              <a:buFont typeface="Arial"/>
-              <a:buNone/>
-            </a:pPr>
-            <a:r>
-              <a:rPr lang="en" sz="2000">
-                <a:solidFill>
-                  <a:srgbClr val="000000"/>
-                </a:solidFill>
-                <a:latin typeface="Courier New"/>
-                <a:ea typeface="Courier New"/>
-                <a:cs typeface="Courier New"/>
-                <a:sym typeface="Courier New"/>
-              </a:rPr>
-              <a:t> msg = </a:t>
-            </a:r>
-            <a:r>
-              <a:rPr lang="en" sz="2000">
-                <a:solidFill>
-                  <a:srgbClr val="F79646"/>
-                </a:solidFill>
-                <a:latin typeface="Courier New"/>
-                <a:ea typeface="Courier New"/>
-                <a:cs typeface="Courier New"/>
-                <a:sym typeface="Courier New"/>
-              </a:rPr>
-              <a:t>"Hello!"</a:t>
-            </a:r>
-            <a:r>
-              <a:rPr lang="en" sz="2000">
-                <a:solidFill>
-                  <a:srgbClr val="000000"/>
-                </a:solidFill>
-                <a:latin typeface="Courier New"/>
-                <a:ea typeface="Courier New"/>
-                <a:cs typeface="Courier New"/>
-                <a:sym typeface="Courier New"/>
-              </a:rPr>
-              <a:t>;			</a:t>
-            </a:r>
-            <a:r>
-              <a:rPr lang="en" sz="2000">
-                <a:solidFill>
-                  <a:srgbClr val="76923C"/>
-                </a:solidFill>
-                <a:latin typeface="Courier New"/>
-                <a:ea typeface="Courier New"/>
-                <a:cs typeface="Courier New"/>
-                <a:sym typeface="Courier New"/>
-              </a:rPr>
-              <a:t>// </a:t>
-            </a:r>
-            <a:r>
-              <a:rPr lang="en" sz="2000">
-                <a:solidFill>
-                  <a:schemeClr val="dk1"/>
-                </a:solidFill>
-                <a:latin typeface="Courier New"/>
-                <a:ea typeface="Courier New"/>
-                <a:cs typeface="Courier New"/>
-                <a:sym typeface="Courier New"/>
-              </a:rPr>
-              <a:t>msg</a:t>
-            </a:r>
-            <a:r>
-              <a:rPr lang="en" sz="2000">
-                <a:solidFill>
-                  <a:srgbClr val="76923C"/>
-                </a:solidFill>
-                <a:latin typeface="Courier New"/>
-                <a:ea typeface="Courier New"/>
-                <a:cs typeface="Courier New"/>
-                <a:sym typeface="Courier New"/>
-              </a:rPr>
-              <a:t> is "Hello!"</a:t>
-            </a:r>
-            <a:endParaRPr sz="2000">
-              <a:solidFill>
-                <a:srgbClr val="76923C"/>
-              </a:solidFill>
-              <a:latin typeface="Courier New"/>
-              <a:ea typeface="Courier New"/>
-              <a:cs typeface="Courier New"/>
-              <a:sym typeface="Courier New"/>
-            </a:endParaRPr>
-          </a:p>
-          <a:p>
-            <a:pPr indent="0" lvl="2" marL="0" rtl="0" algn="l">
-              <a:lnSpc>
-                <a:spcPct val="150000"/>
-              </a:lnSpc>
-              <a:spcBef>
-                <a:spcPts val="0"/>
-              </a:spcBef>
-              <a:spcAft>
-                <a:spcPts val="0"/>
-              </a:spcAft>
-              <a:buNone/>
-            </a:pPr>
-            <a:r>
-              <a:t/>
-            </a:r>
-            <a:endParaRPr b="1" sz="1800">
-              <a:solidFill>
-                <a:srgbClr val="FF0000"/>
-              </a:solidFill>
-              <a:latin typeface="Times New Roman"/>
-              <a:ea typeface="Times New Roman"/>
-              <a:cs typeface="Times New Roman"/>
-              <a:sym typeface="Times New Roman"/>
-            </a:endParaRPr>
-          </a:p>
-          <a:p>
-            <a:pPr indent="0" lvl="2" marL="0" rtl="0" algn="l">
-              <a:lnSpc>
-                <a:spcPct val="150000"/>
-              </a:lnSpc>
-              <a:spcBef>
-                <a:spcPts val="0"/>
-              </a:spcBef>
-              <a:spcAft>
-                <a:spcPts val="0"/>
-              </a:spcAft>
-              <a:buNone/>
-            </a:pPr>
-            <a:r>
-              <a:rPr b="1" lang="en" sz="1800">
-                <a:solidFill>
-                  <a:srgbClr val="FF0000"/>
-                </a:solidFill>
-                <a:latin typeface="Times New Roman"/>
-                <a:ea typeface="Times New Roman"/>
-                <a:cs typeface="Times New Roman"/>
-                <a:sym typeface="Times New Roman"/>
-              </a:rPr>
-              <a:t>Variables declared with let and const cannot be redeclared.</a:t>
-            </a:r>
-            <a:endParaRPr b="1" sz="1800">
-              <a:solidFill>
-                <a:srgbClr val="FF0000"/>
-              </a:solidFill>
-              <a:latin typeface="Times New Roman"/>
-              <a:ea typeface="Times New Roman"/>
-              <a:cs typeface="Times New Roman"/>
-              <a:sym typeface="Times New Roman"/>
-            </a:endParaRPr>
-          </a:p>
         </p:txBody>
       </p:sp>
       <p:sp>
         <p:nvSpPr>
-          <p:cNvPr id="123" name="Google Shape;123;p23"/>
+          <p:cNvPr id="124" name="Google Shape;124;p23"/>
           <p:cNvSpPr txBox="1"/>
           <p:nvPr>
             <p:ph type="title"/>
@@ -9474,7 +9484,7 @@
                 <a:cs typeface="Times New Roman"/>
                 <a:sym typeface="Times New Roman"/>
               </a:rPr>
-              <a:t>Variables</a:t>
+              <a:t>Data types</a:t>
             </a:r>
             <a:endParaRPr b="1" sz="3020">
               <a:latin typeface="Times New Roman"/>
@@ -9487,7 +9497,7 @@
       </p:sp>
       <p:sp>
         <p:nvSpPr>
-          <p:cNvPr id="124" name="Google Shape;124;p23"/>
+          <p:cNvPr id="125" name="Google Shape;125;p23"/>
           <p:cNvSpPr/>
           <p:nvPr/>
         </p:nvSpPr>
@@ -9529,19 +9539,7 @@
                 <a:cs typeface="Times New Roman"/>
                 <a:sym typeface="Times New Roman"/>
               </a:rPr>
-              <a:t>e</a:t>
-            </a:r>
-            <a:r>
-              <a:rPr b="1" lang="en">
-                <a:solidFill>
-                  <a:schemeClr val="dk1"/>
-                </a:solidFill>
-                <a:latin typeface="Times New Roman"/>
-                <a:ea typeface="Times New Roman"/>
-                <a:cs typeface="Times New Roman"/>
-                <a:sym typeface="Times New Roman"/>
-              </a:rPr>
-              <a:t>xample-5.html, example-6.html</a:t>
+              <a:t>example-7.html</a:t>
             </a:r>
             <a:endParaRPr b="1">
               <a:solidFill>
@@ -9555,759 +9553,9 @@
           </a:p>
         </p:txBody>
       </p:sp>
-    </p:spTree>
-  </p:cSld>
-  <p:clrMapOvr>
-    <a:masterClrMapping/>
-  </p:clrMapOvr>
-</p:sld>
-</file>
-
-<file path=ppt/slides/slide11.xml><?xml version="1.0" encoding="utf-8"?>
-<p:sld xmlns:a="http://schemas.openxmlformats.org/drawingml/2006/main" xmlns:r="http://schemas.openxmlformats.org/officeDocument/2006/relationships" xmlns:mc="http://schemas.openxmlformats.org/markup-compatibility/2006" xmlns:mv="urn:schemas-microsoft-com:mac:vml" xmlns:p="http://schemas.openxmlformats.org/presentationml/2006/main" xmlns:c="http://schemas.openxmlformats.org/drawingml/2006/chart" xmlns:dgm="http://schemas.openxmlformats.org/drawingml/2006/diagram" xmlns:o="urn:schemas-microsoft-com:office:office" xmlns:v="urn:schemas-microsoft-com:vml" xmlns:pvml="urn:schemas-microsoft-com:office:powerpoint" xmlns:com="http://schemas.openxmlformats.org/drawingml/2006/compatibility" xmlns:p14="http://schemas.microsoft.com/office/powerpoint/2010/main" xmlns:p15="http://schemas.microsoft.com/office/powerpoint/2012/main" xmlns:ahyp="http://schemas.microsoft.com/office/drawing/2018/hyperlinkcolor">
-  <p:cSld>
-    <p:spTree>
-      <p:nvGrpSpPr>
-        <p:cNvPr id="128" name="Shape 128"/>
-        <p:cNvGrpSpPr/>
-        <p:nvPr/>
-      </p:nvGrpSpPr>
-      <p:grpSpPr>
-        <a:xfrm>
-          <a:off x="0" y="0"/>
-          <a:ext cx="0" cy="0"/>
-          <a:chOff x="0" y="0"/>
-          <a:chExt cx="0" cy="0"/>
-        </a:xfrm>
-      </p:grpSpPr>
       <p:sp>
         <p:nvSpPr>
-          <p:cNvPr id="129" name="Google Shape;129;p24"/>
-          <p:cNvSpPr txBox="1"/>
-          <p:nvPr>
-            <p:ph idx="1" type="body"/>
-          </p:nvPr>
-        </p:nvSpPr>
-        <p:spPr>
-          <a:xfrm>
-            <a:off x="0" y="572700"/>
-            <a:ext cx="9144000" cy="4570800"/>
-          </a:xfrm>
-          <a:prstGeom prst="rect">
-            <a:avLst/>
-          </a:prstGeom>
-        </p:spPr>
-        <p:txBody>
-          <a:bodyPr anchorCtr="0" anchor="t" bIns="91425" lIns="91425" spcFirstLastPara="1" rIns="91425" wrap="square" tIns="91425">
-            <a:noAutofit/>
-          </a:bodyPr>
-          <a:lstStyle/>
-          <a:p>
-            <a:pPr indent="0" lvl="0" marL="0" rtl="0" algn="l">
-              <a:lnSpc>
-                <a:spcPct val="150000"/>
-              </a:lnSpc>
-              <a:spcBef>
-                <a:spcPts val="0"/>
-              </a:spcBef>
-              <a:spcAft>
-                <a:spcPts val="0"/>
-              </a:spcAft>
-              <a:buNone/>
-            </a:pPr>
-            <a:r>
-              <a:rPr lang="en" sz="2200">
-                <a:solidFill>
-                  <a:schemeClr val="dk1"/>
-                </a:solidFill>
-                <a:latin typeface="Times New Roman"/>
-                <a:ea typeface="Times New Roman"/>
-                <a:cs typeface="Times New Roman"/>
-                <a:sym typeface="Times New Roman"/>
-              </a:rPr>
-              <a:t>There are six </a:t>
-            </a:r>
-            <a:r>
-              <a:rPr b="1" lang="en" sz="2200">
-                <a:solidFill>
-                  <a:srgbClr val="FF0000"/>
-                </a:solidFill>
-                <a:latin typeface="Times New Roman"/>
-                <a:ea typeface="Times New Roman"/>
-                <a:cs typeface="Times New Roman"/>
-                <a:sym typeface="Times New Roman"/>
-              </a:rPr>
-              <a:t>primitive </a:t>
-            </a:r>
-            <a:r>
-              <a:rPr lang="en" sz="2200">
-                <a:solidFill>
-                  <a:schemeClr val="dk1"/>
-                </a:solidFill>
-                <a:latin typeface="Times New Roman"/>
-                <a:ea typeface="Times New Roman"/>
-                <a:cs typeface="Times New Roman"/>
-                <a:sym typeface="Times New Roman"/>
-              </a:rPr>
-              <a:t>data types:</a:t>
-            </a:r>
-            <a:endParaRPr sz="2200">
-              <a:solidFill>
-                <a:schemeClr val="dk1"/>
-              </a:solidFill>
-              <a:latin typeface="Times New Roman"/>
-              <a:ea typeface="Times New Roman"/>
-              <a:cs typeface="Times New Roman"/>
-              <a:sym typeface="Times New Roman"/>
-            </a:endParaRPr>
-          </a:p>
-          <a:p>
-            <a:pPr indent="0" lvl="0" marL="0" rtl="0" algn="l">
-              <a:lnSpc>
-                <a:spcPct val="150000"/>
-              </a:lnSpc>
-              <a:spcBef>
-                <a:spcPts val="0"/>
-              </a:spcBef>
-              <a:spcAft>
-                <a:spcPts val="0"/>
-              </a:spcAft>
-              <a:buClr>
-                <a:schemeClr val="dk1"/>
-              </a:buClr>
-              <a:buFont typeface="Arial"/>
-              <a:buNone/>
-            </a:pPr>
-            <a:r>
-              <a:rPr lang="en" sz="2200">
-                <a:solidFill>
-                  <a:schemeClr val="dk1"/>
-                </a:solidFill>
-                <a:latin typeface="Times New Roman"/>
-                <a:ea typeface="Times New Roman"/>
-                <a:cs typeface="Times New Roman"/>
-                <a:sym typeface="Times New Roman"/>
-              </a:rPr>
-              <a:t>[in JavaScript data types are not declared in code]</a:t>
-            </a:r>
-            <a:endParaRPr sz="2200">
-              <a:solidFill>
-                <a:schemeClr val="dk1"/>
-              </a:solidFill>
-              <a:latin typeface="Times New Roman"/>
-              <a:ea typeface="Times New Roman"/>
-              <a:cs typeface="Times New Roman"/>
-              <a:sym typeface="Times New Roman"/>
-            </a:endParaRPr>
-          </a:p>
-          <a:p>
-            <a:pPr indent="0" lvl="0" marL="0" rtl="0" algn="l">
-              <a:lnSpc>
-                <a:spcPct val="150000"/>
-              </a:lnSpc>
-              <a:spcBef>
-                <a:spcPts val="0"/>
-              </a:spcBef>
-              <a:spcAft>
-                <a:spcPts val="0"/>
-              </a:spcAft>
-              <a:buClr>
-                <a:schemeClr val="dk1"/>
-              </a:buClr>
-              <a:buFont typeface="Arial"/>
-              <a:buNone/>
-            </a:pPr>
-            <a:r>
-              <a:rPr lang="en" sz="2200">
-                <a:solidFill>
-                  <a:srgbClr val="FF0000"/>
-                </a:solidFill>
-                <a:latin typeface="Times New Roman"/>
-                <a:ea typeface="Times New Roman"/>
-                <a:cs typeface="Times New Roman"/>
-                <a:sym typeface="Times New Roman"/>
-              </a:rPr>
-              <a:t>• Number</a:t>
-            </a:r>
-            <a:r>
-              <a:rPr lang="en" sz="2200">
-                <a:solidFill>
-                  <a:schemeClr val="dk1"/>
-                </a:solidFill>
-                <a:latin typeface="Times New Roman"/>
-                <a:ea typeface="Times New Roman"/>
-                <a:cs typeface="Times New Roman"/>
-                <a:sym typeface="Times New Roman"/>
-              </a:rPr>
-              <a:t>: integer or decimal numbers  </a:t>
-            </a:r>
-            <a:r>
-              <a:rPr lang="en" sz="2200">
-                <a:solidFill>
-                  <a:srgbClr val="4472C5"/>
-                </a:solidFill>
-                <a:latin typeface="Courier New"/>
-                <a:ea typeface="Courier New"/>
-                <a:cs typeface="Courier New"/>
-                <a:sym typeface="Courier New"/>
-              </a:rPr>
-              <a:t>a = 20, b = 3.5</a:t>
-            </a:r>
-            <a:endParaRPr sz="2200">
-              <a:solidFill>
-                <a:schemeClr val="dk1"/>
-              </a:solidFill>
-              <a:latin typeface="Courier New"/>
-              <a:ea typeface="Courier New"/>
-              <a:cs typeface="Courier New"/>
-              <a:sym typeface="Courier New"/>
-            </a:endParaRPr>
-          </a:p>
-          <a:p>
-            <a:pPr indent="0" lvl="0" marL="0" rtl="0" algn="l">
-              <a:lnSpc>
-                <a:spcPct val="150000"/>
-              </a:lnSpc>
-              <a:spcBef>
-                <a:spcPts val="0"/>
-              </a:spcBef>
-              <a:spcAft>
-                <a:spcPts val="0"/>
-              </a:spcAft>
-              <a:buClr>
-                <a:schemeClr val="dk1"/>
-              </a:buClr>
-              <a:buFont typeface="Arial"/>
-              <a:buNone/>
-            </a:pPr>
-            <a:r>
-              <a:rPr lang="en" sz="2200">
-                <a:solidFill>
-                  <a:srgbClr val="4472C5"/>
-                </a:solidFill>
-                <a:latin typeface="Times New Roman"/>
-                <a:ea typeface="Times New Roman"/>
-                <a:cs typeface="Times New Roman"/>
-                <a:sym typeface="Times New Roman"/>
-              </a:rPr>
-              <a:t>• String</a:t>
-            </a:r>
-            <a:r>
-              <a:rPr lang="en" sz="2200">
-                <a:solidFill>
-                  <a:schemeClr val="dk1"/>
-                </a:solidFill>
-                <a:latin typeface="Times New Roman"/>
-                <a:ea typeface="Times New Roman"/>
-                <a:cs typeface="Times New Roman"/>
-                <a:sym typeface="Times New Roman"/>
-              </a:rPr>
-              <a:t>: some text  </a:t>
-            </a:r>
-            <a:r>
-              <a:rPr lang="en" sz="2200">
-                <a:solidFill>
-                  <a:srgbClr val="4472C5"/>
-                </a:solidFill>
-                <a:latin typeface="Courier New"/>
-                <a:ea typeface="Courier New"/>
-                <a:cs typeface="Courier New"/>
-                <a:sym typeface="Courier New"/>
-              </a:rPr>
-              <a:t>s = "Hello, World!"</a:t>
-            </a:r>
-            <a:r>
-              <a:rPr lang="en" sz="2200">
-                <a:solidFill>
-                  <a:srgbClr val="4472C5"/>
-                </a:solidFill>
-                <a:latin typeface="Times New Roman"/>
-                <a:ea typeface="Times New Roman"/>
-                <a:cs typeface="Times New Roman"/>
-                <a:sym typeface="Times New Roman"/>
-              </a:rPr>
-              <a:t> </a:t>
-            </a:r>
-            <a:r>
-              <a:rPr lang="en" sz="2200">
-                <a:solidFill>
-                  <a:schemeClr val="dk1"/>
-                </a:solidFill>
-                <a:latin typeface="Times New Roman"/>
-                <a:ea typeface="Times New Roman"/>
-                <a:cs typeface="Times New Roman"/>
-                <a:sym typeface="Times New Roman"/>
-              </a:rPr>
-              <a:t>or empty string  </a:t>
-            </a:r>
-            <a:r>
-              <a:rPr lang="en" sz="2200">
-                <a:solidFill>
-                  <a:srgbClr val="4472C5"/>
-                </a:solidFill>
-                <a:latin typeface="Times New Roman"/>
-                <a:ea typeface="Times New Roman"/>
-                <a:cs typeface="Times New Roman"/>
-                <a:sym typeface="Times New Roman"/>
-              </a:rPr>
-              <a:t>t = ""</a:t>
-            </a:r>
-            <a:endParaRPr sz="2200">
-              <a:solidFill>
-                <a:srgbClr val="4472C5"/>
-              </a:solidFill>
-              <a:latin typeface="Times New Roman"/>
-              <a:ea typeface="Times New Roman"/>
-              <a:cs typeface="Times New Roman"/>
-              <a:sym typeface="Times New Roman"/>
-            </a:endParaRPr>
-          </a:p>
-          <a:p>
-            <a:pPr indent="0" lvl="0" marL="0" rtl="0" algn="l">
-              <a:lnSpc>
-                <a:spcPct val="150000"/>
-              </a:lnSpc>
-              <a:spcBef>
-                <a:spcPts val="0"/>
-              </a:spcBef>
-              <a:spcAft>
-                <a:spcPts val="0"/>
-              </a:spcAft>
-              <a:buClr>
-                <a:schemeClr val="dk1"/>
-              </a:buClr>
-              <a:buFont typeface="Arial"/>
-              <a:buNone/>
-            </a:pPr>
-            <a:r>
-              <a:rPr lang="en" sz="2200">
-                <a:solidFill>
-                  <a:srgbClr val="548335"/>
-                </a:solidFill>
-                <a:latin typeface="Times New Roman"/>
-                <a:ea typeface="Times New Roman"/>
-                <a:cs typeface="Times New Roman"/>
-                <a:sym typeface="Times New Roman"/>
-              </a:rPr>
-              <a:t>• Boolean</a:t>
-            </a:r>
-            <a:r>
-              <a:rPr lang="en" sz="2200">
-                <a:solidFill>
-                  <a:schemeClr val="dk1"/>
-                </a:solidFill>
-                <a:latin typeface="Times New Roman"/>
-                <a:ea typeface="Times New Roman"/>
-                <a:cs typeface="Times New Roman"/>
-                <a:sym typeface="Times New Roman"/>
-              </a:rPr>
-              <a:t>: </a:t>
-            </a:r>
-            <a:r>
-              <a:rPr b="1" lang="en" sz="2200">
-                <a:solidFill>
-                  <a:schemeClr val="dk1"/>
-                </a:solidFill>
-                <a:latin typeface="Courier New"/>
-                <a:ea typeface="Courier New"/>
-                <a:cs typeface="Courier New"/>
-                <a:sym typeface="Courier New"/>
-              </a:rPr>
-              <a:t>true</a:t>
-            </a:r>
-            <a:r>
-              <a:rPr b="1" lang="en" sz="2200">
-                <a:solidFill>
-                  <a:schemeClr val="dk1"/>
-                </a:solidFill>
-                <a:latin typeface="Times New Roman"/>
-                <a:ea typeface="Times New Roman"/>
-                <a:cs typeface="Times New Roman"/>
-                <a:sym typeface="Times New Roman"/>
-              </a:rPr>
-              <a:t> </a:t>
-            </a:r>
-            <a:r>
-              <a:rPr lang="en" sz="2200">
-                <a:solidFill>
-                  <a:schemeClr val="dk1"/>
-                </a:solidFill>
-                <a:latin typeface="Times New Roman"/>
-                <a:ea typeface="Times New Roman"/>
-                <a:cs typeface="Times New Roman"/>
-                <a:sym typeface="Times New Roman"/>
-              </a:rPr>
-              <a:t>or </a:t>
-            </a:r>
-            <a:r>
-              <a:rPr b="1" lang="en" sz="2200">
-                <a:solidFill>
-                  <a:schemeClr val="dk1"/>
-                </a:solidFill>
-                <a:latin typeface="Courier New"/>
-                <a:ea typeface="Courier New"/>
-                <a:cs typeface="Courier New"/>
-                <a:sym typeface="Courier New"/>
-              </a:rPr>
-              <a:t>false</a:t>
-            </a:r>
-            <a:r>
-              <a:rPr lang="en" sz="2200">
-                <a:solidFill>
-                  <a:schemeClr val="dk1"/>
-                </a:solidFill>
-                <a:latin typeface="Times New Roman"/>
-                <a:ea typeface="Times New Roman"/>
-                <a:cs typeface="Times New Roman"/>
-                <a:sym typeface="Times New Roman"/>
-              </a:rPr>
-              <a:t>  </a:t>
-            </a:r>
-            <a:r>
-              <a:rPr lang="en" sz="2200">
-                <a:solidFill>
-                  <a:srgbClr val="4472C5"/>
-                </a:solidFill>
-                <a:latin typeface="Courier New"/>
-                <a:ea typeface="Courier New"/>
-                <a:cs typeface="Courier New"/>
-                <a:sym typeface="Courier New"/>
-              </a:rPr>
-              <a:t>y = true</a:t>
-            </a:r>
-            <a:endParaRPr sz="2200">
-              <a:solidFill>
-                <a:schemeClr val="dk1"/>
-              </a:solidFill>
-              <a:latin typeface="Courier New"/>
-              <a:ea typeface="Courier New"/>
-              <a:cs typeface="Courier New"/>
-              <a:sym typeface="Courier New"/>
-            </a:endParaRPr>
-          </a:p>
-          <a:p>
-            <a:pPr indent="0" lvl="0" marL="0" rtl="0" algn="l">
-              <a:lnSpc>
-                <a:spcPct val="150000"/>
-              </a:lnSpc>
-              <a:spcBef>
-                <a:spcPts val="0"/>
-              </a:spcBef>
-              <a:spcAft>
-                <a:spcPts val="0"/>
-              </a:spcAft>
-              <a:buClr>
-                <a:schemeClr val="dk1"/>
-              </a:buClr>
-              <a:buFont typeface="Arial"/>
-              <a:buNone/>
-            </a:pPr>
-            <a:r>
-              <a:rPr lang="en" sz="2200">
-                <a:solidFill>
-                  <a:srgbClr val="FF0000"/>
-                </a:solidFill>
-                <a:latin typeface="Times New Roman"/>
-                <a:ea typeface="Times New Roman"/>
-                <a:cs typeface="Times New Roman"/>
-                <a:sym typeface="Times New Roman"/>
-              </a:rPr>
-              <a:t>• undefined</a:t>
-            </a:r>
-            <a:r>
-              <a:rPr lang="en" sz="2200">
-                <a:solidFill>
-                  <a:schemeClr val="dk1"/>
-                </a:solidFill>
-                <a:latin typeface="Times New Roman"/>
-                <a:ea typeface="Times New Roman"/>
-                <a:cs typeface="Times New Roman"/>
-                <a:sym typeface="Times New Roman"/>
-              </a:rPr>
-              <a:t>: a variable which is declared but doesn’t contain value  </a:t>
-            </a:r>
-            <a:r>
-              <a:rPr lang="en" sz="2200">
-                <a:solidFill>
-                  <a:srgbClr val="4472C5"/>
-                </a:solidFill>
-                <a:latin typeface="Courier New"/>
-                <a:ea typeface="Courier New"/>
-                <a:cs typeface="Courier New"/>
-                <a:sym typeface="Courier New"/>
-              </a:rPr>
-              <a:t>let x</a:t>
-            </a:r>
-            <a:r>
-              <a:rPr lang="en" sz="2200">
-                <a:solidFill>
-                  <a:schemeClr val="dk1"/>
-                </a:solidFill>
-                <a:latin typeface="Courier New"/>
-                <a:ea typeface="Courier New"/>
-                <a:cs typeface="Courier New"/>
-                <a:sym typeface="Courier New"/>
-              </a:rPr>
-              <a:t>;</a:t>
-            </a:r>
-            <a:endParaRPr sz="2200">
-              <a:solidFill>
-                <a:schemeClr val="dk1"/>
-              </a:solidFill>
-              <a:latin typeface="Courier New"/>
-              <a:ea typeface="Courier New"/>
-              <a:cs typeface="Courier New"/>
-              <a:sym typeface="Courier New"/>
-            </a:endParaRPr>
-          </a:p>
-          <a:p>
-            <a:pPr indent="0" lvl="0" marL="0" rtl="0" algn="l">
-              <a:lnSpc>
-                <a:spcPct val="150000"/>
-              </a:lnSpc>
-              <a:spcBef>
-                <a:spcPts val="0"/>
-              </a:spcBef>
-              <a:spcAft>
-                <a:spcPts val="0"/>
-              </a:spcAft>
-              <a:buClr>
-                <a:schemeClr val="dk1"/>
-              </a:buClr>
-              <a:buFont typeface="Arial"/>
-              <a:buNone/>
-            </a:pPr>
-            <a:r>
-              <a:rPr lang="en" sz="2200">
-                <a:solidFill>
-                  <a:srgbClr val="4472C5"/>
-                </a:solidFill>
-                <a:latin typeface="Times New Roman"/>
-                <a:ea typeface="Times New Roman"/>
-                <a:cs typeface="Times New Roman"/>
-                <a:sym typeface="Times New Roman"/>
-              </a:rPr>
-              <a:t>• null</a:t>
-            </a:r>
-            <a:r>
-              <a:rPr lang="en" sz="2200">
-                <a:solidFill>
-                  <a:schemeClr val="dk1"/>
-                </a:solidFill>
-                <a:latin typeface="Times New Roman"/>
-                <a:ea typeface="Times New Roman"/>
-                <a:cs typeface="Times New Roman"/>
-                <a:sym typeface="Times New Roman"/>
-              </a:rPr>
-              <a:t>: a variable with </a:t>
-            </a:r>
-            <a:r>
-              <a:rPr b="1" lang="en" sz="2200">
-                <a:solidFill>
-                  <a:schemeClr val="dk1"/>
-                </a:solidFill>
-                <a:latin typeface="Times New Roman"/>
-                <a:ea typeface="Times New Roman"/>
-                <a:cs typeface="Times New Roman"/>
-                <a:sym typeface="Times New Roman"/>
-              </a:rPr>
-              <a:t>no value </a:t>
-            </a:r>
-            <a:r>
-              <a:rPr lang="en" sz="2200">
-                <a:solidFill>
-                  <a:schemeClr val="dk1"/>
-                </a:solidFill>
-                <a:latin typeface="Times New Roman"/>
-                <a:ea typeface="Times New Roman"/>
-                <a:cs typeface="Times New Roman"/>
-                <a:sym typeface="Times New Roman"/>
-              </a:rPr>
-              <a:t>assigned to it  </a:t>
-            </a:r>
-            <a:r>
-              <a:rPr lang="en" sz="2200">
-                <a:solidFill>
-                  <a:srgbClr val="4472C5"/>
-                </a:solidFill>
-                <a:latin typeface="Courier New"/>
-                <a:ea typeface="Courier New"/>
-                <a:cs typeface="Courier New"/>
-                <a:sym typeface="Courier New"/>
-              </a:rPr>
-              <a:t>p = null</a:t>
-            </a:r>
-            <a:endParaRPr sz="2200">
-              <a:solidFill>
-                <a:schemeClr val="dk1"/>
-              </a:solidFill>
-              <a:latin typeface="Courier New"/>
-              <a:ea typeface="Courier New"/>
-              <a:cs typeface="Courier New"/>
-              <a:sym typeface="Courier New"/>
-            </a:endParaRPr>
-          </a:p>
-          <a:p>
-            <a:pPr indent="0" lvl="0" marL="0" rtl="0" algn="l">
-              <a:lnSpc>
-                <a:spcPct val="150000"/>
-              </a:lnSpc>
-              <a:spcBef>
-                <a:spcPts val="0"/>
-              </a:spcBef>
-              <a:spcAft>
-                <a:spcPts val="0"/>
-              </a:spcAft>
-              <a:buNone/>
-            </a:pPr>
-            <a:r>
-              <a:rPr lang="en" sz="2200">
-                <a:solidFill>
-                  <a:srgbClr val="548335"/>
-                </a:solidFill>
-                <a:latin typeface="Times New Roman"/>
-                <a:ea typeface="Times New Roman"/>
-                <a:cs typeface="Times New Roman"/>
-                <a:sym typeface="Times New Roman"/>
-              </a:rPr>
-              <a:t>• Symbol</a:t>
-            </a:r>
-            <a:r>
-              <a:rPr lang="en" sz="2200">
-                <a:solidFill>
-                  <a:schemeClr val="dk1"/>
-                </a:solidFill>
-                <a:latin typeface="Times New Roman"/>
-                <a:ea typeface="Times New Roman"/>
-                <a:cs typeface="Times New Roman"/>
-                <a:sym typeface="Times New Roman"/>
-              </a:rPr>
-              <a:t>: unique symbolic value (not covering here)</a:t>
-            </a:r>
-            <a:endParaRPr b="1" sz="2200">
-              <a:solidFill>
-                <a:srgbClr val="FF0000"/>
-              </a:solidFill>
-              <a:latin typeface="Times New Roman"/>
-              <a:ea typeface="Times New Roman"/>
-              <a:cs typeface="Times New Roman"/>
-              <a:sym typeface="Times New Roman"/>
-            </a:endParaRPr>
-          </a:p>
-        </p:txBody>
-      </p:sp>
-      <p:sp>
-        <p:nvSpPr>
-          <p:cNvPr id="130" name="Google Shape;130;p24"/>
-          <p:cNvSpPr txBox="1"/>
-          <p:nvPr>
-            <p:ph type="title"/>
-          </p:nvPr>
-        </p:nvSpPr>
-        <p:spPr>
-          <a:xfrm>
-            <a:off x="0" y="0"/>
-            <a:ext cx="9144000" cy="572700"/>
-          </a:xfrm>
-          <a:prstGeom prst="rect">
-            <a:avLst/>
-          </a:prstGeom>
-        </p:spPr>
-        <p:txBody>
-          <a:bodyPr anchorCtr="0" anchor="t" bIns="91425" lIns="91425" spcFirstLastPara="1" rIns="91425" wrap="square" tIns="91425">
-            <a:noAutofit/>
-          </a:bodyPr>
-          <a:lstStyle/>
-          <a:p>
-            <a:pPr indent="0" lvl="0" marL="0" rtl="0" algn="l">
-              <a:spcBef>
-                <a:spcPts val="0"/>
-              </a:spcBef>
-              <a:spcAft>
-                <a:spcPts val="0"/>
-              </a:spcAft>
-              <a:buSzPts val="990"/>
-              <a:buNone/>
-            </a:pPr>
-            <a:r>
-              <a:rPr b="1" lang="en" sz="3020">
-                <a:latin typeface="Times New Roman"/>
-                <a:ea typeface="Times New Roman"/>
-                <a:cs typeface="Times New Roman"/>
-                <a:sym typeface="Times New Roman"/>
-              </a:rPr>
-              <a:t>Data types</a:t>
-            </a:r>
-            <a:endParaRPr b="1" sz="3020">
-              <a:latin typeface="Times New Roman"/>
-              <a:ea typeface="Times New Roman"/>
-              <a:cs typeface="Times New Roman"/>
-              <a:sym typeface="Times New Roman"/>
-            </a:endParaRPr>
-          </a:p>
-        </p:txBody>
-      </p:sp>
-      <p:sp>
-        <p:nvSpPr>
-          <p:cNvPr id="131" name="Google Shape;131;p24"/>
-          <p:cNvSpPr/>
-          <p:nvPr/>
-        </p:nvSpPr>
-        <p:spPr>
-          <a:xfrm>
-            <a:off x="0" y="4676700"/>
-            <a:ext cx="9144000" cy="466800"/>
-          </a:xfrm>
-          <a:prstGeom prst="rect">
-            <a:avLst/>
-          </a:prstGeom>
-          <a:noFill/>
-          <a:ln>
-            <a:noFill/>
-          </a:ln>
-        </p:spPr>
-        <p:txBody>
-          <a:bodyPr anchorCtr="0" anchor="ctr" bIns="91425" lIns="91425" spcFirstLastPara="1" rIns="91425" wrap="square" tIns="91425">
-            <a:noAutofit/>
-          </a:bodyPr>
-          <a:lstStyle/>
-          <a:p>
-            <a:pPr indent="0" lvl="0" marL="0" rtl="0" algn="ctr">
-              <a:spcBef>
-                <a:spcPts val="0"/>
-              </a:spcBef>
-              <a:spcAft>
-                <a:spcPts val="0"/>
-              </a:spcAft>
-              <a:buNone/>
-            </a:pPr>
-            <a:r>
-              <a:rPr b="1" lang="en">
-                <a:solidFill>
-                  <a:schemeClr val="dk1"/>
-                </a:solidFill>
-                <a:latin typeface="Times New Roman"/>
-                <a:ea typeface="Times New Roman"/>
-                <a:cs typeface="Times New Roman"/>
-                <a:sym typeface="Times New Roman"/>
-              </a:rPr>
-              <a:t>example-7.html</a:t>
-            </a:r>
-            <a:endParaRPr b="1">
-              <a:solidFill>
-                <a:schemeClr val="dk1"/>
-              </a:solidFill>
-              <a:latin typeface="Times New Roman"/>
-              <a:ea typeface="Times New Roman"/>
-              <a:cs typeface="Times New Roman"/>
-              <a:sym typeface="Times New Roman"/>
-            </a:endParaRPr>
-          </a:p>
-        </p:txBody>
-      </p:sp>
-      <p:sp>
-        <p:nvSpPr>
-          <p:cNvPr id="132" name="Google Shape;132;p24"/>
+          <p:cNvPr id="126" name="Google Shape;126;p23"/>
           <p:cNvSpPr/>
           <p:nvPr/>
         </p:nvSpPr>
@@ -10361,12 +9609,12 @@
 </p:sld>
 </file>
 
-<file path=ppt/slides/slide12.xml><?xml version="1.0" encoding="utf-8"?>
+<file path=ppt/slides/slide11.xml><?xml version="1.0" encoding="utf-8"?>
 <p:sld xmlns:a="http://schemas.openxmlformats.org/drawingml/2006/main" xmlns:r="http://schemas.openxmlformats.org/officeDocument/2006/relationships" xmlns:mc="http://schemas.openxmlformats.org/markup-compatibility/2006" xmlns:mv="urn:schemas-microsoft-com:mac:vml" xmlns:p="http://schemas.openxmlformats.org/presentationml/2006/main" xmlns:c="http://schemas.openxmlformats.org/drawingml/2006/chart" xmlns:dgm="http://schemas.openxmlformats.org/drawingml/2006/diagram" xmlns:o="urn:schemas-microsoft-com:office:office" xmlns:v="urn:schemas-microsoft-com:vml" xmlns:pvml="urn:schemas-microsoft-com:office:powerpoint" xmlns:com="http://schemas.openxmlformats.org/drawingml/2006/compatibility" xmlns:p14="http://schemas.microsoft.com/office/powerpoint/2010/main" xmlns:p15="http://schemas.microsoft.com/office/powerpoint/2012/main" xmlns:ahyp="http://schemas.microsoft.com/office/drawing/2018/hyperlinkcolor">
   <p:cSld>
     <p:spTree>
       <p:nvGrpSpPr>
-        <p:cNvPr id="136" name="Shape 136"/>
+        <p:cNvPr id="130" name="Shape 130"/>
         <p:cNvGrpSpPr/>
         <p:nvPr/>
       </p:nvGrpSpPr>
@@ -10380,7 +9628,7 @@
       </p:grpSpPr>
       <p:sp>
         <p:nvSpPr>
-          <p:cNvPr id="137" name="Google Shape;137;p25"/>
+          <p:cNvPr id="131" name="Google Shape;131;p24"/>
           <p:cNvSpPr txBox="1"/>
           <p:nvPr>
             <p:ph idx="1" type="body"/>
@@ -10634,7 +9882,7 @@
       </p:sp>
       <p:sp>
         <p:nvSpPr>
-          <p:cNvPr id="138" name="Google Shape;138;p25"/>
+          <p:cNvPr id="132" name="Google Shape;132;p24"/>
           <p:cNvSpPr txBox="1"/>
           <p:nvPr>
             <p:ph type="title"/>
@@ -10685,7 +9933,7 @@
       </p:sp>
       <p:sp>
         <p:nvSpPr>
-          <p:cNvPr id="139" name="Google Shape;139;p25"/>
+          <p:cNvPr id="133" name="Google Shape;133;p24"/>
           <p:cNvSpPr/>
           <p:nvPr/>
         </p:nvSpPr>
@@ -10743,7 +9991,7 @@
       </p:sp>
       <p:sp>
         <p:nvSpPr>
-          <p:cNvPr id="140" name="Google Shape;140;p25"/>
+          <p:cNvPr id="134" name="Google Shape;134;p24"/>
           <p:cNvSpPr txBox="1"/>
           <p:nvPr/>
         </p:nvSpPr>
@@ -10810,12 +10058,12 @@
 </p:sld>
 </file>
 
-<file path=ppt/slides/slide13.xml><?xml version="1.0" encoding="utf-8"?>
+<file path=ppt/slides/slide12.xml><?xml version="1.0" encoding="utf-8"?>
 <p:sld xmlns:a="http://schemas.openxmlformats.org/drawingml/2006/main" xmlns:r="http://schemas.openxmlformats.org/officeDocument/2006/relationships" xmlns:mc="http://schemas.openxmlformats.org/markup-compatibility/2006" xmlns:mv="urn:schemas-microsoft-com:mac:vml" xmlns:p="http://schemas.openxmlformats.org/presentationml/2006/main" xmlns:c="http://schemas.openxmlformats.org/drawingml/2006/chart" xmlns:dgm="http://schemas.openxmlformats.org/drawingml/2006/diagram" xmlns:o="urn:schemas-microsoft-com:office:office" xmlns:v="urn:schemas-microsoft-com:vml" xmlns:pvml="urn:schemas-microsoft-com:office:powerpoint" xmlns:com="http://schemas.openxmlformats.org/drawingml/2006/compatibility" xmlns:p14="http://schemas.microsoft.com/office/powerpoint/2010/main" xmlns:p15="http://schemas.microsoft.com/office/powerpoint/2012/main" xmlns:ahyp="http://schemas.microsoft.com/office/drawing/2018/hyperlinkcolor">
   <p:cSld>
     <p:spTree>
       <p:nvGrpSpPr>
-        <p:cNvPr id="144" name="Shape 144"/>
+        <p:cNvPr id="138" name="Shape 138"/>
         <p:cNvGrpSpPr/>
         <p:nvPr/>
       </p:nvGrpSpPr>
@@ -10829,7 +10077,7 @@
       </p:grpSpPr>
       <p:sp>
         <p:nvSpPr>
-          <p:cNvPr id="145" name="Google Shape;145;p26"/>
+          <p:cNvPr id="139" name="Google Shape;139;p25"/>
           <p:cNvSpPr txBox="1"/>
           <p:nvPr>
             <p:ph idx="1" type="body"/>
@@ -11363,7 +10611,7 @@
       </p:sp>
       <p:sp>
         <p:nvSpPr>
-          <p:cNvPr id="146" name="Google Shape;146;p26"/>
+          <p:cNvPr id="140" name="Google Shape;140;p25"/>
           <p:cNvSpPr txBox="1"/>
           <p:nvPr>
             <p:ph type="title"/>
@@ -11414,7 +10662,7 @@
       </p:sp>
       <p:sp>
         <p:nvSpPr>
-          <p:cNvPr id="147" name="Google Shape;147;p26"/>
+          <p:cNvPr id="141" name="Google Shape;141;p25"/>
           <p:cNvSpPr/>
           <p:nvPr/>
         </p:nvSpPr>
@@ -11478,12 +10726,12 @@
 </p:sld>
 </file>
 
-<file path=ppt/slides/slide14.xml><?xml version="1.0" encoding="utf-8"?>
+<file path=ppt/slides/slide13.xml><?xml version="1.0" encoding="utf-8"?>
 <p:sld xmlns:a="http://schemas.openxmlformats.org/drawingml/2006/main" xmlns:r="http://schemas.openxmlformats.org/officeDocument/2006/relationships" xmlns:mc="http://schemas.openxmlformats.org/markup-compatibility/2006" xmlns:mv="urn:schemas-microsoft-com:mac:vml" xmlns:p="http://schemas.openxmlformats.org/presentationml/2006/main" xmlns:c="http://schemas.openxmlformats.org/drawingml/2006/chart" xmlns:dgm="http://schemas.openxmlformats.org/drawingml/2006/diagram" xmlns:o="urn:schemas-microsoft-com:office:office" xmlns:v="urn:schemas-microsoft-com:vml" xmlns:pvml="urn:schemas-microsoft-com:office:powerpoint" xmlns:com="http://schemas.openxmlformats.org/drawingml/2006/compatibility" xmlns:p14="http://schemas.microsoft.com/office/powerpoint/2010/main" xmlns:p15="http://schemas.microsoft.com/office/powerpoint/2012/main" xmlns:ahyp="http://schemas.microsoft.com/office/drawing/2018/hyperlinkcolor">
   <p:cSld>
     <p:spTree>
       <p:nvGrpSpPr>
-        <p:cNvPr id="151" name="Shape 151"/>
+        <p:cNvPr id="145" name="Shape 145"/>
         <p:cNvGrpSpPr/>
         <p:nvPr/>
       </p:nvGrpSpPr>
@@ -11497,7 +10745,7 @@
       </p:grpSpPr>
       <p:sp>
         <p:nvSpPr>
-          <p:cNvPr id="152" name="Google Shape;152;p27"/>
+          <p:cNvPr id="146" name="Google Shape;146;p26"/>
           <p:cNvSpPr txBox="1"/>
           <p:nvPr>
             <p:ph idx="1" type="body"/>
@@ -11747,7 +10995,7 @@
       </p:sp>
       <p:sp>
         <p:nvSpPr>
-          <p:cNvPr id="153" name="Google Shape;153;p27"/>
+          <p:cNvPr id="147" name="Google Shape;147;p26"/>
           <p:cNvSpPr txBox="1"/>
           <p:nvPr>
             <p:ph type="title"/>
@@ -11788,6 +11036,330 @@
               <a:t>Operators</a:t>
             </a:r>
             <a:endParaRPr b="1" sz="3020">
+              <a:latin typeface="Times New Roman"/>
+              <a:ea typeface="Times New Roman"/>
+              <a:cs typeface="Times New Roman"/>
+              <a:sym typeface="Times New Roman"/>
+            </a:endParaRPr>
+          </a:p>
+        </p:txBody>
+      </p:sp>
+      <p:sp>
+        <p:nvSpPr>
+          <p:cNvPr id="148" name="Google Shape;148;p26"/>
+          <p:cNvSpPr/>
+          <p:nvPr/>
+        </p:nvSpPr>
+        <p:spPr>
+          <a:xfrm>
+            <a:off x="0" y="4676700"/>
+            <a:ext cx="9144000" cy="466800"/>
+          </a:xfrm>
+          <a:prstGeom prst="rect">
+            <a:avLst/>
+          </a:prstGeom>
+          <a:noFill/>
+          <a:ln>
+            <a:noFill/>
+          </a:ln>
+        </p:spPr>
+        <p:txBody>
+          <a:bodyPr anchorCtr="0" anchor="ctr" bIns="91425" lIns="91425" spcFirstLastPara="1" rIns="91425" wrap="square" tIns="91425">
+            <a:noAutofit/>
+          </a:bodyPr>
+          <a:lstStyle/>
+          <a:p>
+            <a:pPr indent="0" lvl="0" marL="0" rtl="0" algn="ctr">
+              <a:spcBef>
+                <a:spcPts val="0"/>
+              </a:spcBef>
+              <a:spcAft>
+                <a:spcPts val="0"/>
+              </a:spcAft>
+              <a:buNone/>
+            </a:pPr>
+            <a:r>
+              <a:rPr b="1" lang="en">
+                <a:solidFill>
+                  <a:schemeClr val="dk1"/>
+                </a:solidFill>
+                <a:latin typeface="Times New Roman"/>
+                <a:ea typeface="Times New Roman"/>
+                <a:cs typeface="Times New Roman"/>
+                <a:sym typeface="Times New Roman"/>
+              </a:rPr>
+              <a:t>example-8.html</a:t>
+            </a:r>
+            <a:endParaRPr b="1">
+              <a:solidFill>
+                <a:schemeClr val="dk1"/>
+              </a:solidFill>
+              <a:latin typeface="Times New Roman"/>
+              <a:ea typeface="Times New Roman"/>
+              <a:cs typeface="Times New Roman"/>
+              <a:sym typeface="Times New Roman"/>
+            </a:endParaRPr>
+          </a:p>
+        </p:txBody>
+      </p:sp>
+    </p:spTree>
+  </p:cSld>
+  <p:clrMapOvr>
+    <a:masterClrMapping/>
+  </p:clrMapOvr>
+</p:sld>
+</file>
+
+<file path=ppt/slides/slide14.xml><?xml version="1.0" encoding="utf-8"?>
+<p:sld xmlns:a="http://schemas.openxmlformats.org/drawingml/2006/main" xmlns:r="http://schemas.openxmlformats.org/officeDocument/2006/relationships" xmlns:mc="http://schemas.openxmlformats.org/markup-compatibility/2006" xmlns:mv="urn:schemas-microsoft-com:mac:vml" xmlns:p="http://schemas.openxmlformats.org/presentationml/2006/main" xmlns:c="http://schemas.openxmlformats.org/drawingml/2006/chart" xmlns:dgm="http://schemas.openxmlformats.org/drawingml/2006/diagram" xmlns:o="urn:schemas-microsoft-com:office:office" xmlns:v="urn:schemas-microsoft-com:vml" xmlns:pvml="urn:schemas-microsoft-com:office:powerpoint" xmlns:com="http://schemas.openxmlformats.org/drawingml/2006/compatibility" xmlns:p14="http://schemas.microsoft.com/office/powerpoint/2010/main" xmlns:p15="http://schemas.microsoft.com/office/powerpoint/2012/main" xmlns:ahyp="http://schemas.microsoft.com/office/drawing/2018/hyperlinkcolor">
+  <p:cSld>
+    <p:spTree>
+      <p:nvGrpSpPr>
+        <p:cNvPr id="152" name="Shape 152"/>
+        <p:cNvGrpSpPr/>
+        <p:nvPr/>
+      </p:nvGrpSpPr>
+      <p:grpSpPr>
+        <a:xfrm>
+          <a:off x="0" y="0"/>
+          <a:ext cx="0" cy="0"/>
+          <a:chOff x="0" y="0"/>
+          <a:chExt cx="0" cy="0"/>
+        </a:xfrm>
+      </p:grpSpPr>
+      <p:sp>
+        <p:nvSpPr>
+          <p:cNvPr id="153" name="Google Shape;153;p27"/>
+          <p:cNvSpPr txBox="1"/>
+          <p:nvPr>
+            <p:ph idx="1" type="body"/>
+          </p:nvPr>
+        </p:nvSpPr>
+        <p:spPr>
+          <a:xfrm>
+            <a:off x="0" y="572700"/>
+            <a:ext cx="9144000" cy="4570800"/>
+          </a:xfrm>
+          <a:prstGeom prst="rect">
+            <a:avLst/>
+          </a:prstGeom>
+        </p:spPr>
+        <p:txBody>
+          <a:bodyPr anchorCtr="0" anchor="t" bIns="91425" lIns="91425" spcFirstLastPara="1" rIns="91425" wrap="square" tIns="91425">
+            <a:noAutofit/>
+          </a:bodyPr>
+          <a:lstStyle/>
+          <a:p>
+            <a:pPr indent="0" lvl="0" marL="0" rtl="0" algn="ctr">
+              <a:lnSpc>
+                <a:spcPct val="150000"/>
+              </a:lnSpc>
+              <a:spcBef>
+                <a:spcPts val="0"/>
+              </a:spcBef>
+              <a:spcAft>
+                <a:spcPts val="0"/>
+              </a:spcAft>
+              <a:buNone/>
+            </a:pPr>
+            <a:r>
+              <a:rPr b="1" lang="en" sz="2200">
+                <a:solidFill>
+                  <a:srgbClr val="FF0000"/>
+                </a:solidFill>
+                <a:latin typeface="Times New Roman"/>
+                <a:ea typeface="Times New Roman"/>
+                <a:cs typeface="Times New Roman"/>
+                <a:sym typeface="Times New Roman"/>
+              </a:rPr>
+              <a:t>Array</a:t>
+            </a:r>
+            <a:r>
+              <a:rPr b="1" lang="en" sz="2200">
+                <a:solidFill>
+                  <a:schemeClr val="dk1"/>
+                </a:solidFill>
+                <a:latin typeface="Times New Roman"/>
+                <a:ea typeface="Times New Roman"/>
+                <a:cs typeface="Times New Roman"/>
+                <a:sym typeface="Times New Roman"/>
+              </a:rPr>
+              <a:t> </a:t>
+            </a:r>
+            <a:r>
+              <a:rPr lang="en" sz="2200">
+                <a:solidFill>
+                  <a:schemeClr val="dk1"/>
+                </a:solidFill>
+                <a:latin typeface="Times New Roman"/>
+                <a:ea typeface="Times New Roman"/>
+                <a:cs typeface="Times New Roman"/>
+                <a:sym typeface="Times New Roman"/>
+              </a:rPr>
+              <a:t>is a data type to store </a:t>
+            </a:r>
+            <a:r>
+              <a:rPr b="1" lang="en" sz="2200" u="sng">
+                <a:solidFill>
+                  <a:schemeClr val="dk1"/>
+                </a:solidFill>
+                <a:latin typeface="Times New Roman"/>
+                <a:ea typeface="Times New Roman"/>
+                <a:cs typeface="Times New Roman"/>
+                <a:sym typeface="Times New Roman"/>
+              </a:rPr>
+              <a:t>ordered</a:t>
+            </a:r>
+            <a:r>
+              <a:rPr b="1" lang="en" sz="2200">
+                <a:solidFill>
+                  <a:schemeClr val="dk1"/>
+                </a:solidFill>
+                <a:latin typeface="Times New Roman"/>
+                <a:ea typeface="Times New Roman"/>
+                <a:cs typeface="Times New Roman"/>
+                <a:sym typeface="Times New Roman"/>
+              </a:rPr>
+              <a:t> </a:t>
+            </a:r>
+            <a:r>
+              <a:rPr lang="en" sz="2200">
+                <a:solidFill>
+                  <a:schemeClr val="dk1"/>
+                </a:solidFill>
+                <a:latin typeface="Times New Roman"/>
+                <a:ea typeface="Times New Roman"/>
+                <a:cs typeface="Times New Roman"/>
+                <a:sym typeface="Times New Roman"/>
+              </a:rPr>
+              <a:t>values (possibly different).</a:t>
+            </a:r>
+            <a:endParaRPr sz="2200">
+              <a:solidFill>
+                <a:schemeClr val="dk1"/>
+              </a:solidFill>
+              <a:latin typeface="Times New Roman"/>
+              <a:ea typeface="Times New Roman"/>
+              <a:cs typeface="Times New Roman"/>
+              <a:sym typeface="Times New Roman"/>
+            </a:endParaRPr>
+          </a:p>
+          <a:p>
+            <a:pPr indent="0" lvl="0" marL="0" rtl="0" algn="ctr">
+              <a:lnSpc>
+                <a:spcPct val="150000"/>
+              </a:lnSpc>
+              <a:spcBef>
+                <a:spcPts val="0"/>
+              </a:spcBef>
+              <a:spcAft>
+                <a:spcPts val="0"/>
+              </a:spcAft>
+              <a:buNone/>
+            </a:pPr>
+            <a:r>
+              <a:rPr lang="en" sz="2200">
+                <a:solidFill>
+                  <a:schemeClr val="dk1"/>
+                </a:solidFill>
+                <a:latin typeface="Times New Roman"/>
+                <a:ea typeface="Times New Roman"/>
+                <a:cs typeface="Times New Roman"/>
+                <a:sym typeface="Times New Roman"/>
+              </a:rPr>
+              <a:t>To create an array, use square brackets:</a:t>
+            </a:r>
+            <a:endParaRPr sz="2200">
+              <a:solidFill>
+                <a:schemeClr val="dk1"/>
+              </a:solidFill>
+              <a:latin typeface="Times New Roman"/>
+              <a:ea typeface="Times New Roman"/>
+              <a:cs typeface="Times New Roman"/>
+              <a:sym typeface="Times New Roman"/>
+            </a:endParaRPr>
+          </a:p>
+          <a:p>
+            <a:pPr indent="0" lvl="0" marL="0" rtl="0" algn="l">
+              <a:lnSpc>
+                <a:spcPct val="150000"/>
+              </a:lnSpc>
+              <a:spcBef>
+                <a:spcPts val="0"/>
+              </a:spcBef>
+              <a:spcAft>
+                <a:spcPts val="0"/>
+              </a:spcAft>
+              <a:buNone/>
+            </a:pPr>
+            <a:r>
+              <a:t/>
+            </a:r>
+            <a:endParaRPr sz="2200">
+              <a:solidFill>
+                <a:srgbClr val="4F81BD"/>
+              </a:solidFill>
+              <a:latin typeface="Courier New"/>
+              <a:ea typeface="Courier New"/>
+              <a:cs typeface="Courier New"/>
+              <a:sym typeface="Courier New"/>
+            </a:endParaRPr>
+          </a:p>
+          <a:p>
+            <a:pPr indent="0" lvl="0" marL="0" rtl="0" algn="l">
+              <a:lnSpc>
+                <a:spcPct val="150000"/>
+              </a:lnSpc>
+              <a:spcBef>
+                <a:spcPts val="0"/>
+              </a:spcBef>
+              <a:spcAft>
+                <a:spcPts val="0"/>
+              </a:spcAft>
+              <a:buNone/>
+            </a:pPr>
+            <a:r>
+              <a:t/>
+            </a:r>
+            <a:endParaRPr sz="2200">
+              <a:solidFill>
+                <a:srgbClr val="4F81BD"/>
+              </a:solidFill>
+              <a:latin typeface="Courier New"/>
+              <a:ea typeface="Courier New"/>
+              <a:cs typeface="Courier New"/>
+              <a:sym typeface="Courier New"/>
+            </a:endParaRPr>
+          </a:p>
+          <a:p>
+            <a:pPr indent="0" lvl="0" marL="0" rtl="0" algn="ctr">
+              <a:lnSpc>
+                <a:spcPct val="150000"/>
+              </a:lnSpc>
+              <a:spcBef>
+                <a:spcPts val="0"/>
+              </a:spcBef>
+              <a:spcAft>
+                <a:spcPts val="0"/>
+              </a:spcAft>
+              <a:buNone/>
+            </a:pPr>
+            <a:r>
+              <a:rPr lang="en" sz="2200">
+                <a:solidFill>
+                  <a:schemeClr val="dk1"/>
+                </a:solidFill>
+                <a:latin typeface="Courier New"/>
+                <a:ea typeface="Courier New"/>
+                <a:cs typeface="Courier New"/>
+                <a:sym typeface="Courier New"/>
+              </a:rPr>
+              <a:t>const array = ["David Malan", "Harvard CS 50", 2024]</a:t>
+            </a:r>
+            <a:endParaRPr sz="2200">
+              <a:solidFill>
+                <a:schemeClr val="dk1"/>
+              </a:solidFill>
               <a:latin typeface="Times New Roman"/>
               <a:ea typeface="Times New Roman"/>
               <a:cs typeface="Times New Roman"/>
@@ -11840,12 +11412,63 @@
                 <a:cs typeface="Times New Roman"/>
                 <a:sym typeface="Times New Roman"/>
               </a:rPr>
-              <a:t>example-8.html</a:t>
+              <a:t>example-9.html</a:t>
             </a:r>
             <a:endParaRPr b="1">
               <a:solidFill>
                 <a:schemeClr val="dk1"/>
               </a:solidFill>
+              <a:latin typeface="Times New Roman"/>
+              <a:ea typeface="Times New Roman"/>
+              <a:cs typeface="Times New Roman"/>
+              <a:sym typeface="Times New Roman"/>
+            </a:endParaRPr>
+          </a:p>
+        </p:txBody>
+      </p:sp>
+      <p:sp>
+        <p:nvSpPr>
+          <p:cNvPr id="155" name="Google Shape;155;p27"/>
+          <p:cNvSpPr txBox="1"/>
+          <p:nvPr>
+            <p:ph type="title"/>
+          </p:nvPr>
+        </p:nvSpPr>
+        <p:spPr>
+          <a:xfrm>
+            <a:off x="0" y="0"/>
+            <a:ext cx="9144000" cy="572700"/>
+          </a:xfrm>
+          <a:prstGeom prst="rect">
+            <a:avLst/>
+          </a:prstGeom>
+        </p:spPr>
+        <p:txBody>
+          <a:bodyPr anchorCtr="0" anchor="t" bIns="91425" lIns="91425" spcFirstLastPara="1" rIns="91425" wrap="square" tIns="91425">
+            <a:noAutofit/>
+          </a:bodyPr>
+          <a:lstStyle/>
+          <a:p>
+            <a:pPr indent="0" lvl="0" marL="0" rtl="0" algn="l">
+              <a:spcBef>
+                <a:spcPts val="0"/>
+              </a:spcBef>
+              <a:spcAft>
+                <a:spcPts val="0"/>
+              </a:spcAft>
+              <a:buSzPts val="990"/>
+              <a:buNone/>
+            </a:pPr>
+            <a:r>
+              <a:rPr b="1" lang="en" sz="3020">
+                <a:latin typeface="Times New Roman"/>
+                <a:ea typeface="Times New Roman"/>
+                <a:cs typeface="Times New Roman"/>
+                <a:sym typeface="Times New Roman"/>
+              </a:rPr>
+              <a:t>Arrays</a:t>
+            </a:r>
+            <a:endParaRPr b="1" sz="3020">
               <a:latin typeface="Times New Roman"/>
               <a:ea typeface="Times New Roman"/>
               <a:cs typeface="Times New Roman"/>
@@ -11867,7 +11490,7 @@
   <p:cSld>
     <p:spTree>
       <p:nvGrpSpPr>
-        <p:cNvPr id="158" name="Shape 158"/>
+        <p:cNvPr id="159" name="Shape 159"/>
         <p:cNvGrpSpPr/>
         <p:nvPr/>
       </p:nvGrpSpPr>
@@ -11881,7 +11504,7 @@
       </p:grpSpPr>
       <p:sp>
         <p:nvSpPr>
-          <p:cNvPr id="159" name="Google Shape;159;p28"/>
+          <p:cNvPr id="160" name="Google Shape;160;p28"/>
           <p:cNvSpPr txBox="1"/>
           <p:nvPr>
             <p:ph idx="1" type="body"/>
@@ -11915,20 +11538,20 @@
               <a:buNone/>
             </a:pPr>
             <a:r>
+              <a:rPr lang="en" sz="2200">
+                <a:solidFill>
+                  <a:schemeClr val="dk1"/>
+                </a:solidFill>
+                <a:latin typeface="Times New Roman"/>
+                <a:ea typeface="Times New Roman"/>
+                <a:cs typeface="Times New Roman"/>
+                <a:sym typeface="Times New Roman"/>
+              </a:rPr>
+              <a:t>Elements in the array are indexed by numbers (starting from </a:t>
+            </a:r>
+            <a:r>
               <a:rPr b="1" lang="en" sz="2200">
                 <a:solidFill>
-                  <a:srgbClr val="FF0000"/>
-                </a:solidFill>
-                <a:latin typeface="Times New Roman"/>
-                <a:ea typeface="Times New Roman"/>
-                <a:cs typeface="Times New Roman"/>
-                <a:sym typeface="Times New Roman"/>
-              </a:rPr>
-              <a:t>Array</a:t>
-            </a:r>
-            <a:r>
-              <a:rPr b="1" lang="en" sz="2200">
-                <a:solidFill>
                   <a:schemeClr val="dk1"/>
                 </a:solidFill>
                 <a:latin typeface="Times New Roman"/>
@@ -11936,7 +11559,7 @@
                 <a:cs typeface="Times New Roman"/>
                 <a:sym typeface="Times New Roman"/>
               </a:rPr>
-              <a:t> </a:t>
+              <a:t>0</a:t>
             </a:r>
             <a:r>
               <a:rPr lang="en" sz="2200">
@@ -11948,43 +11571,7 @@
                 <a:cs typeface="Times New Roman"/>
                 <a:sym typeface="Times New Roman"/>
               </a:rPr>
-              <a:t>is a data type to store </a:t>
-            </a:r>
-            <a:r>
-              <a:rPr b="1" lang="en" sz="2200" u="sng">
-                <a:solidFill>
-                  <a:schemeClr val="dk1"/>
-                </a:solidFill>
-                <a:latin typeface="Times New Roman"/>
-                <a:ea typeface="Times New Roman"/>
-                <a:cs typeface="Times New Roman"/>
-                <a:sym typeface="Times New Roman"/>
-              </a:rPr>
-              <a:t>ordered</a:t>
-            </a:r>
-            <a:r>
-              <a:rPr b="1" lang="en" sz="2200">
-                <a:solidFill>
-                  <a:schemeClr val="dk1"/>
-                </a:solidFill>
-                <a:latin typeface="Times New Roman"/>
-                <a:ea typeface="Times New Roman"/>
-                <a:cs typeface="Times New Roman"/>
-                <a:sym typeface="Times New Roman"/>
-              </a:rPr>
-              <a:t> </a:t>
-            </a:r>
-            <a:r>
-              <a:rPr lang="en" sz="2200">
-                <a:solidFill>
-                  <a:schemeClr val="dk1"/>
-                </a:solidFill>
-                <a:latin typeface="Times New Roman"/>
-                <a:ea typeface="Times New Roman"/>
-                <a:cs typeface="Times New Roman"/>
-                <a:sym typeface="Times New Roman"/>
-              </a:rPr>
-              <a:t>values (possibly different).</a:t>
+              <a:t>):</a:t>
             </a:r>
             <a:endParaRPr sz="2200">
               <a:solidFill>
@@ -11997,41 +11584,6 @@
             </a:endParaRPr>
           </a:p>
           <a:p>
-            <a:pPr indent="0" lvl="0" marL="0" rtl="0" algn="ctr">
-              <a:lnSpc>
-                <a:spcPct val="150000"/>
-              </a:lnSpc>
-              <a:spcBef>
-                <a:spcPts val="0"/>
-              </a:spcBef>
-              <a:spcAft>
-                <a:spcPts val="0"/>
-              </a:spcAft>
-              <a:buNone/>
-            </a:pPr>
-            <a:r>
-              <a:rPr lang="en" sz="2200">
-                <a:solidFill>
-                  <a:schemeClr val="dk1"/>
-                </a:solidFill>
-                <a:latin typeface="Times New Roman"/>
-                <a:ea typeface="Times New Roman"/>
-                <a:cs typeface="Times New Roman"/>
-                <a:sym typeface="Times New Roman"/>
-              </a:rPr>
-              <a:t>To create an array, use square brackets:</a:t>
-            </a:r>
-            <a:endParaRPr sz="2200">
-              <a:solidFill>
-                <a:schemeClr val="dk1"/>
-              </a:solidFill>
-              <a:latin typeface="Times New Roman"/>
-              <a:ea typeface="Times New Roman"/>
-              <a:cs typeface="Times New Roman"/>
-              <a:sym typeface="Times New Roman"/>
-            </a:endParaRPr>
-          </a:p>
-          <a:p>
             <a:pPr indent="0" lvl="0" marL="0" rtl="0" algn="l">
               <a:lnSpc>
                 <a:spcPct val="150000"/>
@@ -12097,7 +11649,7 @@
               <a:buNone/>
             </a:pPr>
             <a:r>
-              <a:rPr lang="en" sz="2200">
+              <a:rPr lang="en" sz="2600">
                 <a:solidFill>
                   <a:schemeClr val="dk1"/>
                 </a:solidFill>
@@ -12106,74 +11658,16 @@
                 <a:cs typeface="Courier New"/>
                 <a:sym typeface="Courier New"/>
               </a:rPr>
-              <a:t>const array = ["David Malan", "Harvard CS 50", 2024]</a:t>
-            </a:r>
-            <a:endParaRPr sz="2200">
+              <a:t>let x = array[0] // x stores "David Malan"</a:t>
+            </a:r>
+            <a:endParaRPr sz="2600">
               <a:solidFill>
                 <a:schemeClr val="dk1"/>
               </a:solidFill>
-              <a:latin typeface="Times New Roman"/>
-              <a:ea typeface="Times New Roman"/>
-              <a:cs typeface="Times New Roman"/>
-              <a:sym typeface="Times New Roman"/>
-            </a:endParaRPr>
-          </a:p>
-        </p:txBody>
-      </p:sp>
-      <p:sp>
-        <p:nvSpPr>
-          <p:cNvPr id="160" name="Google Shape;160;p28"/>
-          <p:cNvSpPr/>
-          <p:nvPr/>
-        </p:nvSpPr>
-        <p:spPr>
-          <a:xfrm>
-            <a:off x="0" y="4676700"/>
-            <a:ext cx="9144000" cy="466800"/>
-          </a:xfrm>
-          <a:prstGeom prst="rect">
-            <a:avLst/>
-          </a:prstGeom>
-          <a:noFill/>
-          <a:ln>
-            <a:noFill/>
-          </a:ln>
-        </p:spPr>
-        <p:txBody>
-          <a:bodyPr anchorCtr="0" anchor="ctr" bIns="91425" lIns="91425" spcFirstLastPara="1" rIns="91425" wrap="square" tIns="91425">
-            <a:noAutofit/>
-          </a:bodyPr>
-          <a:lstStyle/>
-          <a:p>
-            <a:pPr indent="0" lvl="0" marL="0" rtl="0" algn="ctr">
-              <a:spcBef>
-                <a:spcPts val="0"/>
-              </a:spcBef>
-              <a:spcAft>
-                <a:spcPts val="0"/>
-              </a:spcAft>
-              <a:buNone/>
-            </a:pPr>
-            <a:r>
-              <a:rPr b="1" lang="en">
-                <a:solidFill>
-                  <a:schemeClr val="dk1"/>
-                </a:solidFill>
-                <a:latin typeface="Times New Roman"/>
-                <a:ea typeface="Times New Roman"/>
-                <a:cs typeface="Times New Roman"/>
-                <a:sym typeface="Times New Roman"/>
-              </a:rPr>
-              <a:t>example-9.html</a:t>
-            </a:r>
-            <a:endParaRPr b="1">
-              <a:solidFill>
-                <a:schemeClr val="dk1"/>
-              </a:solidFill>
-              <a:latin typeface="Times New Roman"/>
-              <a:ea typeface="Times New Roman"/>
-              <a:cs typeface="Times New Roman"/>
-              <a:sym typeface="Times New Roman"/>
+              <a:latin typeface="Courier New"/>
+              <a:ea typeface="Courier New"/>
+              <a:cs typeface="Courier New"/>
+              <a:sym typeface="Courier New"/>
             </a:endParaRPr>
           </a:p>
         </p:txBody>
@@ -12229,255 +11723,9 @@
           </a:p>
         </p:txBody>
       </p:sp>
-    </p:spTree>
-  </p:cSld>
-  <p:clrMapOvr>
-    <a:masterClrMapping/>
-  </p:clrMapOvr>
-</p:sld>
-</file>
-
-<file path=ppt/slides/slide16.xml><?xml version="1.0" encoding="utf-8"?>
-<p:sld xmlns:a="http://schemas.openxmlformats.org/drawingml/2006/main" xmlns:r="http://schemas.openxmlformats.org/officeDocument/2006/relationships" xmlns:mc="http://schemas.openxmlformats.org/markup-compatibility/2006" xmlns:mv="urn:schemas-microsoft-com:mac:vml" xmlns:p="http://schemas.openxmlformats.org/presentationml/2006/main" xmlns:c="http://schemas.openxmlformats.org/drawingml/2006/chart" xmlns:dgm="http://schemas.openxmlformats.org/drawingml/2006/diagram" xmlns:o="urn:schemas-microsoft-com:office:office" xmlns:v="urn:schemas-microsoft-com:vml" xmlns:pvml="urn:schemas-microsoft-com:office:powerpoint" xmlns:com="http://schemas.openxmlformats.org/drawingml/2006/compatibility" xmlns:p14="http://schemas.microsoft.com/office/powerpoint/2010/main" xmlns:p15="http://schemas.microsoft.com/office/powerpoint/2012/main" xmlns:ahyp="http://schemas.microsoft.com/office/drawing/2018/hyperlinkcolor">
-  <p:cSld>
-    <p:spTree>
-      <p:nvGrpSpPr>
-        <p:cNvPr id="165" name="Shape 165"/>
-        <p:cNvGrpSpPr/>
-        <p:nvPr/>
-      </p:nvGrpSpPr>
-      <p:grpSpPr>
-        <a:xfrm>
-          <a:off x="0" y="0"/>
-          <a:ext cx="0" cy="0"/>
-          <a:chOff x="0" y="0"/>
-          <a:chExt cx="0" cy="0"/>
-        </a:xfrm>
-      </p:grpSpPr>
       <p:sp>
         <p:nvSpPr>
-          <p:cNvPr id="166" name="Google Shape;166;p29"/>
-          <p:cNvSpPr txBox="1"/>
-          <p:nvPr>
-            <p:ph idx="1" type="body"/>
-          </p:nvPr>
-        </p:nvSpPr>
-        <p:spPr>
-          <a:xfrm>
-            <a:off x="0" y="572700"/>
-            <a:ext cx="9144000" cy="4570800"/>
-          </a:xfrm>
-          <a:prstGeom prst="rect">
-            <a:avLst/>
-          </a:prstGeom>
-        </p:spPr>
-        <p:txBody>
-          <a:bodyPr anchorCtr="0" anchor="t" bIns="91425" lIns="91425" spcFirstLastPara="1" rIns="91425" wrap="square" tIns="91425">
-            <a:noAutofit/>
-          </a:bodyPr>
-          <a:lstStyle/>
-          <a:p>
-            <a:pPr indent="0" lvl="0" marL="0" rtl="0" algn="ctr">
-              <a:lnSpc>
-                <a:spcPct val="150000"/>
-              </a:lnSpc>
-              <a:spcBef>
-                <a:spcPts val="0"/>
-              </a:spcBef>
-              <a:spcAft>
-                <a:spcPts val="0"/>
-              </a:spcAft>
-              <a:buNone/>
-            </a:pPr>
-            <a:r>
-              <a:rPr lang="en" sz="2200">
-                <a:solidFill>
-                  <a:schemeClr val="dk1"/>
-                </a:solidFill>
-                <a:latin typeface="Times New Roman"/>
-                <a:ea typeface="Times New Roman"/>
-                <a:cs typeface="Times New Roman"/>
-                <a:sym typeface="Times New Roman"/>
-              </a:rPr>
-              <a:t>Elements in the array are indexed by numbers (starting from </a:t>
-            </a:r>
-            <a:r>
-              <a:rPr b="1" lang="en" sz="2200">
-                <a:solidFill>
-                  <a:schemeClr val="dk1"/>
-                </a:solidFill>
-                <a:latin typeface="Times New Roman"/>
-                <a:ea typeface="Times New Roman"/>
-                <a:cs typeface="Times New Roman"/>
-                <a:sym typeface="Times New Roman"/>
-              </a:rPr>
-              <a:t>0</a:t>
-            </a:r>
-            <a:r>
-              <a:rPr lang="en" sz="2200">
-                <a:solidFill>
-                  <a:schemeClr val="dk1"/>
-                </a:solidFill>
-                <a:latin typeface="Times New Roman"/>
-                <a:ea typeface="Times New Roman"/>
-                <a:cs typeface="Times New Roman"/>
-                <a:sym typeface="Times New Roman"/>
-              </a:rPr>
-              <a:t>):</a:t>
-            </a:r>
-            <a:endParaRPr sz="2200">
-              <a:solidFill>
-                <a:schemeClr val="dk1"/>
-              </a:solidFill>
-              <a:latin typeface="Times New Roman"/>
-              <a:ea typeface="Times New Roman"/>
-              <a:cs typeface="Times New Roman"/>
-              <a:sym typeface="Times New Roman"/>
-            </a:endParaRPr>
-          </a:p>
-          <a:p>
-            <a:pPr indent="0" lvl="0" marL="0" rtl="0" algn="l">
-              <a:lnSpc>
-                <a:spcPct val="150000"/>
-              </a:lnSpc>
-              <a:spcBef>
-                <a:spcPts val="0"/>
-              </a:spcBef>
-              <a:spcAft>
-                <a:spcPts val="0"/>
-              </a:spcAft>
-              <a:buNone/>
-            </a:pPr>
-            <a:r>
-              <a:t/>
-            </a:r>
-            <a:endParaRPr sz="2200">
-              <a:solidFill>
-                <a:srgbClr val="4F81BD"/>
-              </a:solidFill>
-              <a:latin typeface="Courier New"/>
-              <a:ea typeface="Courier New"/>
-              <a:cs typeface="Courier New"/>
-              <a:sym typeface="Courier New"/>
-            </a:endParaRPr>
-          </a:p>
-          <a:p>
-            <a:pPr indent="0" lvl="0" marL="0" rtl="0" algn="l">
-              <a:lnSpc>
-                <a:spcPct val="150000"/>
-              </a:lnSpc>
-              <a:spcBef>
-                <a:spcPts val="0"/>
-              </a:spcBef>
-              <a:spcAft>
-                <a:spcPts val="0"/>
-              </a:spcAft>
-              <a:buNone/>
-            </a:pPr>
-            <a:r>
-              <a:t/>
-            </a:r>
-            <a:endParaRPr sz="2200">
-              <a:solidFill>
-                <a:srgbClr val="4F81BD"/>
-              </a:solidFill>
-              <a:latin typeface="Courier New"/>
-              <a:ea typeface="Courier New"/>
-              <a:cs typeface="Courier New"/>
-              <a:sym typeface="Courier New"/>
-            </a:endParaRPr>
-          </a:p>
-          <a:p>
-            <a:pPr indent="0" lvl="0" marL="0" rtl="0" algn="ctr">
-              <a:lnSpc>
-                <a:spcPct val="150000"/>
-              </a:lnSpc>
-              <a:spcBef>
-                <a:spcPts val="0"/>
-              </a:spcBef>
-              <a:spcAft>
-                <a:spcPts val="0"/>
-              </a:spcAft>
-              <a:buNone/>
-            </a:pPr>
-            <a:r>
-              <a:rPr lang="en" sz="2600">
-                <a:solidFill>
-                  <a:schemeClr val="dk1"/>
-                </a:solidFill>
-                <a:latin typeface="Courier New"/>
-                <a:ea typeface="Courier New"/>
-                <a:cs typeface="Courier New"/>
-                <a:sym typeface="Courier New"/>
-              </a:rPr>
-              <a:t>let x = array[0] // x stores "David Malan"</a:t>
-            </a:r>
-            <a:endParaRPr sz="2600">
-              <a:solidFill>
-                <a:schemeClr val="dk1"/>
-              </a:solidFill>
-              <a:latin typeface="Courier New"/>
-              <a:ea typeface="Courier New"/>
-              <a:cs typeface="Courier New"/>
-              <a:sym typeface="Courier New"/>
-            </a:endParaRPr>
-          </a:p>
-        </p:txBody>
-      </p:sp>
-      <p:sp>
-        <p:nvSpPr>
-          <p:cNvPr id="167" name="Google Shape;167;p29"/>
-          <p:cNvSpPr txBox="1"/>
-          <p:nvPr>
-            <p:ph type="title"/>
-          </p:nvPr>
-        </p:nvSpPr>
-        <p:spPr>
-          <a:xfrm>
-            <a:off x="0" y="0"/>
-            <a:ext cx="9144000" cy="572700"/>
-          </a:xfrm>
-          <a:prstGeom prst="rect">
-            <a:avLst/>
-          </a:prstGeom>
-        </p:spPr>
-        <p:txBody>
-          <a:bodyPr anchorCtr="0" anchor="t" bIns="91425" lIns="91425" spcFirstLastPara="1" rIns="91425" wrap="square" tIns="91425">
-            <a:noAutofit/>
-          </a:bodyPr>
-          <a:lstStyle/>
-          <a:p>
-            <a:pPr indent="0" lvl="0" marL="0" rtl="0" algn="l">
-              <a:spcBef>
-                <a:spcPts val="0"/>
-              </a:spcBef>
-              <a:spcAft>
-                <a:spcPts val="0"/>
-              </a:spcAft>
-              <a:buSzPts val="990"/>
-              <a:buNone/>
-            </a:pPr>
-            <a:r>
-              <a:rPr b="1" lang="en" sz="3020">
-                <a:latin typeface="Times New Roman"/>
-                <a:ea typeface="Times New Roman"/>
-                <a:cs typeface="Times New Roman"/>
-                <a:sym typeface="Times New Roman"/>
-              </a:rPr>
-              <a:t>Arrays</a:t>
-            </a:r>
-            <a:endParaRPr b="1" sz="3020">
-              <a:latin typeface="Times New Roman"/>
-              <a:ea typeface="Times New Roman"/>
-              <a:cs typeface="Times New Roman"/>
-              <a:sym typeface="Times New Roman"/>
-            </a:endParaRPr>
-          </a:p>
-        </p:txBody>
-      </p:sp>
-      <p:sp>
-        <p:nvSpPr>
-          <p:cNvPr id="168" name="Google Shape;168;p29"/>
+          <p:cNvPr id="162" name="Google Shape;162;p28"/>
           <p:cNvSpPr/>
           <p:nvPr/>
         </p:nvSpPr>
@@ -12541,12 +11789,12 @@
 </p:sld>
 </file>
 
-<file path=ppt/slides/slide17.xml><?xml version="1.0" encoding="utf-8"?>
+<file path=ppt/slides/slide16.xml><?xml version="1.0" encoding="utf-8"?>
 <p:sld xmlns:a="http://schemas.openxmlformats.org/drawingml/2006/main" xmlns:r="http://schemas.openxmlformats.org/officeDocument/2006/relationships" xmlns:mc="http://schemas.openxmlformats.org/markup-compatibility/2006" xmlns:mv="urn:schemas-microsoft-com:mac:vml" xmlns:p="http://schemas.openxmlformats.org/presentationml/2006/main" xmlns:c="http://schemas.openxmlformats.org/drawingml/2006/chart" xmlns:dgm="http://schemas.openxmlformats.org/drawingml/2006/diagram" xmlns:o="urn:schemas-microsoft-com:office:office" xmlns:v="urn:schemas-microsoft-com:vml" xmlns:pvml="urn:schemas-microsoft-com:office:powerpoint" xmlns:com="http://schemas.openxmlformats.org/drawingml/2006/compatibility" xmlns:p14="http://schemas.microsoft.com/office/powerpoint/2010/main" xmlns:p15="http://schemas.microsoft.com/office/powerpoint/2012/main" xmlns:ahyp="http://schemas.microsoft.com/office/drawing/2018/hyperlinkcolor">
   <p:cSld>
     <p:spTree>
       <p:nvGrpSpPr>
-        <p:cNvPr id="172" name="Shape 172"/>
+        <p:cNvPr id="166" name="Shape 166"/>
         <p:cNvGrpSpPr/>
         <p:nvPr/>
       </p:nvGrpSpPr>
@@ -12560,7 +11808,7 @@
       </p:grpSpPr>
       <p:sp>
         <p:nvSpPr>
-          <p:cNvPr id="173" name="Google Shape;173;p30"/>
+          <p:cNvPr id="167" name="Google Shape;167;p29"/>
           <p:cNvSpPr txBox="1"/>
           <p:nvPr>
             <p:ph idx="1" type="body"/>
@@ -12715,7 +11963,7 @@
       </p:sp>
       <p:sp>
         <p:nvSpPr>
-          <p:cNvPr id="174" name="Google Shape;174;p30"/>
+          <p:cNvPr id="168" name="Google Shape;168;p29"/>
           <p:cNvSpPr txBox="1"/>
           <p:nvPr>
             <p:ph type="title"/>
@@ -12766,7 +12014,7 @@
       </p:sp>
       <p:sp>
         <p:nvSpPr>
-          <p:cNvPr id="175" name="Google Shape;175;p30"/>
+          <p:cNvPr id="169" name="Google Shape;169;p29"/>
           <p:cNvSpPr/>
           <p:nvPr/>
         </p:nvSpPr>
@@ -12830,12 +12078,12 @@
 </p:sld>
 </file>
 
-<file path=ppt/slides/slide18.xml><?xml version="1.0" encoding="utf-8"?>
+<file path=ppt/slides/slide17.xml><?xml version="1.0" encoding="utf-8"?>
 <p:sld xmlns:a="http://schemas.openxmlformats.org/drawingml/2006/main" xmlns:r="http://schemas.openxmlformats.org/officeDocument/2006/relationships" xmlns:mc="http://schemas.openxmlformats.org/markup-compatibility/2006" xmlns:mv="urn:schemas-microsoft-com:mac:vml" xmlns:p="http://schemas.openxmlformats.org/presentationml/2006/main" xmlns:c="http://schemas.openxmlformats.org/drawingml/2006/chart" xmlns:dgm="http://schemas.openxmlformats.org/drawingml/2006/diagram" xmlns:o="urn:schemas-microsoft-com:office:office" xmlns:v="urn:schemas-microsoft-com:vml" xmlns:pvml="urn:schemas-microsoft-com:office:powerpoint" xmlns:com="http://schemas.openxmlformats.org/drawingml/2006/compatibility" xmlns:p14="http://schemas.microsoft.com/office/powerpoint/2010/main" xmlns:p15="http://schemas.microsoft.com/office/powerpoint/2012/main" xmlns:ahyp="http://schemas.microsoft.com/office/drawing/2018/hyperlinkcolor">
   <p:cSld>
     <p:spTree>
       <p:nvGrpSpPr>
-        <p:cNvPr id="179" name="Shape 179"/>
+        <p:cNvPr id="173" name="Shape 173"/>
         <p:cNvGrpSpPr/>
         <p:nvPr/>
       </p:nvGrpSpPr>
@@ -12849,7 +12097,7 @@
       </p:grpSpPr>
       <p:sp>
         <p:nvSpPr>
-          <p:cNvPr id="180" name="Google Shape;180;p31"/>
+          <p:cNvPr id="174" name="Google Shape;174;p30"/>
           <p:cNvSpPr txBox="1"/>
           <p:nvPr>
             <p:ph idx="1" type="body"/>
@@ -13076,7 +12324,7 @@
       </p:sp>
       <p:sp>
         <p:nvSpPr>
-          <p:cNvPr id="181" name="Google Shape;181;p31"/>
+          <p:cNvPr id="175" name="Google Shape;175;p30"/>
           <p:cNvSpPr txBox="1"/>
           <p:nvPr>
             <p:ph type="title"/>
@@ -13127,7 +12375,7 @@
       </p:sp>
       <p:sp>
         <p:nvSpPr>
-          <p:cNvPr id="182" name="Google Shape;182;p31"/>
+          <p:cNvPr id="176" name="Google Shape;176;p30"/>
           <p:cNvSpPr/>
           <p:nvPr/>
         </p:nvSpPr>
@@ -13191,12 +12439,12 @@
 </p:sld>
 </file>
 
-<file path=ppt/slides/slide19.xml><?xml version="1.0" encoding="utf-8"?>
+<file path=ppt/slides/slide18.xml><?xml version="1.0" encoding="utf-8"?>
 <p:sld xmlns:a="http://schemas.openxmlformats.org/drawingml/2006/main" xmlns:r="http://schemas.openxmlformats.org/officeDocument/2006/relationships" xmlns:mc="http://schemas.openxmlformats.org/markup-compatibility/2006" xmlns:mv="urn:schemas-microsoft-com:mac:vml" xmlns:p="http://schemas.openxmlformats.org/presentationml/2006/main" xmlns:c="http://schemas.openxmlformats.org/drawingml/2006/chart" xmlns:dgm="http://schemas.openxmlformats.org/drawingml/2006/diagram" xmlns:o="urn:schemas-microsoft-com:office:office" xmlns:v="urn:schemas-microsoft-com:vml" xmlns:pvml="urn:schemas-microsoft-com:office:powerpoint" xmlns:com="http://schemas.openxmlformats.org/drawingml/2006/compatibility" xmlns:p14="http://schemas.microsoft.com/office/powerpoint/2010/main" xmlns:p15="http://schemas.microsoft.com/office/powerpoint/2012/main" xmlns:ahyp="http://schemas.microsoft.com/office/drawing/2018/hyperlinkcolor">
   <p:cSld>
     <p:spTree>
       <p:nvGrpSpPr>
-        <p:cNvPr id="186" name="Shape 186"/>
+        <p:cNvPr id="180" name="Shape 180"/>
         <p:cNvGrpSpPr/>
         <p:nvPr/>
       </p:nvGrpSpPr>
@@ -13210,7 +12458,7 @@
       </p:grpSpPr>
       <p:sp>
         <p:nvSpPr>
-          <p:cNvPr id="187" name="Google Shape;187;p32"/>
+          <p:cNvPr id="181" name="Google Shape;181;p31"/>
           <p:cNvSpPr txBox="1"/>
           <p:nvPr>
             <p:ph idx="1" type="body"/>
@@ -13365,7 +12613,7 @@
       </p:sp>
       <p:sp>
         <p:nvSpPr>
-          <p:cNvPr id="188" name="Google Shape;188;p32"/>
+          <p:cNvPr id="182" name="Google Shape;182;p31"/>
           <p:cNvSpPr txBox="1"/>
           <p:nvPr>
             <p:ph type="title"/>
@@ -13416,7 +12664,7 @@
       </p:sp>
       <p:sp>
         <p:nvSpPr>
-          <p:cNvPr id="189" name="Google Shape;189;p32"/>
+          <p:cNvPr id="183" name="Google Shape;183;p31"/>
           <p:cNvSpPr/>
           <p:nvPr/>
         </p:nvSpPr>
@@ -13472,6 +12720,217 @@
           </a:p>
         </p:txBody>
       </p:sp>
+    </p:spTree>
+  </p:cSld>
+  <p:clrMapOvr>
+    <a:masterClrMapping/>
+  </p:clrMapOvr>
+</p:sld>
+</file>
+
+<file path=ppt/slides/slide19.xml><?xml version="1.0" encoding="utf-8"?>
+<p:sld xmlns:a="http://schemas.openxmlformats.org/drawingml/2006/main" xmlns:r="http://schemas.openxmlformats.org/officeDocument/2006/relationships" xmlns:mc="http://schemas.openxmlformats.org/markup-compatibility/2006" xmlns:mv="urn:schemas-microsoft-com:mac:vml" xmlns:p="http://schemas.openxmlformats.org/presentationml/2006/main" xmlns:c="http://schemas.openxmlformats.org/drawingml/2006/chart" xmlns:dgm="http://schemas.openxmlformats.org/drawingml/2006/diagram" xmlns:o="urn:schemas-microsoft-com:office:office" xmlns:v="urn:schemas-microsoft-com:vml" xmlns:pvml="urn:schemas-microsoft-com:office:powerpoint" xmlns:com="http://schemas.openxmlformats.org/drawingml/2006/compatibility" xmlns:p14="http://schemas.microsoft.com/office/powerpoint/2010/main" xmlns:p15="http://schemas.microsoft.com/office/powerpoint/2012/main" xmlns:ahyp="http://schemas.microsoft.com/office/drawing/2018/hyperlinkcolor">
+  <p:cSld>
+    <p:spTree>
+      <p:nvGrpSpPr>
+        <p:cNvPr id="187" name="Shape 187"/>
+        <p:cNvGrpSpPr/>
+        <p:nvPr/>
+      </p:nvGrpSpPr>
+      <p:grpSpPr>
+        <a:xfrm>
+          <a:off x="0" y="0"/>
+          <a:ext cx="0" cy="0"/>
+          <a:chOff x="0" y="0"/>
+          <a:chExt cx="0" cy="0"/>
+        </a:xfrm>
+      </p:grpSpPr>
+      <p:sp>
+        <p:nvSpPr>
+          <p:cNvPr id="188" name="Google Shape;188;p32"/>
+          <p:cNvSpPr txBox="1"/>
+          <p:nvPr>
+            <p:ph idx="1" type="body"/>
+          </p:nvPr>
+        </p:nvSpPr>
+        <p:spPr>
+          <a:xfrm>
+            <a:off x="0" y="572700"/>
+            <a:ext cx="9144000" cy="4570800"/>
+          </a:xfrm>
+          <a:prstGeom prst="rect">
+            <a:avLst/>
+          </a:prstGeom>
+        </p:spPr>
+        <p:txBody>
+          <a:bodyPr anchorCtr="0" anchor="t" bIns="91425" lIns="91425" spcFirstLastPara="1" rIns="91425" wrap="square" tIns="91425">
+            <a:noAutofit/>
+          </a:bodyPr>
+          <a:lstStyle/>
+          <a:p>
+            <a:pPr indent="0" lvl="0" marL="0" rtl="0" algn="l">
+              <a:lnSpc>
+                <a:spcPct val="150000"/>
+              </a:lnSpc>
+              <a:spcBef>
+                <a:spcPts val="0"/>
+              </a:spcBef>
+              <a:spcAft>
+                <a:spcPts val="0"/>
+              </a:spcAft>
+              <a:buNone/>
+            </a:pPr>
+            <a:r>
+              <a:t/>
+            </a:r>
+            <a:endParaRPr sz="2200">
+              <a:solidFill>
+                <a:schemeClr val="dk1"/>
+              </a:solidFill>
+              <a:latin typeface="Times New Roman"/>
+              <a:ea typeface="Times New Roman"/>
+              <a:cs typeface="Times New Roman"/>
+              <a:sym typeface="Times New Roman"/>
+            </a:endParaRPr>
+          </a:p>
+        </p:txBody>
+      </p:sp>
+      <p:sp>
+        <p:nvSpPr>
+          <p:cNvPr id="189" name="Google Shape;189;p32"/>
+          <p:cNvSpPr txBox="1"/>
+          <p:nvPr>
+            <p:ph type="title"/>
+          </p:nvPr>
+        </p:nvSpPr>
+        <p:spPr>
+          <a:xfrm>
+            <a:off x="0" y="0"/>
+            <a:ext cx="9144000" cy="572700"/>
+          </a:xfrm>
+          <a:prstGeom prst="rect">
+            <a:avLst/>
+          </a:prstGeom>
+        </p:spPr>
+        <p:txBody>
+          <a:bodyPr anchorCtr="0" anchor="t" bIns="91425" lIns="91425" spcFirstLastPara="1" rIns="91425" wrap="square" tIns="91425">
+            <a:noAutofit/>
+          </a:bodyPr>
+          <a:lstStyle/>
+          <a:p>
+            <a:pPr indent="0" lvl="0" marL="0" rtl="0" algn="l">
+              <a:spcBef>
+                <a:spcPts val="0"/>
+              </a:spcBef>
+              <a:spcAft>
+                <a:spcPts val="0"/>
+              </a:spcAft>
+              <a:buSzPts val="990"/>
+              <a:buNone/>
+            </a:pPr>
+            <a:r>
+              <a:rPr b="1" lang="en" sz="3020">
+                <a:latin typeface="Times New Roman"/>
+                <a:ea typeface="Times New Roman"/>
+                <a:cs typeface="Times New Roman"/>
+                <a:sym typeface="Times New Roman"/>
+              </a:rPr>
+              <a:t>Objects</a:t>
+            </a:r>
+            <a:endParaRPr b="1" sz="3020">
+              <a:latin typeface="Times New Roman"/>
+              <a:ea typeface="Times New Roman"/>
+              <a:cs typeface="Times New Roman"/>
+              <a:sym typeface="Times New Roman"/>
+            </a:endParaRPr>
+          </a:p>
+        </p:txBody>
+      </p:sp>
+      <p:sp>
+        <p:nvSpPr>
+          <p:cNvPr id="190" name="Google Shape;190;p32"/>
+          <p:cNvSpPr/>
+          <p:nvPr/>
+        </p:nvSpPr>
+        <p:spPr>
+          <a:xfrm>
+            <a:off x="0" y="4676700"/>
+            <a:ext cx="9144000" cy="466800"/>
+          </a:xfrm>
+          <a:prstGeom prst="rect">
+            <a:avLst/>
+          </a:prstGeom>
+          <a:noFill/>
+          <a:ln>
+            <a:noFill/>
+          </a:ln>
+        </p:spPr>
+        <p:txBody>
+          <a:bodyPr anchorCtr="0" anchor="ctr" bIns="91425" lIns="91425" spcFirstLastPara="1" rIns="91425" wrap="square" tIns="91425">
+            <a:noAutofit/>
+          </a:bodyPr>
+          <a:lstStyle/>
+          <a:p>
+            <a:pPr indent="0" lvl="0" marL="0" rtl="0" algn="ctr">
+              <a:spcBef>
+                <a:spcPts val="0"/>
+              </a:spcBef>
+              <a:spcAft>
+                <a:spcPts val="0"/>
+              </a:spcAft>
+              <a:buNone/>
+            </a:pPr>
+            <a:r>
+              <a:rPr b="1" lang="en">
+                <a:solidFill>
+                  <a:schemeClr val="dk1"/>
+                </a:solidFill>
+                <a:latin typeface="Times New Roman"/>
+                <a:ea typeface="Times New Roman"/>
+                <a:cs typeface="Times New Roman"/>
+                <a:sym typeface="Times New Roman"/>
+              </a:rPr>
+              <a:t>https://www.w3schools.com/js/js_objects.asp</a:t>
+            </a:r>
+            <a:endParaRPr b="1">
+              <a:solidFill>
+                <a:schemeClr val="dk1"/>
+              </a:solidFill>
+              <a:latin typeface="Times New Roman"/>
+              <a:ea typeface="Times New Roman"/>
+              <a:cs typeface="Times New Roman"/>
+              <a:sym typeface="Times New Roman"/>
+            </a:endParaRPr>
+          </a:p>
+        </p:txBody>
+      </p:sp>
+      <p:pic>
+        <p:nvPicPr>
+          <p:cNvPr id="191" name="Google Shape;191;p32"/>
+          <p:cNvPicPr preferRelativeResize="0"/>
+          <p:nvPr/>
+        </p:nvPicPr>
+        <p:blipFill rotWithShape="1">
+          <a:blip r:embed="rId3">
+            <a:alphaModFix/>
+          </a:blip>
+          <a:srcRect b="-6224" l="0" r="-462" t="0"/>
+          <a:stretch/>
+        </p:blipFill>
+        <p:spPr>
+          <a:xfrm>
+            <a:off x="3" y="572701"/>
+            <a:ext cx="9143998" cy="4062250"/>
+          </a:xfrm>
+          <a:prstGeom prst="rect">
+            <a:avLst/>
+          </a:prstGeom>
+          <a:noFill/>
+          <a:ln>
+            <a:noFill/>
+          </a:ln>
+        </p:spPr>
+      </p:pic>
     </p:spTree>
   </p:cSld>
   <p:clrMapOvr>
@@ -13770,7 +13229,31 @@
                 <a:cs typeface="Courier New"/>
                 <a:sym typeface="Courier New"/>
               </a:rPr>
-              <a:t>        console.log("Talgat Manglayev")</a:t>
+              <a:t>        console.log("</a:t>
+            </a:r>
+            <a:r>
+              <a:rPr lang="en" sz="1800">
+                <a:solidFill>
+                  <a:srgbClr val="BFBFBF"/>
+                </a:solidFill>
+                <a:latin typeface="Courier New"/>
+                <a:ea typeface="Courier New"/>
+                <a:cs typeface="Courier New"/>
+                <a:sym typeface="Courier New"/>
+              </a:rPr>
+              <a:t>Dr. </a:t>
+            </a:r>
+            <a:r>
+              <a:rPr lang="en" sz="1800">
+                <a:solidFill>
+                  <a:srgbClr val="BFBFBF"/>
+                </a:solidFill>
+                <a:latin typeface="Courier New"/>
+                <a:ea typeface="Courier New"/>
+                <a:cs typeface="Courier New"/>
+                <a:sym typeface="Courier New"/>
+              </a:rPr>
+              <a:t>Talgat Manglayev")</a:t>
             </a:r>
             <a:endParaRPr sz="1800">
               <a:solidFill>
@@ -13807,7 +13290,31 @@
                 <a:cs typeface="Courier New"/>
                 <a:sym typeface="Courier New"/>
               </a:rPr>
-              <a:t>        console.log("Irina Dolzhikova")</a:t>
+              <a:t>        console.log("</a:t>
+            </a:r>
+            <a:r>
+              <a:rPr lang="en" sz="1800">
+                <a:solidFill>
+                  <a:srgbClr val="BFBFBF"/>
+                </a:solidFill>
+                <a:latin typeface="Courier New"/>
+                <a:ea typeface="Courier New"/>
+                <a:cs typeface="Courier New"/>
+                <a:sym typeface="Courier New"/>
+              </a:rPr>
+              <a:t>Dr. </a:t>
+            </a:r>
+            <a:r>
+              <a:rPr lang="en" sz="1800">
+                <a:solidFill>
+                  <a:srgbClr val="BFBFBF"/>
+                </a:solidFill>
+                <a:latin typeface="Courier New"/>
+                <a:ea typeface="Courier New"/>
+                <a:cs typeface="Courier New"/>
+                <a:sym typeface="Courier New"/>
+              </a:rPr>
+              <a:t>Irina Dolzhikova")</a:t>
             </a:r>
             <a:endParaRPr sz="1800">
               <a:solidFill>
@@ -13844,7 +13351,31 @@
                 <a:cs typeface="Courier New"/>
                 <a:sym typeface="Courier New"/>
               </a:rPr>
-              <a:t>        console.log("Aigerim Yessenbayeva")</a:t>
+              <a:t>        console.log("</a:t>
+            </a:r>
+            <a:r>
+              <a:rPr lang="en" sz="1800">
+                <a:solidFill>
+                  <a:srgbClr val="BFBFBF"/>
+                </a:solidFill>
+                <a:latin typeface="Courier New"/>
+                <a:ea typeface="Courier New"/>
+                <a:cs typeface="Courier New"/>
+                <a:sym typeface="Courier New"/>
+              </a:rPr>
+              <a:t>Dr. Syed Muhammad Umair Arif</a:t>
+            </a:r>
+            <a:r>
+              <a:rPr lang="en" sz="1800">
+                <a:solidFill>
+                  <a:srgbClr val="BFBFBF"/>
+                </a:solidFill>
+                <a:latin typeface="Courier New"/>
+                <a:ea typeface="Courier New"/>
+                <a:cs typeface="Courier New"/>
+                <a:sym typeface="Courier New"/>
+              </a:rPr>
+              <a:t>")</a:t>
             </a:r>
             <a:endParaRPr sz="1800">
               <a:solidFill>
@@ -14449,7 +13980,7 @@
   <p:cSld>
     <p:spTree>
       <p:nvGrpSpPr>
-        <p:cNvPr id="193" name="Shape 193"/>
+        <p:cNvPr id="195" name="Shape 195"/>
         <p:cNvGrpSpPr/>
         <p:nvPr/>
       </p:nvGrpSpPr>
@@ -14463,7 +13994,7 @@
       </p:grpSpPr>
       <p:sp>
         <p:nvSpPr>
-          <p:cNvPr id="194" name="Google Shape;194;p33"/>
+          <p:cNvPr id="196" name="Google Shape;196;p33"/>
           <p:cNvSpPr txBox="1"/>
           <p:nvPr>
             <p:ph idx="1" type="body"/>
@@ -14484,7 +14015,7 @@
           </a:bodyPr>
           <a:lstStyle/>
           <a:p>
-            <a:pPr indent="0" lvl="0" marL="0" rtl="0" algn="l">
+            <a:pPr indent="0" lvl="0" marL="0" rtl="0" algn="ctr">
               <a:lnSpc>
                 <a:spcPct val="150000"/>
               </a:lnSpc>
@@ -14497,7 +14028,135 @@
               <a:buNone/>
             </a:pPr>
             <a:r>
-              <a:t/>
+              <a:rPr b="1" lang="en" sz="2400">
+                <a:solidFill>
+                  <a:srgbClr val="FF0000"/>
+                </a:solidFill>
+                <a:latin typeface="Times New Roman"/>
+                <a:ea typeface="Times New Roman"/>
+                <a:cs typeface="Times New Roman"/>
+                <a:sym typeface="Times New Roman"/>
+              </a:rPr>
+              <a:t>C</a:t>
+            </a:r>
+            <a:r>
+              <a:rPr lang="en" sz="2400">
+                <a:solidFill>
+                  <a:schemeClr val="dk1"/>
+                </a:solidFill>
+                <a:latin typeface="Times New Roman"/>
+                <a:ea typeface="Times New Roman"/>
+                <a:cs typeface="Times New Roman"/>
+                <a:sym typeface="Times New Roman"/>
+              </a:rPr>
+              <a:t>omplex data type which stores values by their </a:t>
+            </a:r>
+            <a:r>
+              <a:rPr b="1" lang="en" sz="2400">
+                <a:solidFill>
+                  <a:schemeClr val="dk1"/>
+                </a:solidFill>
+                <a:latin typeface="Times New Roman"/>
+                <a:ea typeface="Times New Roman"/>
+                <a:cs typeface="Times New Roman"/>
+                <a:sym typeface="Times New Roman"/>
+              </a:rPr>
+              <a:t>keys</a:t>
+            </a:r>
+            <a:r>
+              <a:rPr lang="en" sz="2400">
+                <a:solidFill>
+                  <a:schemeClr val="dk1"/>
+                </a:solidFill>
+                <a:latin typeface="Times New Roman"/>
+                <a:ea typeface="Times New Roman"/>
+                <a:cs typeface="Times New Roman"/>
+                <a:sym typeface="Times New Roman"/>
+              </a:rPr>
+              <a:t>.</a:t>
+            </a:r>
+            <a:endParaRPr sz="2400">
+              <a:solidFill>
+                <a:schemeClr val="dk1"/>
+              </a:solidFill>
+              <a:latin typeface="Times New Roman"/>
+              <a:ea typeface="Times New Roman"/>
+              <a:cs typeface="Times New Roman"/>
+              <a:sym typeface="Times New Roman"/>
+            </a:endParaRPr>
+          </a:p>
+          <a:p>
+            <a:pPr indent="0" lvl="0" marL="0" rtl="0" algn="ctr">
+              <a:lnSpc>
+                <a:spcPct val="150000"/>
+              </a:lnSpc>
+              <a:spcBef>
+                <a:spcPts val="0"/>
+              </a:spcBef>
+              <a:spcAft>
+                <a:spcPts val="0"/>
+              </a:spcAft>
+              <a:buNone/>
+            </a:pPr>
+            <a:r>
+              <a:rPr lang="en" sz="2400">
+                <a:solidFill>
+                  <a:schemeClr val="dk1"/>
+                </a:solidFill>
+                <a:latin typeface="Times New Roman"/>
+                <a:ea typeface="Times New Roman"/>
+                <a:cs typeface="Times New Roman"/>
+                <a:sym typeface="Times New Roman"/>
+              </a:rPr>
+              <a:t>The objects may have </a:t>
+            </a:r>
+            <a:r>
+              <a:rPr b="1" lang="en" sz="2400">
+                <a:solidFill>
+                  <a:schemeClr val="dk1"/>
+                </a:solidFill>
+                <a:latin typeface="Times New Roman"/>
+                <a:ea typeface="Times New Roman"/>
+                <a:cs typeface="Times New Roman"/>
+                <a:sym typeface="Times New Roman"/>
+              </a:rPr>
+              <a:t>properties </a:t>
+            </a:r>
+            <a:r>
+              <a:rPr lang="en" sz="2400">
+                <a:solidFill>
+                  <a:schemeClr val="dk1"/>
+                </a:solidFill>
+                <a:latin typeface="Times New Roman"/>
+                <a:ea typeface="Times New Roman"/>
+                <a:cs typeface="Times New Roman"/>
+                <a:sym typeface="Times New Roman"/>
+              </a:rPr>
+              <a:t>and </a:t>
+            </a:r>
+            <a:r>
+              <a:rPr b="1" lang="en" sz="2400">
+                <a:solidFill>
+                  <a:schemeClr val="dk1"/>
+                </a:solidFill>
+                <a:latin typeface="Times New Roman"/>
+                <a:ea typeface="Times New Roman"/>
+                <a:cs typeface="Times New Roman"/>
+                <a:sym typeface="Times New Roman"/>
+              </a:rPr>
+              <a:t>methods</a:t>
+            </a:r>
+            <a:r>
+              <a:rPr lang="en" sz="2400">
+                <a:solidFill>
+                  <a:schemeClr val="dk1"/>
+                </a:solidFill>
+                <a:latin typeface="Times New Roman"/>
+                <a:ea typeface="Times New Roman"/>
+                <a:cs typeface="Times New Roman"/>
+                <a:sym typeface="Times New Roman"/>
+              </a:rPr>
+              <a:t>.</a:t>
             </a:r>
             <a:endParaRPr sz="2200">
               <a:solidFill>
@@ -14513,7 +14172,7 @@
       </p:sp>
       <p:sp>
         <p:nvSpPr>
-          <p:cNvPr id="195" name="Google Shape;195;p33"/>
+          <p:cNvPr id="197" name="Google Shape;197;p33"/>
           <p:cNvSpPr txBox="1"/>
           <p:nvPr>
             <p:ph type="title"/>
@@ -14564,7 +14223,7 @@
       </p:sp>
       <p:sp>
         <p:nvSpPr>
-          <p:cNvPr id="196" name="Google Shape;196;p33"/>
+          <p:cNvPr id="198" name="Google Shape;198;p33"/>
           <p:cNvSpPr/>
           <p:nvPr/>
         </p:nvSpPr>
@@ -14622,346 +14281,7 @@
       </p:sp>
       <p:pic>
         <p:nvPicPr>
-          <p:cNvPr id="197" name="Google Shape;197;p33"/>
-          <p:cNvPicPr preferRelativeResize="0"/>
-          <p:nvPr/>
-        </p:nvPicPr>
-        <p:blipFill rotWithShape="1">
-          <a:blip r:embed="rId3">
-            <a:alphaModFix/>
-          </a:blip>
-          <a:srcRect b="-6224" l="0" r="-462" t="0"/>
-          <a:stretch/>
-        </p:blipFill>
-        <p:spPr>
-          <a:xfrm>
-            <a:off x="3" y="572701"/>
-            <a:ext cx="9143998" cy="4062250"/>
-          </a:xfrm>
-          <a:prstGeom prst="rect">
-            <a:avLst/>
-          </a:prstGeom>
-          <a:noFill/>
-          <a:ln>
-            <a:noFill/>
-          </a:ln>
-        </p:spPr>
-      </p:pic>
-    </p:spTree>
-  </p:cSld>
-  <p:clrMapOvr>
-    <a:masterClrMapping/>
-  </p:clrMapOvr>
-</p:sld>
-</file>
-
-<file path=ppt/slides/slide21.xml><?xml version="1.0" encoding="utf-8"?>
-<p:sld xmlns:a="http://schemas.openxmlformats.org/drawingml/2006/main" xmlns:r="http://schemas.openxmlformats.org/officeDocument/2006/relationships" xmlns:mc="http://schemas.openxmlformats.org/markup-compatibility/2006" xmlns:mv="urn:schemas-microsoft-com:mac:vml" xmlns:p="http://schemas.openxmlformats.org/presentationml/2006/main" xmlns:c="http://schemas.openxmlformats.org/drawingml/2006/chart" xmlns:dgm="http://schemas.openxmlformats.org/drawingml/2006/diagram" xmlns:o="urn:schemas-microsoft-com:office:office" xmlns:v="urn:schemas-microsoft-com:vml" xmlns:pvml="urn:schemas-microsoft-com:office:powerpoint" xmlns:com="http://schemas.openxmlformats.org/drawingml/2006/compatibility" xmlns:p14="http://schemas.microsoft.com/office/powerpoint/2010/main" xmlns:p15="http://schemas.microsoft.com/office/powerpoint/2012/main" xmlns:ahyp="http://schemas.microsoft.com/office/drawing/2018/hyperlinkcolor">
-  <p:cSld>
-    <p:spTree>
-      <p:nvGrpSpPr>
-        <p:cNvPr id="201" name="Shape 201"/>
-        <p:cNvGrpSpPr/>
-        <p:nvPr/>
-      </p:nvGrpSpPr>
-      <p:grpSpPr>
-        <a:xfrm>
-          <a:off x="0" y="0"/>
-          <a:ext cx="0" cy="0"/>
-          <a:chOff x="0" y="0"/>
-          <a:chExt cx="0" cy="0"/>
-        </a:xfrm>
-      </p:grpSpPr>
-      <p:sp>
-        <p:nvSpPr>
-          <p:cNvPr id="202" name="Google Shape;202;p34"/>
-          <p:cNvSpPr txBox="1"/>
-          <p:nvPr>
-            <p:ph idx="1" type="body"/>
-          </p:nvPr>
-        </p:nvSpPr>
-        <p:spPr>
-          <a:xfrm>
-            <a:off x="0" y="572700"/>
-            <a:ext cx="9144000" cy="4570800"/>
-          </a:xfrm>
-          <a:prstGeom prst="rect">
-            <a:avLst/>
-          </a:prstGeom>
-        </p:spPr>
-        <p:txBody>
-          <a:bodyPr anchorCtr="0" anchor="t" bIns="91425" lIns="91425" spcFirstLastPara="1" rIns="91425" wrap="square" tIns="91425">
-            <a:noAutofit/>
-          </a:bodyPr>
-          <a:lstStyle/>
-          <a:p>
-            <a:pPr indent="0" lvl="0" marL="0" rtl="0" algn="ctr">
-              <a:lnSpc>
-                <a:spcPct val="150000"/>
-              </a:lnSpc>
-              <a:spcBef>
-                <a:spcPts val="0"/>
-              </a:spcBef>
-              <a:spcAft>
-                <a:spcPts val="0"/>
-              </a:spcAft>
-              <a:buNone/>
-            </a:pPr>
-            <a:r>
-              <a:rPr b="1" lang="en" sz="2400">
-                <a:solidFill>
-                  <a:srgbClr val="FF0000"/>
-                </a:solidFill>
-                <a:latin typeface="Times New Roman"/>
-                <a:ea typeface="Times New Roman"/>
-                <a:cs typeface="Times New Roman"/>
-                <a:sym typeface="Times New Roman"/>
-              </a:rPr>
-              <a:t>C</a:t>
-            </a:r>
-            <a:r>
-              <a:rPr lang="en" sz="2400">
-                <a:solidFill>
-                  <a:schemeClr val="dk1"/>
-                </a:solidFill>
-                <a:latin typeface="Times New Roman"/>
-                <a:ea typeface="Times New Roman"/>
-                <a:cs typeface="Times New Roman"/>
-                <a:sym typeface="Times New Roman"/>
-              </a:rPr>
-              <a:t>omplex data type which stores values by their </a:t>
-            </a:r>
-            <a:r>
-              <a:rPr b="1" lang="en" sz="2400">
-                <a:solidFill>
-                  <a:schemeClr val="dk1"/>
-                </a:solidFill>
-                <a:latin typeface="Times New Roman"/>
-                <a:ea typeface="Times New Roman"/>
-                <a:cs typeface="Times New Roman"/>
-                <a:sym typeface="Times New Roman"/>
-              </a:rPr>
-              <a:t>keys</a:t>
-            </a:r>
-            <a:r>
-              <a:rPr lang="en" sz="2400">
-                <a:solidFill>
-                  <a:schemeClr val="dk1"/>
-                </a:solidFill>
-                <a:latin typeface="Times New Roman"/>
-                <a:ea typeface="Times New Roman"/>
-                <a:cs typeface="Times New Roman"/>
-                <a:sym typeface="Times New Roman"/>
-              </a:rPr>
-              <a:t>.</a:t>
-            </a:r>
-            <a:endParaRPr sz="2400">
-              <a:solidFill>
-                <a:schemeClr val="dk1"/>
-              </a:solidFill>
-              <a:latin typeface="Times New Roman"/>
-              <a:ea typeface="Times New Roman"/>
-              <a:cs typeface="Times New Roman"/>
-              <a:sym typeface="Times New Roman"/>
-            </a:endParaRPr>
-          </a:p>
-          <a:p>
-            <a:pPr indent="0" lvl="0" marL="0" rtl="0" algn="ctr">
-              <a:lnSpc>
-                <a:spcPct val="150000"/>
-              </a:lnSpc>
-              <a:spcBef>
-                <a:spcPts val="0"/>
-              </a:spcBef>
-              <a:spcAft>
-                <a:spcPts val="0"/>
-              </a:spcAft>
-              <a:buNone/>
-            </a:pPr>
-            <a:r>
-              <a:rPr lang="en" sz="2400">
-                <a:solidFill>
-                  <a:schemeClr val="dk1"/>
-                </a:solidFill>
-                <a:latin typeface="Times New Roman"/>
-                <a:ea typeface="Times New Roman"/>
-                <a:cs typeface="Times New Roman"/>
-                <a:sym typeface="Times New Roman"/>
-              </a:rPr>
-              <a:t>The objects may have </a:t>
-            </a:r>
-            <a:r>
-              <a:rPr b="1" lang="en" sz="2400">
-                <a:solidFill>
-                  <a:schemeClr val="dk1"/>
-                </a:solidFill>
-                <a:latin typeface="Times New Roman"/>
-                <a:ea typeface="Times New Roman"/>
-                <a:cs typeface="Times New Roman"/>
-                <a:sym typeface="Times New Roman"/>
-              </a:rPr>
-              <a:t>properties </a:t>
-            </a:r>
-            <a:r>
-              <a:rPr lang="en" sz="2400">
-                <a:solidFill>
-                  <a:schemeClr val="dk1"/>
-                </a:solidFill>
-                <a:latin typeface="Times New Roman"/>
-                <a:ea typeface="Times New Roman"/>
-                <a:cs typeface="Times New Roman"/>
-                <a:sym typeface="Times New Roman"/>
-              </a:rPr>
-              <a:t>and </a:t>
-            </a:r>
-            <a:r>
-              <a:rPr b="1" lang="en" sz="2400">
-                <a:solidFill>
-                  <a:schemeClr val="dk1"/>
-                </a:solidFill>
-                <a:latin typeface="Times New Roman"/>
-                <a:ea typeface="Times New Roman"/>
-                <a:cs typeface="Times New Roman"/>
-                <a:sym typeface="Times New Roman"/>
-              </a:rPr>
-              <a:t>methods</a:t>
-            </a:r>
-            <a:r>
-              <a:rPr lang="en" sz="2400">
-                <a:solidFill>
-                  <a:schemeClr val="dk1"/>
-                </a:solidFill>
-                <a:latin typeface="Times New Roman"/>
-                <a:ea typeface="Times New Roman"/>
-                <a:cs typeface="Times New Roman"/>
-                <a:sym typeface="Times New Roman"/>
-              </a:rPr>
-              <a:t>.</a:t>
-            </a:r>
-            <a:endParaRPr sz="2200">
-              <a:solidFill>
-                <a:schemeClr val="dk1"/>
-              </a:solidFill>
-              <a:latin typeface="Times New Roman"/>
-              <a:ea typeface="Times New Roman"/>
-              <a:cs typeface="Times New Roman"/>
-              <a:sym typeface="Times New Roman"/>
-            </a:endParaRPr>
-          </a:p>
-        </p:txBody>
-      </p:sp>
-      <p:sp>
-        <p:nvSpPr>
-          <p:cNvPr id="203" name="Google Shape;203;p34"/>
-          <p:cNvSpPr txBox="1"/>
-          <p:nvPr>
-            <p:ph type="title"/>
-          </p:nvPr>
-        </p:nvSpPr>
-        <p:spPr>
-          <a:xfrm>
-            <a:off x="0" y="0"/>
-            <a:ext cx="9144000" cy="572700"/>
-          </a:xfrm>
-          <a:prstGeom prst="rect">
-            <a:avLst/>
-          </a:prstGeom>
-        </p:spPr>
-        <p:txBody>
-          <a:bodyPr anchorCtr="0" anchor="t" bIns="91425" lIns="91425" spcFirstLastPara="1" rIns="91425" wrap="square" tIns="91425">
-            <a:noAutofit/>
-          </a:bodyPr>
-          <a:lstStyle/>
-          <a:p>
-            <a:pPr indent="0" lvl="0" marL="0" rtl="0" algn="l">
-              <a:spcBef>
-                <a:spcPts val="0"/>
-              </a:spcBef>
-              <a:spcAft>
-                <a:spcPts val="0"/>
-              </a:spcAft>
-              <a:buSzPts val="990"/>
-              <a:buNone/>
-            </a:pPr>
-            <a:r>
-              <a:rPr b="1" lang="en" sz="3020">
-                <a:latin typeface="Times New Roman"/>
-                <a:ea typeface="Times New Roman"/>
-                <a:cs typeface="Times New Roman"/>
-                <a:sym typeface="Times New Roman"/>
-              </a:rPr>
-              <a:t>Objects</a:t>
-            </a:r>
-            <a:endParaRPr b="1" sz="3020">
-              <a:latin typeface="Times New Roman"/>
-              <a:ea typeface="Times New Roman"/>
-              <a:cs typeface="Times New Roman"/>
-              <a:sym typeface="Times New Roman"/>
-            </a:endParaRPr>
-          </a:p>
-        </p:txBody>
-      </p:sp>
-      <p:sp>
-        <p:nvSpPr>
-          <p:cNvPr id="204" name="Google Shape;204;p34"/>
-          <p:cNvSpPr/>
-          <p:nvPr/>
-        </p:nvSpPr>
-        <p:spPr>
-          <a:xfrm>
-            <a:off x="0" y="4676700"/>
-            <a:ext cx="9144000" cy="466800"/>
-          </a:xfrm>
-          <a:prstGeom prst="rect">
-            <a:avLst/>
-          </a:prstGeom>
-          <a:noFill/>
-          <a:ln>
-            <a:noFill/>
-          </a:ln>
-        </p:spPr>
-        <p:txBody>
-          <a:bodyPr anchorCtr="0" anchor="ctr" bIns="91425" lIns="91425" spcFirstLastPara="1" rIns="91425" wrap="square" tIns="91425">
-            <a:noAutofit/>
-          </a:bodyPr>
-          <a:lstStyle/>
-          <a:p>
-            <a:pPr indent="0" lvl="0" marL="0" rtl="0" algn="ctr">
-              <a:spcBef>
-                <a:spcPts val="0"/>
-              </a:spcBef>
-              <a:spcAft>
-                <a:spcPts val="0"/>
-              </a:spcAft>
-              <a:buNone/>
-            </a:pPr>
-            <a:r>
-              <a:rPr b="1" lang="en">
-                <a:solidFill>
-                  <a:schemeClr val="dk1"/>
-                </a:solidFill>
-                <a:latin typeface="Times New Roman"/>
-                <a:ea typeface="Times New Roman"/>
-                <a:cs typeface="Times New Roman"/>
-                <a:sym typeface="Times New Roman"/>
-              </a:rPr>
-              <a:t>https://www.w3schools.com/js/js_objects.asp</a:t>
-            </a:r>
-            <a:endParaRPr b="1">
-              <a:solidFill>
-                <a:schemeClr val="dk1"/>
-              </a:solidFill>
-              <a:latin typeface="Times New Roman"/>
-              <a:ea typeface="Times New Roman"/>
-              <a:cs typeface="Times New Roman"/>
-              <a:sym typeface="Times New Roman"/>
-            </a:endParaRPr>
-          </a:p>
-        </p:txBody>
-      </p:sp>
-      <p:pic>
-        <p:nvPicPr>
-          <p:cNvPr id="205" name="Google Shape;205;p34"/>
+          <p:cNvPr id="199" name="Google Shape;199;p33"/>
           <p:cNvPicPr preferRelativeResize="0"/>
           <p:nvPr/>
         </p:nvPicPr>
@@ -14994,12 +14314,12 @@
 </p:sld>
 </file>
 
-<file path=ppt/slides/slide22.xml><?xml version="1.0" encoding="utf-8"?>
+<file path=ppt/slides/slide21.xml><?xml version="1.0" encoding="utf-8"?>
 <p:sld xmlns:a="http://schemas.openxmlformats.org/drawingml/2006/main" xmlns:r="http://schemas.openxmlformats.org/officeDocument/2006/relationships" xmlns:mc="http://schemas.openxmlformats.org/markup-compatibility/2006" xmlns:mv="urn:schemas-microsoft-com:mac:vml" xmlns:p="http://schemas.openxmlformats.org/presentationml/2006/main" xmlns:c="http://schemas.openxmlformats.org/drawingml/2006/chart" xmlns:dgm="http://schemas.openxmlformats.org/drawingml/2006/diagram" xmlns:o="urn:schemas-microsoft-com:office:office" xmlns:v="urn:schemas-microsoft-com:vml" xmlns:pvml="urn:schemas-microsoft-com:office:powerpoint" xmlns:com="http://schemas.openxmlformats.org/drawingml/2006/compatibility" xmlns:p14="http://schemas.microsoft.com/office/powerpoint/2010/main" xmlns:p15="http://schemas.microsoft.com/office/powerpoint/2012/main" xmlns:ahyp="http://schemas.microsoft.com/office/drawing/2018/hyperlinkcolor">
   <p:cSld>
     <p:spTree>
       <p:nvGrpSpPr>
-        <p:cNvPr id="209" name="Shape 209"/>
+        <p:cNvPr id="203" name="Shape 203"/>
         <p:cNvGrpSpPr/>
         <p:nvPr/>
       </p:nvGrpSpPr>
@@ -15013,7 +14333,7 @@
       </p:grpSpPr>
       <p:sp>
         <p:nvSpPr>
-          <p:cNvPr id="210" name="Google Shape;210;p35"/>
+          <p:cNvPr id="204" name="Google Shape;204;p34"/>
           <p:cNvSpPr txBox="1"/>
           <p:nvPr>
             <p:ph idx="1" type="body"/>
@@ -15345,7 +14665,7 @@
       </p:sp>
       <p:sp>
         <p:nvSpPr>
-          <p:cNvPr id="211" name="Google Shape;211;p35"/>
+          <p:cNvPr id="205" name="Google Shape;205;p34"/>
           <p:cNvSpPr txBox="1"/>
           <p:nvPr>
             <p:ph type="title"/>
@@ -15396,7 +14716,7 @@
       </p:sp>
       <p:sp>
         <p:nvSpPr>
-          <p:cNvPr id="212" name="Google Shape;212;p35"/>
+          <p:cNvPr id="206" name="Google Shape;206;p34"/>
           <p:cNvSpPr/>
           <p:nvPr/>
         </p:nvSpPr>
@@ -15454,7 +14774,7 @@
       </p:sp>
       <p:sp>
         <p:nvSpPr>
-          <p:cNvPr id="213" name="Google Shape;213;p35"/>
+          <p:cNvPr id="207" name="Google Shape;207;p34"/>
           <p:cNvSpPr/>
           <p:nvPr/>
         </p:nvSpPr>
@@ -15530,12 +14850,12 @@
 </p:sld>
 </file>
 
-<file path=ppt/slides/slide23.xml><?xml version="1.0" encoding="utf-8"?>
+<file path=ppt/slides/slide22.xml><?xml version="1.0" encoding="utf-8"?>
 <p:sld xmlns:a="http://schemas.openxmlformats.org/drawingml/2006/main" xmlns:r="http://schemas.openxmlformats.org/officeDocument/2006/relationships" xmlns:mc="http://schemas.openxmlformats.org/markup-compatibility/2006" xmlns:mv="urn:schemas-microsoft-com:mac:vml" xmlns:p="http://schemas.openxmlformats.org/presentationml/2006/main" xmlns:c="http://schemas.openxmlformats.org/drawingml/2006/chart" xmlns:dgm="http://schemas.openxmlformats.org/drawingml/2006/diagram" xmlns:o="urn:schemas-microsoft-com:office:office" xmlns:v="urn:schemas-microsoft-com:vml" xmlns:pvml="urn:schemas-microsoft-com:office:powerpoint" xmlns:com="http://schemas.openxmlformats.org/drawingml/2006/compatibility" xmlns:p14="http://schemas.microsoft.com/office/powerpoint/2010/main" xmlns:p15="http://schemas.microsoft.com/office/powerpoint/2012/main" xmlns:ahyp="http://schemas.microsoft.com/office/drawing/2018/hyperlinkcolor">
   <p:cSld>
     <p:spTree>
       <p:nvGrpSpPr>
-        <p:cNvPr id="217" name="Shape 217"/>
+        <p:cNvPr id="211" name="Shape 211"/>
         <p:cNvGrpSpPr/>
         <p:nvPr/>
       </p:nvGrpSpPr>
@@ -15549,7 +14869,7 @@
       </p:grpSpPr>
       <p:sp>
         <p:nvSpPr>
-          <p:cNvPr id="218" name="Google Shape;218;p36"/>
+          <p:cNvPr id="212" name="Google Shape;212;p35"/>
           <p:cNvSpPr txBox="1"/>
           <p:nvPr>
             <p:ph idx="1" type="body"/>
@@ -15761,7 +15081,7 @@
       </p:sp>
       <p:sp>
         <p:nvSpPr>
-          <p:cNvPr id="219" name="Google Shape;219;p36"/>
+          <p:cNvPr id="213" name="Google Shape;213;p35"/>
           <p:cNvSpPr txBox="1"/>
           <p:nvPr>
             <p:ph type="title"/>
@@ -15812,7 +15132,7 @@
       </p:sp>
       <p:sp>
         <p:nvSpPr>
-          <p:cNvPr id="220" name="Google Shape;220;p36"/>
+          <p:cNvPr id="214" name="Google Shape;214;p35"/>
           <p:cNvSpPr/>
           <p:nvPr/>
         </p:nvSpPr>
@@ -15870,7 +15190,7 @@
       </p:sp>
       <p:sp>
         <p:nvSpPr>
-          <p:cNvPr id="221" name="Google Shape;221;p36"/>
+          <p:cNvPr id="215" name="Google Shape;215;p35"/>
           <p:cNvSpPr/>
           <p:nvPr/>
         </p:nvSpPr>
@@ -15918,6 +15238,569 @@
               <a:solidFill>
                 <a:schemeClr val="dk1"/>
               </a:solidFill>
+              <a:latin typeface="Times New Roman"/>
+              <a:ea typeface="Times New Roman"/>
+              <a:cs typeface="Times New Roman"/>
+              <a:sym typeface="Times New Roman"/>
+            </a:endParaRPr>
+          </a:p>
+        </p:txBody>
+      </p:sp>
+    </p:spTree>
+  </p:cSld>
+  <p:clrMapOvr>
+    <a:masterClrMapping/>
+  </p:clrMapOvr>
+</p:sld>
+</file>
+
+<file path=ppt/slides/slide23.xml><?xml version="1.0" encoding="utf-8"?>
+<p:sld xmlns:a="http://schemas.openxmlformats.org/drawingml/2006/main" xmlns:r="http://schemas.openxmlformats.org/officeDocument/2006/relationships" xmlns:mc="http://schemas.openxmlformats.org/markup-compatibility/2006" xmlns:mv="urn:schemas-microsoft-com:mac:vml" xmlns:p="http://schemas.openxmlformats.org/presentationml/2006/main" xmlns:c="http://schemas.openxmlformats.org/drawingml/2006/chart" xmlns:dgm="http://schemas.openxmlformats.org/drawingml/2006/diagram" xmlns:o="urn:schemas-microsoft-com:office:office" xmlns:v="urn:schemas-microsoft-com:vml" xmlns:pvml="urn:schemas-microsoft-com:office:powerpoint" xmlns:com="http://schemas.openxmlformats.org/drawingml/2006/compatibility" xmlns:p14="http://schemas.microsoft.com/office/powerpoint/2010/main" xmlns:p15="http://schemas.microsoft.com/office/powerpoint/2012/main" xmlns:ahyp="http://schemas.microsoft.com/office/drawing/2018/hyperlinkcolor">
+  <p:cSld>
+    <p:spTree>
+      <p:nvGrpSpPr>
+        <p:cNvPr id="219" name="Shape 219"/>
+        <p:cNvGrpSpPr/>
+        <p:nvPr/>
+      </p:nvGrpSpPr>
+      <p:grpSpPr>
+        <a:xfrm>
+          <a:off x="0" y="0"/>
+          <a:ext cx="0" cy="0"/>
+          <a:chOff x="0" y="0"/>
+          <a:chExt cx="0" cy="0"/>
+        </a:xfrm>
+      </p:grpSpPr>
+      <p:sp>
+        <p:nvSpPr>
+          <p:cNvPr id="220" name="Google Shape;220;p36"/>
+          <p:cNvSpPr txBox="1"/>
+          <p:nvPr>
+            <p:ph idx="1" type="body"/>
+          </p:nvPr>
+        </p:nvSpPr>
+        <p:spPr>
+          <a:xfrm>
+            <a:off x="0" y="572700"/>
+            <a:ext cx="9144000" cy="4570800"/>
+          </a:xfrm>
+          <a:prstGeom prst="rect">
+            <a:avLst/>
+          </a:prstGeom>
+        </p:spPr>
+        <p:txBody>
+          <a:bodyPr anchorCtr="0" anchor="t" bIns="91425" lIns="91425" spcFirstLastPara="1" rIns="91425" wrap="square" tIns="91425">
+            <a:noAutofit/>
+          </a:bodyPr>
+          <a:lstStyle/>
+          <a:p>
+            <a:pPr indent="-342900" lvl="2" marL="342900" rtl="0" algn="l">
+              <a:lnSpc>
+                <a:spcPct val="150000"/>
+              </a:lnSpc>
+              <a:spcBef>
+                <a:spcPts val="0"/>
+              </a:spcBef>
+              <a:spcAft>
+                <a:spcPts val="0"/>
+              </a:spcAft>
+              <a:buClr>
+                <a:schemeClr val="dk1"/>
+              </a:buClr>
+              <a:buSzPts val="2400"/>
+              <a:buFont typeface="Times New Roman"/>
+              <a:buChar char="•"/>
+            </a:pPr>
+            <a:r>
+              <a:rPr lang="en" sz="2400">
+                <a:solidFill>
+                  <a:schemeClr val="dk1"/>
+                </a:solidFill>
+                <a:latin typeface="Times New Roman"/>
+                <a:ea typeface="Times New Roman"/>
+                <a:cs typeface="Times New Roman"/>
+                <a:sym typeface="Times New Roman"/>
+              </a:rPr>
+              <a:t>There are several ways to </a:t>
+            </a:r>
+            <a:r>
+              <a:rPr lang="en" sz="2400">
+                <a:solidFill>
+                  <a:srgbClr val="FF0000"/>
+                </a:solidFill>
+                <a:latin typeface="Times New Roman"/>
+                <a:ea typeface="Times New Roman"/>
+                <a:cs typeface="Times New Roman"/>
+                <a:sym typeface="Times New Roman"/>
+              </a:rPr>
+              <a:t>output</a:t>
+            </a:r>
+            <a:r>
+              <a:rPr lang="en" sz="2400">
+                <a:solidFill>
+                  <a:schemeClr val="dk1"/>
+                </a:solidFill>
+                <a:latin typeface="Times New Roman"/>
+                <a:ea typeface="Times New Roman"/>
+                <a:cs typeface="Times New Roman"/>
+                <a:sym typeface="Times New Roman"/>
+              </a:rPr>
+              <a:t> data and info</a:t>
+            </a:r>
+            <a:endParaRPr sz="2400">
+              <a:solidFill>
+                <a:schemeClr val="dk1"/>
+              </a:solidFill>
+              <a:latin typeface="Times New Roman"/>
+              <a:ea typeface="Times New Roman"/>
+              <a:cs typeface="Times New Roman"/>
+              <a:sym typeface="Times New Roman"/>
+            </a:endParaRPr>
+          </a:p>
+          <a:p>
+            <a:pPr indent="-342900" lvl="2" marL="342900" rtl="0" algn="l">
+              <a:lnSpc>
+                <a:spcPct val="150000"/>
+              </a:lnSpc>
+              <a:spcBef>
+                <a:spcPts val="0"/>
+              </a:spcBef>
+              <a:spcAft>
+                <a:spcPts val="0"/>
+              </a:spcAft>
+              <a:buClr>
+                <a:schemeClr val="dk1"/>
+              </a:buClr>
+              <a:buSzPts val="2400"/>
+              <a:buChar char="•"/>
+            </a:pPr>
+            <a:r>
+              <a:rPr lang="en" sz="2400">
+                <a:solidFill>
+                  <a:srgbClr val="FF0000"/>
+                </a:solidFill>
+                <a:latin typeface="Times New Roman"/>
+                <a:ea typeface="Times New Roman"/>
+                <a:cs typeface="Times New Roman"/>
+                <a:sym typeface="Times New Roman"/>
+              </a:rPr>
+              <a:t>Variables</a:t>
+            </a:r>
+            <a:r>
+              <a:rPr lang="en" sz="2400">
+                <a:solidFill>
+                  <a:schemeClr val="dk1"/>
+                </a:solidFill>
+                <a:latin typeface="Times New Roman"/>
+                <a:ea typeface="Times New Roman"/>
+                <a:cs typeface="Times New Roman"/>
+                <a:sym typeface="Times New Roman"/>
+              </a:rPr>
+              <a:t> are used to </a:t>
+            </a:r>
+            <a:r>
+              <a:rPr b="1" lang="en" sz="2400" u="sng">
+                <a:solidFill>
+                  <a:schemeClr val="dk1"/>
+                </a:solidFill>
+                <a:latin typeface="Times New Roman"/>
+                <a:ea typeface="Times New Roman"/>
+                <a:cs typeface="Times New Roman"/>
+                <a:sym typeface="Times New Roman"/>
+              </a:rPr>
+              <a:t>store</a:t>
+            </a:r>
+            <a:r>
+              <a:rPr b="1" lang="en" sz="2400">
+                <a:solidFill>
+                  <a:schemeClr val="dk1"/>
+                </a:solidFill>
+                <a:latin typeface="Times New Roman"/>
+                <a:ea typeface="Times New Roman"/>
+                <a:cs typeface="Times New Roman"/>
+                <a:sym typeface="Times New Roman"/>
+              </a:rPr>
+              <a:t> </a:t>
+            </a:r>
+            <a:r>
+              <a:rPr lang="en" sz="2400">
+                <a:solidFill>
+                  <a:schemeClr val="dk1"/>
+                </a:solidFill>
+                <a:latin typeface="Times New Roman"/>
+                <a:ea typeface="Times New Roman"/>
+                <a:cs typeface="Times New Roman"/>
+                <a:sym typeface="Times New Roman"/>
+              </a:rPr>
+              <a:t>values in program</a:t>
+            </a:r>
+            <a:endParaRPr sz="2400">
+              <a:solidFill>
+                <a:schemeClr val="dk1"/>
+              </a:solidFill>
+              <a:latin typeface="Times New Roman"/>
+              <a:ea typeface="Times New Roman"/>
+              <a:cs typeface="Times New Roman"/>
+              <a:sym typeface="Times New Roman"/>
+            </a:endParaRPr>
+          </a:p>
+          <a:p>
+            <a:pPr indent="-342900" lvl="2" marL="342900" rtl="0" algn="l">
+              <a:lnSpc>
+                <a:spcPct val="150000"/>
+              </a:lnSpc>
+              <a:spcBef>
+                <a:spcPts val="0"/>
+              </a:spcBef>
+              <a:spcAft>
+                <a:spcPts val="0"/>
+              </a:spcAft>
+              <a:buClr>
+                <a:schemeClr val="dk1"/>
+              </a:buClr>
+              <a:buSzPts val="2400"/>
+              <a:buChar char="•"/>
+            </a:pPr>
+            <a:r>
+              <a:rPr lang="en" sz="2400">
+                <a:solidFill>
+                  <a:schemeClr val="dk1"/>
+                </a:solidFill>
+                <a:latin typeface="Times New Roman"/>
+                <a:ea typeface="Times New Roman"/>
+                <a:cs typeface="Times New Roman"/>
+                <a:sym typeface="Times New Roman"/>
+              </a:rPr>
+              <a:t>There are six </a:t>
+            </a:r>
+            <a:r>
+              <a:rPr b="1" lang="en" sz="2400" u="sng">
+                <a:solidFill>
+                  <a:schemeClr val="dk1"/>
+                </a:solidFill>
+                <a:latin typeface="Times New Roman"/>
+                <a:ea typeface="Times New Roman"/>
+                <a:cs typeface="Times New Roman"/>
+                <a:sym typeface="Times New Roman"/>
+              </a:rPr>
+              <a:t>primitive</a:t>
+            </a:r>
+            <a:r>
+              <a:rPr b="1" lang="en" sz="2400">
+                <a:solidFill>
+                  <a:schemeClr val="dk1"/>
+                </a:solidFill>
+                <a:latin typeface="Times New Roman"/>
+                <a:ea typeface="Times New Roman"/>
+                <a:cs typeface="Times New Roman"/>
+                <a:sym typeface="Times New Roman"/>
+              </a:rPr>
+              <a:t> </a:t>
+            </a:r>
+            <a:r>
+              <a:rPr lang="en" sz="2400">
+                <a:solidFill>
+                  <a:schemeClr val="dk1"/>
+                </a:solidFill>
+                <a:latin typeface="Times New Roman"/>
+                <a:ea typeface="Times New Roman"/>
+                <a:cs typeface="Times New Roman"/>
+                <a:sym typeface="Times New Roman"/>
+              </a:rPr>
+              <a:t>data types</a:t>
+            </a:r>
+            <a:endParaRPr sz="2400">
+              <a:solidFill>
+                <a:schemeClr val="dk1"/>
+              </a:solidFill>
+              <a:latin typeface="Times New Roman"/>
+              <a:ea typeface="Times New Roman"/>
+              <a:cs typeface="Times New Roman"/>
+              <a:sym typeface="Times New Roman"/>
+            </a:endParaRPr>
+          </a:p>
+          <a:p>
+            <a:pPr indent="-342900" lvl="2" marL="342900" rtl="0" algn="l">
+              <a:lnSpc>
+                <a:spcPct val="150000"/>
+              </a:lnSpc>
+              <a:spcBef>
+                <a:spcPts val="0"/>
+              </a:spcBef>
+              <a:spcAft>
+                <a:spcPts val="0"/>
+              </a:spcAft>
+              <a:buClr>
+                <a:schemeClr val="dk1"/>
+              </a:buClr>
+              <a:buSzPts val="2400"/>
+              <a:buChar char="•"/>
+            </a:pPr>
+            <a:r>
+              <a:rPr lang="en" sz="2400">
+                <a:solidFill>
+                  <a:srgbClr val="FF0000"/>
+                </a:solidFill>
+                <a:latin typeface="Times New Roman"/>
+                <a:ea typeface="Times New Roman"/>
+                <a:cs typeface="Times New Roman"/>
+                <a:sym typeface="Times New Roman"/>
+              </a:rPr>
+              <a:t>Operators</a:t>
+            </a:r>
+            <a:r>
+              <a:rPr lang="en" sz="2400">
+                <a:solidFill>
+                  <a:schemeClr val="dk1"/>
+                </a:solidFill>
+                <a:latin typeface="Times New Roman"/>
+                <a:ea typeface="Times New Roman"/>
+                <a:cs typeface="Times New Roman"/>
+                <a:sym typeface="Times New Roman"/>
+              </a:rPr>
+              <a:t> can be used to </a:t>
+            </a:r>
+            <a:r>
+              <a:rPr b="1" lang="en" sz="2400" u="sng">
+                <a:solidFill>
+                  <a:schemeClr val="dk1"/>
+                </a:solidFill>
+                <a:latin typeface="Times New Roman"/>
+                <a:ea typeface="Times New Roman"/>
+                <a:cs typeface="Times New Roman"/>
+                <a:sym typeface="Times New Roman"/>
+              </a:rPr>
+              <a:t>manipulate</a:t>
+            </a:r>
+            <a:r>
+              <a:rPr b="1" lang="en" sz="2400">
+                <a:solidFill>
+                  <a:schemeClr val="dk1"/>
+                </a:solidFill>
+                <a:latin typeface="Times New Roman"/>
+                <a:ea typeface="Times New Roman"/>
+                <a:cs typeface="Times New Roman"/>
+                <a:sym typeface="Times New Roman"/>
+              </a:rPr>
+              <a:t> </a:t>
+            </a:r>
+            <a:r>
+              <a:rPr lang="en" sz="2400">
+                <a:solidFill>
+                  <a:schemeClr val="dk1"/>
+                </a:solidFill>
+                <a:latin typeface="Times New Roman"/>
+                <a:ea typeface="Times New Roman"/>
+                <a:cs typeface="Times New Roman"/>
+                <a:sym typeface="Times New Roman"/>
+              </a:rPr>
+              <a:t>data</a:t>
+            </a:r>
+            <a:endParaRPr sz="2400">
+              <a:solidFill>
+                <a:schemeClr val="dk1"/>
+              </a:solidFill>
+              <a:latin typeface="Times New Roman"/>
+              <a:ea typeface="Times New Roman"/>
+              <a:cs typeface="Times New Roman"/>
+              <a:sym typeface="Times New Roman"/>
+            </a:endParaRPr>
+          </a:p>
+          <a:p>
+            <a:pPr indent="-342900" lvl="2" marL="342900" rtl="0" algn="l">
+              <a:lnSpc>
+                <a:spcPct val="150000"/>
+              </a:lnSpc>
+              <a:spcBef>
+                <a:spcPts val="0"/>
+              </a:spcBef>
+              <a:spcAft>
+                <a:spcPts val="0"/>
+              </a:spcAft>
+              <a:buClr>
+                <a:schemeClr val="dk1"/>
+              </a:buClr>
+              <a:buSzPts val="2400"/>
+              <a:buChar char="•"/>
+            </a:pPr>
+            <a:r>
+              <a:rPr lang="en" sz="2400">
+                <a:solidFill>
+                  <a:srgbClr val="FF0000"/>
+                </a:solidFill>
+                <a:latin typeface="Times New Roman"/>
+                <a:ea typeface="Times New Roman"/>
+                <a:cs typeface="Times New Roman"/>
+                <a:sym typeface="Times New Roman"/>
+              </a:rPr>
+              <a:t>Arrays</a:t>
+            </a:r>
+            <a:r>
+              <a:rPr lang="en" sz="2400">
+                <a:solidFill>
+                  <a:schemeClr val="dk1"/>
+                </a:solidFill>
+                <a:latin typeface="Times New Roman"/>
+                <a:ea typeface="Times New Roman"/>
+                <a:cs typeface="Times New Roman"/>
+                <a:sym typeface="Times New Roman"/>
+              </a:rPr>
+              <a:t> can store </a:t>
+            </a:r>
+            <a:r>
+              <a:rPr b="1" lang="en" sz="2400" u="sng">
+                <a:solidFill>
+                  <a:schemeClr val="dk1"/>
+                </a:solidFill>
+                <a:latin typeface="Times New Roman"/>
+                <a:ea typeface="Times New Roman"/>
+                <a:cs typeface="Times New Roman"/>
+                <a:sym typeface="Times New Roman"/>
+              </a:rPr>
+              <a:t>ordered</a:t>
+            </a:r>
+            <a:r>
+              <a:rPr b="1" lang="en" sz="2400">
+                <a:solidFill>
+                  <a:schemeClr val="dk1"/>
+                </a:solidFill>
+                <a:latin typeface="Times New Roman"/>
+                <a:ea typeface="Times New Roman"/>
+                <a:cs typeface="Times New Roman"/>
+                <a:sym typeface="Times New Roman"/>
+              </a:rPr>
+              <a:t> </a:t>
+            </a:r>
+            <a:r>
+              <a:rPr lang="en" sz="2400">
+                <a:solidFill>
+                  <a:schemeClr val="dk1"/>
+                </a:solidFill>
+                <a:latin typeface="Times New Roman"/>
+                <a:ea typeface="Times New Roman"/>
+                <a:cs typeface="Times New Roman"/>
+                <a:sym typeface="Times New Roman"/>
+              </a:rPr>
+              <a:t>list of values</a:t>
+            </a:r>
+            <a:endParaRPr sz="2400">
+              <a:solidFill>
+                <a:schemeClr val="dk1"/>
+              </a:solidFill>
+              <a:latin typeface="Times New Roman"/>
+              <a:ea typeface="Times New Roman"/>
+              <a:cs typeface="Times New Roman"/>
+              <a:sym typeface="Times New Roman"/>
+            </a:endParaRPr>
+          </a:p>
+          <a:p>
+            <a:pPr indent="-342900" lvl="2" marL="342900" rtl="0" algn="l">
+              <a:lnSpc>
+                <a:spcPct val="150000"/>
+              </a:lnSpc>
+              <a:spcBef>
+                <a:spcPts val="0"/>
+              </a:spcBef>
+              <a:spcAft>
+                <a:spcPts val="0"/>
+              </a:spcAft>
+              <a:buClr>
+                <a:schemeClr val="dk1"/>
+              </a:buClr>
+              <a:buSzPts val="2400"/>
+              <a:buChar char="•"/>
+            </a:pPr>
+            <a:r>
+              <a:rPr lang="en" sz="2400">
+                <a:solidFill>
+                  <a:srgbClr val="FF0000"/>
+                </a:solidFill>
+                <a:latin typeface="Times New Roman"/>
+                <a:ea typeface="Times New Roman"/>
+                <a:cs typeface="Times New Roman"/>
+                <a:sym typeface="Times New Roman"/>
+              </a:rPr>
+              <a:t>Objects</a:t>
+            </a:r>
+            <a:r>
+              <a:rPr lang="en" sz="2400">
+                <a:solidFill>
+                  <a:schemeClr val="dk1"/>
+                </a:solidFill>
+                <a:latin typeface="Times New Roman"/>
+                <a:ea typeface="Times New Roman"/>
+                <a:cs typeface="Times New Roman"/>
+                <a:sym typeface="Times New Roman"/>
+              </a:rPr>
+              <a:t> can store values by their </a:t>
+            </a:r>
+            <a:r>
+              <a:rPr b="1" lang="en" sz="2400" u="sng">
+                <a:solidFill>
+                  <a:schemeClr val="dk1"/>
+                </a:solidFill>
+                <a:latin typeface="Times New Roman"/>
+                <a:ea typeface="Times New Roman"/>
+                <a:cs typeface="Times New Roman"/>
+                <a:sym typeface="Times New Roman"/>
+              </a:rPr>
+              <a:t>keys</a:t>
+            </a:r>
+            <a:endParaRPr sz="2400">
+              <a:solidFill>
+                <a:schemeClr val="dk1"/>
+              </a:solidFill>
+              <a:latin typeface="Times New Roman"/>
+              <a:ea typeface="Times New Roman"/>
+              <a:cs typeface="Times New Roman"/>
+              <a:sym typeface="Times New Roman"/>
+            </a:endParaRPr>
+          </a:p>
+        </p:txBody>
+      </p:sp>
+      <p:sp>
+        <p:nvSpPr>
+          <p:cNvPr id="221" name="Google Shape;221;p36"/>
+          <p:cNvSpPr txBox="1"/>
+          <p:nvPr>
+            <p:ph type="title"/>
+          </p:nvPr>
+        </p:nvSpPr>
+        <p:spPr>
+          <a:xfrm>
+            <a:off x="0" y="0"/>
+            <a:ext cx="9144000" cy="572700"/>
+          </a:xfrm>
+          <a:prstGeom prst="rect">
+            <a:avLst/>
+          </a:prstGeom>
+        </p:spPr>
+        <p:txBody>
+          <a:bodyPr anchorCtr="0" anchor="t" bIns="91425" lIns="91425" spcFirstLastPara="1" rIns="91425" wrap="square" tIns="91425">
+            <a:noAutofit/>
+          </a:bodyPr>
+          <a:lstStyle/>
+          <a:p>
+            <a:pPr indent="0" lvl="0" marL="0" rtl="0" algn="l">
+              <a:spcBef>
+                <a:spcPts val="0"/>
+              </a:spcBef>
+              <a:spcAft>
+                <a:spcPts val="0"/>
+              </a:spcAft>
+              <a:buSzPts val="990"/>
+              <a:buNone/>
+            </a:pPr>
+            <a:r>
+              <a:rPr b="1" lang="en" sz="3020">
+                <a:latin typeface="Times New Roman"/>
+                <a:ea typeface="Times New Roman"/>
+                <a:cs typeface="Times New Roman"/>
+                <a:sym typeface="Times New Roman"/>
+              </a:rPr>
+              <a:t>Summary</a:t>
+            </a:r>
+            <a:endParaRPr b="1" sz="3020">
               <a:latin typeface="Times New Roman"/>
               <a:ea typeface="Times New Roman"/>
               <a:cs typeface="Times New Roman"/>
@@ -15954,569 +15837,6 @@
       <p:sp>
         <p:nvSpPr>
           <p:cNvPr id="226" name="Google Shape;226;p37"/>
-          <p:cNvSpPr txBox="1"/>
-          <p:nvPr>
-            <p:ph idx="1" type="body"/>
-          </p:nvPr>
-        </p:nvSpPr>
-        <p:spPr>
-          <a:xfrm>
-            <a:off x="0" y="572700"/>
-            <a:ext cx="9144000" cy="4570800"/>
-          </a:xfrm>
-          <a:prstGeom prst="rect">
-            <a:avLst/>
-          </a:prstGeom>
-        </p:spPr>
-        <p:txBody>
-          <a:bodyPr anchorCtr="0" anchor="t" bIns="91425" lIns="91425" spcFirstLastPara="1" rIns="91425" wrap="square" tIns="91425">
-            <a:noAutofit/>
-          </a:bodyPr>
-          <a:lstStyle/>
-          <a:p>
-            <a:pPr indent="-342900" lvl="2" marL="342900" rtl="0" algn="l">
-              <a:lnSpc>
-                <a:spcPct val="150000"/>
-              </a:lnSpc>
-              <a:spcBef>
-                <a:spcPts val="0"/>
-              </a:spcBef>
-              <a:spcAft>
-                <a:spcPts val="0"/>
-              </a:spcAft>
-              <a:buClr>
-                <a:schemeClr val="dk1"/>
-              </a:buClr>
-              <a:buSzPts val="2400"/>
-              <a:buFont typeface="Times New Roman"/>
-              <a:buChar char="•"/>
-            </a:pPr>
-            <a:r>
-              <a:rPr lang="en" sz="2400">
-                <a:solidFill>
-                  <a:schemeClr val="dk1"/>
-                </a:solidFill>
-                <a:latin typeface="Times New Roman"/>
-                <a:ea typeface="Times New Roman"/>
-                <a:cs typeface="Times New Roman"/>
-                <a:sym typeface="Times New Roman"/>
-              </a:rPr>
-              <a:t>There are several ways to </a:t>
-            </a:r>
-            <a:r>
-              <a:rPr lang="en" sz="2400">
-                <a:solidFill>
-                  <a:srgbClr val="FF0000"/>
-                </a:solidFill>
-                <a:latin typeface="Times New Roman"/>
-                <a:ea typeface="Times New Roman"/>
-                <a:cs typeface="Times New Roman"/>
-                <a:sym typeface="Times New Roman"/>
-              </a:rPr>
-              <a:t>output</a:t>
-            </a:r>
-            <a:r>
-              <a:rPr lang="en" sz="2400">
-                <a:solidFill>
-                  <a:schemeClr val="dk1"/>
-                </a:solidFill>
-                <a:latin typeface="Times New Roman"/>
-                <a:ea typeface="Times New Roman"/>
-                <a:cs typeface="Times New Roman"/>
-                <a:sym typeface="Times New Roman"/>
-              </a:rPr>
-              <a:t> data and info</a:t>
-            </a:r>
-            <a:endParaRPr sz="2400">
-              <a:solidFill>
-                <a:schemeClr val="dk1"/>
-              </a:solidFill>
-              <a:latin typeface="Times New Roman"/>
-              <a:ea typeface="Times New Roman"/>
-              <a:cs typeface="Times New Roman"/>
-              <a:sym typeface="Times New Roman"/>
-            </a:endParaRPr>
-          </a:p>
-          <a:p>
-            <a:pPr indent="-342900" lvl="2" marL="342900" rtl="0" algn="l">
-              <a:lnSpc>
-                <a:spcPct val="150000"/>
-              </a:lnSpc>
-              <a:spcBef>
-                <a:spcPts val="0"/>
-              </a:spcBef>
-              <a:spcAft>
-                <a:spcPts val="0"/>
-              </a:spcAft>
-              <a:buClr>
-                <a:schemeClr val="dk1"/>
-              </a:buClr>
-              <a:buSzPts val="2400"/>
-              <a:buChar char="•"/>
-            </a:pPr>
-            <a:r>
-              <a:rPr lang="en" sz="2400">
-                <a:solidFill>
-                  <a:srgbClr val="FF0000"/>
-                </a:solidFill>
-                <a:latin typeface="Times New Roman"/>
-                <a:ea typeface="Times New Roman"/>
-                <a:cs typeface="Times New Roman"/>
-                <a:sym typeface="Times New Roman"/>
-              </a:rPr>
-              <a:t>Variables</a:t>
-            </a:r>
-            <a:r>
-              <a:rPr lang="en" sz="2400">
-                <a:solidFill>
-                  <a:schemeClr val="dk1"/>
-                </a:solidFill>
-                <a:latin typeface="Times New Roman"/>
-                <a:ea typeface="Times New Roman"/>
-                <a:cs typeface="Times New Roman"/>
-                <a:sym typeface="Times New Roman"/>
-              </a:rPr>
-              <a:t> are used to </a:t>
-            </a:r>
-            <a:r>
-              <a:rPr b="1" lang="en" sz="2400" u="sng">
-                <a:solidFill>
-                  <a:schemeClr val="dk1"/>
-                </a:solidFill>
-                <a:latin typeface="Times New Roman"/>
-                <a:ea typeface="Times New Roman"/>
-                <a:cs typeface="Times New Roman"/>
-                <a:sym typeface="Times New Roman"/>
-              </a:rPr>
-              <a:t>store</a:t>
-            </a:r>
-            <a:r>
-              <a:rPr b="1" lang="en" sz="2400">
-                <a:solidFill>
-                  <a:schemeClr val="dk1"/>
-                </a:solidFill>
-                <a:latin typeface="Times New Roman"/>
-                <a:ea typeface="Times New Roman"/>
-                <a:cs typeface="Times New Roman"/>
-                <a:sym typeface="Times New Roman"/>
-              </a:rPr>
-              <a:t> </a:t>
-            </a:r>
-            <a:r>
-              <a:rPr lang="en" sz="2400">
-                <a:solidFill>
-                  <a:schemeClr val="dk1"/>
-                </a:solidFill>
-                <a:latin typeface="Times New Roman"/>
-                <a:ea typeface="Times New Roman"/>
-                <a:cs typeface="Times New Roman"/>
-                <a:sym typeface="Times New Roman"/>
-              </a:rPr>
-              <a:t>values in program</a:t>
-            </a:r>
-            <a:endParaRPr sz="2400">
-              <a:solidFill>
-                <a:schemeClr val="dk1"/>
-              </a:solidFill>
-              <a:latin typeface="Times New Roman"/>
-              <a:ea typeface="Times New Roman"/>
-              <a:cs typeface="Times New Roman"/>
-              <a:sym typeface="Times New Roman"/>
-            </a:endParaRPr>
-          </a:p>
-          <a:p>
-            <a:pPr indent="-342900" lvl="2" marL="342900" rtl="0" algn="l">
-              <a:lnSpc>
-                <a:spcPct val="150000"/>
-              </a:lnSpc>
-              <a:spcBef>
-                <a:spcPts val="0"/>
-              </a:spcBef>
-              <a:spcAft>
-                <a:spcPts val="0"/>
-              </a:spcAft>
-              <a:buClr>
-                <a:schemeClr val="dk1"/>
-              </a:buClr>
-              <a:buSzPts val="2400"/>
-              <a:buChar char="•"/>
-            </a:pPr>
-            <a:r>
-              <a:rPr lang="en" sz="2400">
-                <a:solidFill>
-                  <a:schemeClr val="dk1"/>
-                </a:solidFill>
-                <a:latin typeface="Times New Roman"/>
-                <a:ea typeface="Times New Roman"/>
-                <a:cs typeface="Times New Roman"/>
-                <a:sym typeface="Times New Roman"/>
-              </a:rPr>
-              <a:t>There are six </a:t>
-            </a:r>
-            <a:r>
-              <a:rPr b="1" lang="en" sz="2400" u="sng">
-                <a:solidFill>
-                  <a:schemeClr val="dk1"/>
-                </a:solidFill>
-                <a:latin typeface="Times New Roman"/>
-                <a:ea typeface="Times New Roman"/>
-                <a:cs typeface="Times New Roman"/>
-                <a:sym typeface="Times New Roman"/>
-              </a:rPr>
-              <a:t>primitive</a:t>
-            </a:r>
-            <a:r>
-              <a:rPr b="1" lang="en" sz="2400">
-                <a:solidFill>
-                  <a:schemeClr val="dk1"/>
-                </a:solidFill>
-                <a:latin typeface="Times New Roman"/>
-                <a:ea typeface="Times New Roman"/>
-                <a:cs typeface="Times New Roman"/>
-                <a:sym typeface="Times New Roman"/>
-              </a:rPr>
-              <a:t> </a:t>
-            </a:r>
-            <a:r>
-              <a:rPr lang="en" sz="2400">
-                <a:solidFill>
-                  <a:schemeClr val="dk1"/>
-                </a:solidFill>
-                <a:latin typeface="Times New Roman"/>
-                <a:ea typeface="Times New Roman"/>
-                <a:cs typeface="Times New Roman"/>
-                <a:sym typeface="Times New Roman"/>
-              </a:rPr>
-              <a:t>data types</a:t>
-            </a:r>
-            <a:endParaRPr sz="2400">
-              <a:solidFill>
-                <a:schemeClr val="dk1"/>
-              </a:solidFill>
-              <a:latin typeface="Times New Roman"/>
-              <a:ea typeface="Times New Roman"/>
-              <a:cs typeface="Times New Roman"/>
-              <a:sym typeface="Times New Roman"/>
-            </a:endParaRPr>
-          </a:p>
-          <a:p>
-            <a:pPr indent="-342900" lvl="2" marL="342900" rtl="0" algn="l">
-              <a:lnSpc>
-                <a:spcPct val="150000"/>
-              </a:lnSpc>
-              <a:spcBef>
-                <a:spcPts val="0"/>
-              </a:spcBef>
-              <a:spcAft>
-                <a:spcPts val="0"/>
-              </a:spcAft>
-              <a:buClr>
-                <a:schemeClr val="dk1"/>
-              </a:buClr>
-              <a:buSzPts val="2400"/>
-              <a:buChar char="•"/>
-            </a:pPr>
-            <a:r>
-              <a:rPr lang="en" sz="2400">
-                <a:solidFill>
-                  <a:srgbClr val="FF0000"/>
-                </a:solidFill>
-                <a:latin typeface="Times New Roman"/>
-                <a:ea typeface="Times New Roman"/>
-                <a:cs typeface="Times New Roman"/>
-                <a:sym typeface="Times New Roman"/>
-              </a:rPr>
-              <a:t>Operators</a:t>
-            </a:r>
-            <a:r>
-              <a:rPr lang="en" sz="2400">
-                <a:solidFill>
-                  <a:schemeClr val="dk1"/>
-                </a:solidFill>
-                <a:latin typeface="Times New Roman"/>
-                <a:ea typeface="Times New Roman"/>
-                <a:cs typeface="Times New Roman"/>
-                <a:sym typeface="Times New Roman"/>
-              </a:rPr>
-              <a:t> can be used to </a:t>
-            </a:r>
-            <a:r>
-              <a:rPr b="1" lang="en" sz="2400" u="sng">
-                <a:solidFill>
-                  <a:schemeClr val="dk1"/>
-                </a:solidFill>
-                <a:latin typeface="Times New Roman"/>
-                <a:ea typeface="Times New Roman"/>
-                <a:cs typeface="Times New Roman"/>
-                <a:sym typeface="Times New Roman"/>
-              </a:rPr>
-              <a:t>manipulate</a:t>
-            </a:r>
-            <a:r>
-              <a:rPr b="1" lang="en" sz="2400">
-                <a:solidFill>
-                  <a:schemeClr val="dk1"/>
-                </a:solidFill>
-                <a:latin typeface="Times New Roman"/>
-                <a:ea typeface="Times New Roman"/>
-                <a:cs typeface="Times New Roman"/>
-                <a:sym typeface="Times New Roman"/>
-              </a:rPr>
-              <a:t> </a:t>
-            </a:r>
-            <a:r>
-              <a:rPr lang="en" sz="2400">
-                <a:solidFill>
-                  <a:schemeClr val="dk1"/>
-                </a:solidFill>
-                <a:latin typeface="Times New Roman"/>
-                <a:ea typeface="Times New Roman"/>
-                <a:cs typeface="Times New Roman"/>
-                <a:sym typeface="Times New Roman"/>
-              </a:rPr>
-              <a:t>data</a:t>
-            </a:r>
-            <a:endParaRPr sz="2400">
-              <a:solidFill>
-                <a:schemeClr val="dk1"/>
-              </a:solidFill>
-              <a:latin typeface="Times New Roman"/>
-              <a:ea typeface="Times New Roman"/>
-              <a:cs typeface="Times New Roman"/>
-              <a:sym typeface="Times New Roman"/>
-            </a:endParaRPr>
-          </a:p>
-          <a:p>
-            <a:pPr indent="-342900" lvl="2" marL="342900" rtl="0" algn="l">
-              <a:lnSpc>
-                <a:spcPct val="150000"/>
-              </a:lnSpc>
-              <a:spcBef>
-                <a:spcPts val="0"/>
-              </a:spcBef>
-              <a:spcAft>
-                <a:spcPts val="0"/>
-              </a:spcAft>
-              <a:buClr>
-                <a:schemeClr val="dk1"/>
-              </a:buClr>
-              <a:buSzPts val="2400"/>
-              <a:buChar char="•"/>
-            </a:pPr>
-            <a:r>
-              <a:rPr lang="en" sz="2400">
-                <a:solidFill>
-                  <a:srgbClr val="FF0000"/>
-                </a:solidFill>
-                <a:latin typeface="Times New Roman"/>
-                <a:ea typeface="Times New Roman"/>
-                <a:cs typeface="Times New Roman"/>
-                <a:sym typeface="Times New Roman"/>
-              </a:rPr>
-              <a:t>Arrays</a:t>
-            </a:r>
-            <a:r>
-              <a:rPr lang="en" sz="2400">
-                <a:solidFill>
-                  <a:schemeClr val="dk1"/>
-                </a:solidFill>
-                <a:latin typeface="Times New Roman"/>
-                <a:ea typeface="Times New Roman"/>
-                <a:cs typeface="Times New Roman"/>
-                <a:sym typeface="Times New Roman"/>
-              </a:rPr>
-              <a:t> can store </a:t>
-            </a:r>
-            <a:r>
-              <a:rPr b="1" lang="en" sz="2400" u="sng">
-                <a:solidFill>
-                  <a:schemeClr val="dk1"/>
-                </a:solidFill>
-                <a:latin typeface="Times New Roman"/>
-                <a:ea typeface="Times New Roman"/>
-                <a:cs typeface="Times New Roman"/>
-                <a:sym typeface="Times New Roman"/>
-              </a:rPr>
-              <a:t>ordered</a:t>
-            </a:r>
-            <a:r>
-              <a:rPr b="1" lang="en" sz="2400">
-                <a:solidFill>
-                  <a:schemeClr val="dk1"/>
-                </a:solidFill>
-                <a:latin typeface="Times New Roman"/>
-                <a:ea typeface="Times New Roman"/>
-                <a:cs typeface="Times New Roman"/>
-                <a:sym typeface="Times New Roman"/>
-              </a:rPr>
-              <a:t> </a:t>
-            </a:r>
-            <a:r>
-              <a:rPr lang="en" sz="2400">
-                <a:solidFill>
-                  <a:schemeClr val="dk1"/>
-                </a:solidFill>
-                <a:latin typeface="Times New Roman"/>
-                <a:ea typeface="Times New Roman"/>
-                <a:cs typeface="Times New Roman"/>
-                <a:sym typeface="Times New Roman"/>
-              </a:rPr>
-              <a:t>list of values</a:t>
-            </a:r>
-            <a:endParaRPr sz="2400">
-              <a:solidFill>
-                <a:schemeClr val="dk1"/>
-              </a:solidFill>
-              <a:latin typeface="Times New Roman"/>
-              <a:ea typeface="Times New Roman"/>
-              <a:cs typeface="Times New Roman"/>
-              <a:sym typeface="Times New Roman"/>
-            </a:endParaRPr>
-          </a:p>
-          <a:p>
-            <a:pPr indent="-342900" lvl="2" marL="342900" rtl="0" algn="l">
-              <a:lnSpc>
-                <a:spcPct val="150000"/>
-              </a:lnSpc>
-              <a:spcBef>
-                <a:spcPts val="0"/>
-              </a:spcBef>
-              <a:spcAft>
-                <a:spcPts val="0"/>
-              </a:spcAft>
-              <a:buClr>
-                <a:schemeClr val="dk1"/>
-              </a:buClr>
-              <a:buSzPts val="2400"/>
-              <a:buChar char="•"/>
-            </a:pPr>
-            <a:r>
-              <a:rPr lang="en" sz="2400">
-                <a:solidFill>
-                  <a:srgbClr val="FF0000"/>
-                </a:solidFill>
-                <a:latin typeface="Times New Roman"/>
-                <a:ea typeface="Times New Roman"/>
-                <a:cs typeface="Times New Roman"/>
-                <a:sym typeface="Times New Roman"/>
-              </a:rPr>
-              <a:t>Objects</a:t>
-            </a:r>
-            <a:r>
-              <a:rPr lang="en" sz="2400">
-                <a:solidFill>
-                  <a:schemeClr val="dk1"/>
-                </a:solidFill>
-                <a:latin typeface="Times New Roman"/>
-                <a:ea typeface="Times New Roman"/>
-                <a:cs typeface="Times New Roman"/>
-                <a:sym typeface="Times New Roman"/>
-              </a:rPr>
-              <a:t> can store values by their </a:t>
-            </a:r>
-            <a:r>
-              <a:rPr b="1" lang="en" sz="2400" u="sng">
-                <a:solidFill>
-                  <a:schemeClr val="dk1"/>
-                </a:solidFill>
-                <a:latin typeface="Times New Roman"/>
-                <a:ea typeface="Times New Roman"/>
-                <a:cs typeface="Times New Roman"/>
-                <a:sym typeface="Times New Roman"/>
-              </a:rPr>
-              <a:t>keys</a:t>
-            </a:r>
-            <a:endParaRPr sz="2400">
-              <a:solidFill>
-                <a:schemeClr val="dk1"/>
-              </a:solidFill>
-              <a:latin typeface="Times New Roman"/>
-              <a:ea typeface="Times New Roman"/>
-              <a:cs typeface="Times New Roman"/>
-              <a:sym typeface="Times New Roman"/>
-            </a:endParaRPr>
-          </a:p>
-        </p:txBody>
-      </p:sp>
-      <p:sp>
-        <p:nvSpPr>
-          <p:cNvPr id="227" name="Google Shape;227;p37"/>
-          <p:cNvSpPr txBox="1"/>
-          <p:nvPr>
-            <p:ph type="title"/>
-          </p:nvPr>
-        </p:nvSpPr>
-        <p:spPr>
-          <a:xfrm>
-            <a:off x="0" y="0"/>
-            <a:ext cx="9144000" cy="572700"/>
-          </a:xfrm>
-          <a:prstGeom prst="rect">
-            <a:avLst/>
-          </a:prstGeom>
-        </p:spPr>
-        <p:txBody>
-          <a:bodyPr anchorCtr="0" anchor="t" bIns="91425" lIns="91425" spcFirstLastPara="1" rIns="91425" wrap="square" tIns="91425">
-            <a:noAutofit/>
-          </a:bodyPr>
-          <a:lstStyle/>
-          <a:p>
-            <a:pPr indent="0" lvl="0" marL="0" rtl="0" algn="l">
-              <a:spcBef>
-                <a:spcPts val="0"/>
-              </a:spcBef>
-              <a:spcAft>
-                <a:spcPts val="0"/>
-              </a:spcAft>
-              <a:buSzPts val="990"/>
-              <a:buNone/>
-            </a:pPr>
-            <a:r>
-              <a:rPr b="1" lang="en" sz="3020">
-                <a:latin typeface="Times New Roman"/>
-                <a:ea typeface="Times New Roman"/>
-                <a:cs typeface="Times New Roman"/>
-                <a:sym typeface="Times New Roman"/>
-              </a:rPr>
-              <a:t>Summary</a:t>
-            </a:r>
-            <a:endParaRPr b="1" sz="3020">
-              <a:latin typeface="Times New Roman"/>
-              <a:ea typeface="Times New Roman"/>
-              <a:cs typeface="Times New Roman"/>
-              <a:sym typeface="Times New Roman"/>
-            </a:endParaRPr>
-          </a:p>
-        </p:txBody>
-      </p:sp>
-    </p:spTree>
-  </p:cSld>
-  <p:clrMapOvr>
-    <a:masterClrMapping/>
-  </p:clrMapOvr>
-</p:sld>
-</file>
-
-<file path=ppt/slides/slide25.xml><?xml version="1.0" encoding="utf-8"?>
-<p:sld xmlns:a="http://schemas.openxmlformats.org/drawingml/2006/main" xmlns:r="http://schemas.openxmlformats.org/officeDocument/2006/relationships" xmlns:mc="http://schemas.openxmlformats.org/markup-compatibility/2006" xmlns:mv="urn:schemas-microsoft-com:mac:vml" xmlns:p="http://schemas.openxmlformats.org/presentationml/2006/main" xmlns:c="http://schemas.openxmlformats.org/drawingml/2006/chart" xmlns:dgm="http://schemas.openxmlformats.org/drawingml/2006/diagram" xmlns:o="urn:schemas-microsoft-com:office:office" xmlns:v="urn:schemas-microsoft-com:vml" xmlns:pvml="urn:schemas-microsoft-com:office:powerpoint" xmlns:com="http://schemas.openxmlformats.org/drawingml/2006/compatibility" xmlns:p14="http://schemas.microsoft.com/office/powerpoint/2010/main" xmlns:p15="http://schemas.microsoft.com/office/powerpoint/2012/main" xmlns:ahyp="http://schemas.microsoft.com/office/drawing/2018/hyperlinkcolor">
-  <p:cSld>
-    <p:spTree>
-      <p:nvGrpSpPr>
-        <p:cNvPr id="231" name="Shape 231"/>
-        <p:cNvGrpSpPr/>
-        <p:nvPr/>
-      </p:nvGrpSpPr>
-      <p:grpSpPr>
-        <a:xfrm>
-          <a:off x="0" y="0"/>
-          <a:ext cx="0" cy="0"/>
-          <a:chOff x="0" y="0"/>
-          <a:chExt cx="0" cy="0"/>
-        </a:xfrm>
-      </p:grpSpPr>
-      <p:sp>
-        <p:nvSpPr>
-          <p:cNvPr id="232" name="Google Shape;232;p38"/>
           <p:cNvSpPr txBox="1"/>
           <p:nvPr>
             <p:ph idx="1" type="body"/>
@@ -18870,470 +18190,9 @@
           </a:p>
         </p:txBody>
       </p:sp>
-    </p:spTree>
-  </p:cSld>
-  <p:clrMapOvr>
-    <a:masterClrMapping/>
-  </p:clrMapOvr>
-</p:sld>
-</file>
-
-<file path=ppt/slides/slide7.xml><?xml version="1.0" encoding="utf-8"?>
-<p:sld xmlns:a="http://schemas.openxmlformats.org/drawingml/2006/main" xmlns:r="http://schemas.openxmlformats.org/officeDocument/2006/relationships" xmlns:mc="http://schemas.openxmlformats.org/markup-compatibility/2006" xmlns:mv="urn:schemas-microsoft-com:mac:vml" xmlns:p="http://schemas.openxmlformats.org/presentationml/2006/main" xmlns:c="http://schemas.openxmlformats.org/drawingml/2006/chart" xmlns:dgm="http://schemas.openxmlformats.org/drawingml/2006/diagram" xmlns:o="urn:schemas-microsoft-com:office:office" xmlns:v="urn:schemas-microsoft-com:vml" xmlns:pvml="urn:schemas-microsoft-com:office:powerpoint" xmlns:com="http://schemas.openxmlformats.org/drawingml/2006/compatibility" xmlns:p14="http://schemas.microsoft.com/office/powerpoint/2010/main" xmlns:p15="http://schemas.microsoft.com/office/powerpoint/2012/main" xmlns:ahyp="http://schemas.microsoft.com/office/drawing/2018/hyperlinkcolor">
-  <p:cSld>
-    <p:spTree>
-      <p:nvGrpSpPr>
-        <p:cNvPr id="100" name="Shape 100"/>
-        <p:cNvGrpSpPr/>
-        <p:nvPr/>
-      </p:nvGrpSpPr>
-      <p:grpSpPr>
-        <a:xfrm>
-          <a:off x="0" y="0"/>
-          <a:ext cx="0" cy="0"/>
-          <a:chOff x="0" y="0"/>
-          <a:chExt cx="0" cy="0"/>
-        </a:xfrm>
-      </p:grpSpPr>
       <p:sp>
         <p:nvSpPr>
-          <p:cNvPr id="101" name="Google Shape;101;p20"/>
-          <p:cNvSpPr txBox="1"/>
-          <p:nvPr>
-            <p:ph idx="1" type="body"/>
-          </p:nvPr>
-        </p:nvSpPr>
-        <p:spPr>
-          <a:xfrm>
-            <a:off x="0" y="572700"/>
-            <a:ext cx="9144000" cy="4570800"/>
-          </a:xfrm>
-          <a:prstGeom prst="rect">
-            <a:avLst/>
-          </a:prstGeom>
-        </p:spPr>
-        <p:txBody>
-          <a:bodyPr anchorCtr="0" anchor="t" bIns="91425" lIns="91425" spcFirstLastPara="1" rIns="91425" wrap="square" tIns="91425">
-            <a:normAutofit/>
-          </a:bodyPr>
-          <a:lstStyle/>
-          <a:p>
-            <a:pPr indent="0" lvl="0" marL="0" marR="190500" rtl="0" algn="l">
-              <a:lnSpc>
-                <a:spcPct val="88700"/>
-              </a:lnSpc>
-              <a:spcBef>
-                <a:spcPts val="0"/>
-              </a:spcBef>
-              <a:spcAft>
-                <a:spcPts val="0"/>
-              </a:spcAft>
-              <a:buNone/>
-            </a:pPr>
-            <a:r>
-              <a:rPr lang="en" sz="2400">
-                <a:solidFill>
-                  <a:schemeClr val="dk1"/>
-                </a:solidFill>
-                <a:latin typeface="Times New Roman"/>
-                <a:ea typeface="Times New Roman"/>
-                <a:cs typeface="Times New Roman"/>
-                <a:sym typeface="Times New Roman"/>
-              </a:rPr>
-              <a:t>Browsers understand JavaScript by default, so there is no need to install anything</a:t>
-            </a:r>
-            <a:endParaRPr sz="2400">
-              <a:solidFill>
-                <a:schemeClr val="dk1"/>
-              </a:solidFill>
-              <a:latin typeface="Times New Roman"/>
-              <a:ea typeface="Times New Roman"/>
-              <a:cs typeface="Times New Roman"/>
-              <a:sym typeface="Times New Roman"/>
-            </a:endParaRPr>
-          </a:p>
-          <a:p>
-            <a:pPr indent="0" lvl="0" marL="0" marR="190500" rtl="0" algn="l">
-              <a:lnSpc>
-                <a:spcPct val="88700"/>
-              </a:lnSpc>
-              <a:spcBef>
-                <a:spcPts val="0"/>
-              </a:spcBef>
-              <a:spcAft>
-                <a:spcPts val="0"/>
-              </a:spcAft>
-              <a:buNone/>
-            </a:pPr>
-            <a:r>
-              <a:t/>
-            </a:r>
-            <a:endParaRPr sz="2400">
-              <a:solidFill>
-                <a:schemeClr val="dk1"/>
-              </a:solidFill>
-              <a:latin typeface="Times New Roman"/>
-              <a:ea typeface="Times New Roman"/>
-              <a:cs typeface="Times New Roman"/>
-              <a:sym typeface="Times New Roman"/>
-            </a:endParaRPr>
-          </a:p>
-          <a:p>
-            <a:pPr indent="0" lvl="0" marL="0" marR="190500" rtl="0" algn="l">
-              <a:lnSpc>
-                <a:spcPct val="88700"/>
-              </a:lnSpc>
-              <a:spcBef>
-                <a:spcPts val="0"/>
-              </a:spcBef>
-              <a:spcAft>
-                <a:spcPts val="0"/>
-              </a:spcAft>
-              <a:buNone/>
-            </a:pPr>
-            <a:r>
-              <a:rPr lang="en" sz="2400">
-                <a:solidFill>
-                  <a:schemeClr val="dk1"/>
-                </a:solidFill>
-                <a:latin typeface="Times New Roman"/>
-                <a:ea typeface="Times New Roman"/>
-                <a:cs typeface="Times New Roman"/>
-                <a:sym typeface="Times New Roman"/>
-              </a:rPr>
-              <a:t>To incorporate your JavaScript program in your web page:</a:t>
-            </a:r>
-            <a:endParaRPr sz="2400">
-              <a:solidFill>
-                <a:schemeClr val="dk1"/>
-              </a:solidFill>
-              <a:latin typeface="Times New Roman"/>
-              <a:ea typeface="Times New Roman"/>
-              <a:cs typeface="Times New Roman"/>
-              <a:sym typeface="Times New Roman"/>
-            </a:endParaRPr>
-          </a:p>
-          <a:p>
-            <a:pPr indent="0" lvl="0" marL="0" marR="190500" rtl="0" algn="l">
-              <a:lnSpc>
-                <a:spcPct val="88700"/>
-              </a:lnSpc>
-              <a:spcBef>
-                <a:spcPts val="0"/>
-              </a:spcBef>
-              <a:spcAft>
-                <a:spcPts val="0"/>
-              </a:spcAft>
-              <a:buNone/>
-            </a:pPr>
-            <a:r>
-              <a:t/>
-            </a:r>
-            <a:endParaRPr sz="2400">
-              <a:solidFill>
-                <a:schemeClr val="dk1"/>
-              </a:solidFill>
-              <a:latin typeface="Times New Roman"/>
-              <a:ea typeface="Times New Roman"/>
-              <a:cs typeface="Times New Roman"/>
-              <a:sym typeface="Times New Roman"/>
-            </a:endParaRPr>
-          </a:p>
-          <a:p>
-            <a:pPr indent="457200" lvl="0" marL="0" marR="190500" rtl="0" algn="l">
-              <a:lnSpc>
-                <a:spcPct val="88700"/>
-              </a:lnSpc>
-              <a:spcBef>
-                <a:spcPts val="0"/>
-              </a:spcBef>
-              <a:spcAft>
-                <a:spcPts val="0"/>
-              </a:spcAft>
-              <a:buNone/>
-            </a:pPr>
-            <a:r>
-              <a:rPr lang="en" sz="2400">
-                <a:solidFill>
-                  <a:schemeClr val="dk1"/>
-                </a:solidFill>
-                <a:latin typeface="Times New Roman"/>
-                <a:ea typeface="Times New Roman"/>
-                <a:cs typeface="Times New Roman"/>
-                <a:sym typeface="Times New Roman"/>
-              </a:rPr>
-              <a:t>1. wrap it with </a:t>
-            </a:r>
-            <a:r>
-              <a:rPr lang="en" sz="2400">
-                <a:solidFill>
-                  <a:schemeClr val="dk1"/>
-                </a:solidFill>
-                <a:latin typeface="Courier New"/>
-                <a:ea typeface="Courier New"/>
-                <a:cs typeface="Courier New"/>
-                <a:sym typeface="Courier New"/>
-              </a:rPr>
-              <a:t>&lt;script&gt;</a:t>
-            </a:r>
-            <a:r>
-              <a:rPr lang="en" sz="2400">
-                <a:solidFill>
-                  <a:schemeClr val="dk1"/>
-                </a:solidFill>
-                <a:latin typeface="Times New Roman"/>
-                <a:ea typeface="Times New Roman"/>
-                <a:cs typeface="Times New Roman"/>
-                <a:sym typeface="Times New Roman"/>
-              </a:rPr>
-              <a:t> tag in the </a:t>
-            </a:r>
-            <a:r>
-              <a:rPr lang="en" sz="2400">
-                <a:solidFill>
-                  <a:schemeClr val="dk1"/>
-                </a:solidFill>
-                <a:latin typeface="Courier New"/>
-                <a:ea typeface="Courier New"/>
-                <a:cs typeface="Courier New"/>
-                <a:sym typeface="Courier New"/>
-              </a:rPr>
-              <a:t>&lt;head&gt;</a:t>
-            </a:r>
-            <a:r>
-              <a:rPr lang="en" sz="2400">
-                <a:solidFill>
-                  <a:schemeClr val="dk1"/>
-                </a:solidFill>
-                <a:latin typeface="Times New Roman"/>
-                <a:ea typeface="Times New Roman"/>
-                <a:cs typeface="Times New Roman"/>
-                <a:sym typeface="Times New Roman"/>
-              </a:rPr>
-              <a:t> or </a:t>
-            </a:r>
-            <a:r>
-              <a:rPr lang="en" sz="2400">
-                <a:solidFill>
-                  <a:schemeClr val="dk1"/>
-                </a:solidFill>
-                <a:latin typeface="Courier New"/>
-                <a:ea typeface="Courier New"/>
-                <a:cs typeface="Courier New"/>
-                <a:sym typeface="Courier New"/>
-              </a:rPr>
-              <a:t>&lt;body&gt;</a:t>
-            </a:r>
-            <a:r>
-              <a:rPr lang="en" sz="2400">
-                <a:solidFill>
-                  <a:schemeClr val="dk1"/>
-                </a:solidFill>
-                <a:latin typeface="Times New Roman"/>
-                <a:ea typeface="Times New Roman"/>
-                <a:cs typeface="Times New Roman"/>
-                <a:sym typeface="Times New Roman"/>
-              </a:rPr>
-              <a:t> sections</a:t>
-            </a:r>
-            <a:endParaRPr sz="2400">
-              <a:solidFill>
-                <a:schemeClr val="dk1"/>
-              </a:solidFill>
-              <a:latin typeface="Times New Roman"/>
-              <a:ea typeface="Times New Roman"/>
-              <a:cs typeface="Times New Roman"/>
-              <a:sym typeface="Times New Roman"/>
-            </a:endParaRPr>
-          </a:p>
-          <a:p>
-            <a:pPr indent="457200" lvl="0" marL="0" marR="190500" rtl="0" algn="l">
-              <a:lnSpc>
-                <a:spcPct val="88700"/>
-              </a:lnSpc>
-              <a:spcBef>
-                <a:spcPts val="0"/>
-              </a:spcBef>
-              <a:spcAft>
-                <a:spcPts val="0"/>
-              </a:spcAft>
-              <a:buNone/>
-            </a:pPr>
-            <a:r>
-              <a:t/>
-            </a:r>
-            <a:endParaRPr sz="2400">
-              <a:solidFill>
-                <a:schemeClr val="dk1"/>
-              </a:solidFill>
-              <a:latin typeface="Times New Roman"/>
-              <a:ea typeface="Times New Roman"/>
-              <a:cs typeface="Times New Roman"/>
-              <a:sym typeface="Times New Roman"/>
-            </a:endParaRPr>
-          </a:p>
-          <a:p>
-            <a:pPr indent="0" lvl="0" marL="0" marR="190500" rtl="0" algn="l">
-              <a:lnSpc>
-                <a:spcPct val="88700"/>
-              </a:lnSpc>
-              <a:spcBef>
-                <a:spcPts val="0"/>
-              </a:spcBef>
-              <a:spcAft>
-                <a:spcPts val="0"/>
-              </a:spcAft>
-              <a:buNone/>
-            </a:pPr>
-            <a:r>
-              <a:rPr lang="en" sz="2400">
-                <a:solidFill>
-                  <a:schemeClr val="dk1"/>
-                </a:solidFill>
-                <a:latin typeface="Times New Roman"/>
-                <a:ea typeface="Times New Roman"/>
-                <a:cs typeface="Times New Roman"/>
-                <a:sym typeface="Times New Roman"/>
-              </a:rPr>
-              <a:t>	2. link it as an external file in the </a:t>
-            </a:r>
-            <a:r>
-              <a:rPr lang="en" sz="2400">
-                <a:solidFill>
-                  <a:schemeClr val="dk1"/>
-                </a:solidFill>
-                <a:latin typeface="Courier New"/>
-                <a:ea typeface="Courier New"/>
-                <a:cs typeface="Courier New"/>
-                <a:sym typeface="Courier New"/>
-              </a:rPr>
-              <a:t>&lt;head&gt;</a:t>
-            </a:r>
-            <a:r>
-              <a:rPr lang="en" sz="2400">
-                <a:solidFill>
-                  <a:schemeClr val="dk1"/>
-                </a:solidFill>
-                <a:latin typeface="Times New Roman"/>
-                <a:ea typeface="Times New Roman"/>
-                <a:cs typeface="Times New Roman"/>
-                <a:sym typeface="Times New Roman"/>
-              </a:rPr>
-              <a:t> section:</a:t>
-            </a:r>
-            <a:endParaRPr sz="2400">
-              <a:solidFill>
-                <a:schemeClr val="dk1"/>
-              </a:solidFill>
-              <a:latin typeface="Times New Roman"/>
-              <a:ea typeface="Times New Roman"/>
-              <a:cs typeface="Times New Roman"/>
-              <a:sym typeface="Times New Roman"/>
-            </a:endParaRPr>
-          </a:p>
-          <a:p>
-            <a:pPr indent="0" lvl="0" marL="0" marR="190500" rtl="0" algn="l">
-              <a:lnSpc>
-                <a:spcPct val="88700"/>
-              </a:lnSpc>
-              <a:spcBef>
-                <a:spcPts val="0"/>
-              </a:spcBef>
-              <a:spcAft>
-                <a:spcPts val="0"/>
-              </a:spcAft>
-              <a:buNone/>
-            </a:pPr>
-            <a:r>
-              <a:rPr lang="en" sz="2400">
-                <a:solidFill>
-                  <a:schemeClr val="dk1"/>
-                </a:solidFill>
-                <a:latin typeface="Times New Roman"/>
-                <a:ea typeface="Times New Roman"/>
-                <a:cs typeface="Times New Roman"/>
-                <a:sym typeface="Times New Roman"/>
-              </a:rPr>
-              <a:t>	</a:t>
-            </a:r>
-            <a:r>
-              <a:rPr lang="en" sz="2400">
-                <a:solidFill>
-                  <a:schemeClr val="dk1"/>
-                </a:solidFill>
-                <a:latin typeface="Courier New"/>
-                <a:ea typeface="Courier New"/>
-                <a:cs typeface="Courier New"/>
-                <a:sym typeface="Courier New"/>
-              </a:rPr>
-              <a:t>&lt;script src=“my_java_script.js”&gt;&lt;/script&gt;</a:t>
-            </a:r>
-            <a:endParaRPr sz="2400">
-              <a:solidFill>
-                <a:schemeClr val="dk1"/>
-              </a:solidFill>
-              <a:latin typeface="Courier New"/>
-              <a:ea typeface="Courier New"/>
-              <a:cs typeface="Courier New"/>
-              <a:sym typeface="Courier New"/>
-            </a:endParaRPr>
-          </a:p>
-        </p:txBody>
-      </p:sp>
-      <p:sp>
-        <p:nvSpPr>
-          <p:cNvPr id="102" name="Google Shape;102;p20"/>
-          <p:cNvSpPr txBox="1"/>
-          <p:nvPr>
-            <p:ph type="title"/>
-          </p:nvPr>
-        </p:nvSpPr>
-        <p:spPr>
-          <a:xfrm>
-            <a:off x="0" y="0"/>
-            <a:ext cx="9144000" cy="572700"/>
-          </a:xfrm>
-          <a:prstGeom prst="rect">
-            <a:avLst/>
-          </a:prstGeom>
-        </p:spPr>
-        <p:txBody>
-          <a:bodyPr anchorCtr="0" anchor="t" bIns="91425" lIns="91425" spcFirstLastPara="1" rIns="91425" wrap="square" tIns="91425">
-            <a:noAutofit/>
-          </a:bodyPr>
-          <a:lstStyle/>
-          <a:p>
-            <a:pPr indent="0" lvl="0" marL="0" rtl="0" algn="l">
-              <a:spcBef>
-                <a:spcPts val="0"/>
-              </a:spcBef>
-              <a:spcAft>
-                <a:spcPts val="0"/>
-              </a:spcAft>
-              <a:buSzPts val="990"/>
-              <a:buNone/>
-            </a:pPr>
-            <a:r>
-              <a:rPr b="1" lang="en" sz="3020">
-                <a:latin typeface="Times New Roman"/>
-                <a:ea typeface="Times New Roman"/>
-                <a:cs typeface="Times New Roman"/>
-                <a:sym typeface="Times New Roman"/>
-              </a:rPr>
-              <a:t>How to use JavaScript ?</a:t>
-            </a:r>
-            <a:endParaRPr b="1" sz="3020">
-              <a:latin typeface="Times New Roman"/>
-              <a:ea typeface="Times New Roman"/>
-              <a:cs typeface="Times New Roman"/>
-              <a:sym typeface="Times New Roman"/>
-            </a:endParaRPr>
-          </a:p>
-        </p:txBody>
-      </p:sp>
-      <p:sp>
-        <p:nvSpPr>
-          <p:cNvPr id="103" name="Google Shape;103;p20"/>
+          <p:cNvPr id="97" name="Google Shape;97;p19"/>
           <p:cNvSpPr/>
           <p:nvPr/>
         </p:nvSpPr>
@@ -19409,12 +18268,12 @@
 </p:sld>
 </file>
 
-<file path=ppt/slides/slide8.xml><?xml version="1.0" encoding="utf-8"?>
+<file path=ppt/slides/slide7.xml><?xml version="1.0" encoding="utf-8"?>
 <p:sld xmlns:a="http://schemas.openxmlformats.org/drawingml/2006/main" xmlns:r="http://schemas.openxmlformats.org/officeDocument/2006/relationships" xmlns:mc="http://schemas.openxmlformats.org/markup-compatibility/2006" xmlns:mv="urn:schemas-microsoft-com:mac:vml" xmlns:p="http://schemas.openxmlformats.org/presentationml/2006/main" xmlns:c="http://schemas.openxmlformats.org/drawingml/2006/chart" xmlns:dgm="http://schemas.openxmlformats.org/drawingml/2006/diagram" xmlns:o="urn:schemas-microsoft-com:office:office" xmlns:v="urn:schemas-microsoft-com:vml" xmlns:pvml="urn:schemas-microsoft-com:office:powerpoint" xmlns:com="http://schemas.openxmlformats.org/drawingml/2006/compatibility" xmlns:p14="http://schemas.microsoft.com/office/powerpoint/2010/main" xmlns:p15="http://schemas.microsoft.com/office/powerpoint/2012/main" xmlns:ahyp="http://schemas.microsoft.com/office/drawing/2018/hyperlinkcolor">
   <p:cSld>
     <p:spTree>
       <p:nvGrpSpPr>
-        <p:cNvPr id="107" name="Shape 107"/>
+        <p:cNvPr id="101" name="Shape 101"/>
         <p:cNvGrpSpPr/>
         <p:nvPr/>
       </p:nvGrpSpPr>
@@ -19428,7 +18287,7 @@
       </p:grpSpPr>
       <p:sp>
         <p:nvSpPr>
-          <p:cNvPr id="108" name="Google Shape;108;p21"/>
+          <p:cNvPr id="102" name="Google Shape;102;p20"/>
           <p:cNvSpPr txBox="1"/>
           <p:nvPr>
             <p:ph idx="1" type="body"/>
@@ -19837,7 +18696,7 @@
       </p:sp>
       <p:sp>
         <p:nvSpPr>
-          <p:cNvPr id="109" name="Google Shape;109;p21"/>
+          <p:cNvPr id="103" name="Google Shape;103;p20"/>
           <p:cNvSpPr txBox="1"/>
           <p:nvPr>
             <p:ph type="title"/>
@@ -19888,7 +18747,7 @@
       </p:sp>
       <p:sp>
         <p:nvSpPr>
-          <p:cNvPr id="110" name="Google Shape;110;p21"/>
+          <p:cNvPr id="104" name="Google Shape;104;p20"/>
           <p:cNvSpPr/>
           <p:nvPr/>
         </p:nvSpPr>
@@ -19952,12 +18811,12 @@
 </p:sld>
 </file>
 
-<file path=ppt/slides/slide9.xml><?xml version="1.0" encoding="utf-8"?>
+<file path=ppt/slides/slide8.xml><?xml version="1.0" encoding="utf-8"?>
 <p:sld xmlns:a="http://schemas.openxmlformats.org/drawingml/2006/main" xmlns:r="http://schemas.openxmlformats.org/officeDocument/2006/relationships" xmlns:mc="http://schemas.openxmlformats.org/markup-compatibility/2006" xmlns:mv="urn:schemas-microsoft-com:mac:vml" xmlns:p="http://schemas.openxmlformats.org/presentationml/2006/main" xmlns:c="http://schemas.openxmlformats.org/drawingml/2006/chart" xmlns:dgm="http://schemas.openxmlformats.org/drawingml/2006/diagram" xmlns:o="urn:schemas-microsoft-com:office:office" xmlns:v="urn:schemas-microsoft-com:vml" xmlns:pvml="urn:schemas-microsoft-com:office:powerpoint" xmlns:com="http://schemas.openxmlformats.org/drawingml/2006/compatibility" xmlns:p14="http://schemas.microsoft.com/office/powerpoint/2010/main" xmlns:p15="http://schemas.microsoft.com/office/powerpoint/2012/main" xmlns:ahyp="http://schemas.microsoft.com/office/drawing/2018/hyperlinkcolor">
   <p:cSld>
     <p:spTree>
       <p:nvGrpSpPr>
-        <p:cNvPr id="114" name="Shape 114"/>
+        <p:cNvPr id="108" name="Shape 108"/>
         <p:cNvGrpSpPr/>
         <p:nvPr/>
       </p:nvGrpSpPr>
@@ -19971,7 +18830,7 @@
       </p:grpSpPr>
       <p:sp>
         <p:nvSpPr>
-          <p:cNvPr id="115" name="Google Shape;115;p22"/>
+          <p:cNvPr id="109" name="Google Shape;109;p21"/>
           <p:cNvSpPr txBox="1"/>
           <p:nvPr>
             <p:ph idx="1" type="body"/>
@@ -20042,7 +18901,7 @@
                 <a:cs typeface="Times New Roman"/>
                 <a:sym typeface="Times New Roman"/>
               </a:rPr>
-              <a:t>are store data values of the program</a:t>
+              <a:t>store data values of the program</a:t>
             </a:r>
             <a:endParaRPr>
               <a:solidFill>
@@ -20461,7 +19320,7 @@
       </p:sp>
       <p:sp>
         <p:nvSpPr>
-          <p:cNvPr id="116" name="Google Shape;116;p22"/>
+          <p:cNvPr id="110" name="Google Shape;110;p21"/>
           <p:cNvSpPr txBox="1"/>
           <p:nvPr>
             <p:ph type="title"/>
@@ -20512,7 +19371,7 @@
       </p:sp>
       <p:sp>
         <p:nvSpPr>
-          <p:cNvPr id="117" name="Google Shape;117;p22"/>
+          <p:cNvPr id="111" name="Google Shape;111;p21"/>
           <p:cNvSpPr/>
           <p:nvPr/>
         </p:nvSpPr>
@@ -20555,6 +19414,658 @@
                 <a:sym typeface="Times New Roman"/>
               </a:rPr>
               <a:t>example-3.html and example-4.html</a:t>
+            </a:r>
+            <a:endParaRPr b="1">
+              <a:solidFill>
+                <a:schemeClr val="dk1"/>
+              </a:solidFill>
+              <a:latin typeface="Times New Roman"/>
+              <a:ea typeface="Times New Roman"/>
+              <a:cs typeface="Times New Roman"/>
+              <a:sym typeface="Times New Roman"/>
+            </a:endParaRPr>
+          </a:p>
+        </p:txBody>
+      </p:sp>
+    </p:spTree>
+  </p:cSld>
+  <p:clrMapOvr>
+    <a:masterClrMapping/>
+  </p:clrMapOvr>
+</p:sld>
+</file>
+
+<file path=ppt/slides/slide9.xml><?xml version="1.0" encoding="utf-8"?>
+<p:sld xmlns:a="http://schemas.openxmlformats.org/drawingml/2006/main" xmlns:r="http://schemas.openxmlformats.org/officeDocument/2006/relationships" xmlns:mc="http://schemas.openxmlformats.org/markup-compatibility/2006" xmlns:mv="urn:schemas-microsoft-com:mac:vml" xmlns:p="http://schemas.openxmlformats.org/presentationml/2006/main" xmlns:c="http://schemas.openxmlformats.org/drawingml/2006/chart" xmlns:dgm="http://schemas.openxmlformats.org/drawingml/2006/diagram" xmlns:o="urn:schemas-microsoft-com:office:office" xmlns:v="urn:schemas-microsoft-com:vml" xmlns:pvml="urn:schemas-microsoft-com:office:powerpoint" xmlns:com="http://schemas.openxmlformats.org/drawingml/2006/compatibility" xmlns:p14="http://schemas.microsoft.com/office/powerpoint/2010/main" xmlns:p15="http://schemas.microsoft.com/office/powerpoint/2012/main" xmlns:ahyp="http://schemas.microsoft.com/office/drawing/2018/hyperlinkcolor">
+  <p:cSld>
+    <p:spTree>
+      <p:nvGrpSpPr>
+        <p:cNvPr id="115" name="Shape 115"/>
+        <p:cNvGrpSpPr/>
+        <p:nvPr/>
+      </p:nvGrpSpPr>
+      <p:grpSpPr>
+        <a:xfrm>
+          <a:off x="0" y="0"/>
+          <a:ext cx="0" cy="0"/>
+          <a:chOff x="0" y="0"/>
+          <a:chExt cx="0" cy="0"/>
+        </a:xfrm>
+      </p:grpSpPr>
+      <p:sp>
+        <p:nvSpPr>
+          <p:cNvPr id="116" name="Google Shape;116;p22"/>
+          <p:cNvSpPr txBox="1"/>
+          <p:nvPr>
+            <p:ph idx="1" type="body"/>
+          </p:nvPr>
+        </p:nvSpPr>
+        <p:spPr>
+          <a:xfrm>
+            <a:off x="0" y="572700"/>
+            <a:ext cx="9144000" cy="4570800"/>
+          </a:xfrm>
+          <a:prstGeom prst="rect">
+            <a:avLst/>
+          </a:prstGeom>
+        </p:spPr>
+        <p:txBody>
+          <a:bodyPr anchorCtr="0" anchor="t" bIns="91425" lIns="91425" spcFirstLastPara="1" rIns="91425" wrap="square" tIns="91425">
+            <a:noAutofit/>
+          </a:bodyPr>
+          <a:lstStyle/>
+          <a:p>
+            <a:pPr indent="0" lvl="2" marL="0" rtl="0" algn="l">
+              <a:lnSpc>
+                <a:spcPct val="150000"/>
+              </a:lnSpc>
+              <a:spcBef>
+                <a:spcPts val="0"/>
+              </a:spcBef>
+              <a:spcAft>
+                <a:spcPts val="0"/>
+              </a:spcAft>
+              <a:buNone/>
+            </a:pPr>
+            <a:r>
+              <a:rPr b="1" lang="en" sz="1800">
+                <a:solidFill>
+                  <a:srgbClr val="FF0000"/>
+                </a:solidFill>
+                <a:latin typeface="Times New Roman"/>
+                <a:ea typeface="Times New Roman"/>
+                <a:cs typeface="Times New Roman"/>
+                <a:sym typeface="Times New Roman"/>
+              </a:rPr>
+              <a:t>Variable declarations:</a:t>
+            </a:r>
+            <a:endParaRPr b="1" sz="1800">
+              <a:solidFill>
+                <a:srgbClr val="FF0000"/>
+              </a:solidFill>
+              <a:latin typeface="Times New Roman"/>
+              <a:ea typeface="Times New Roman"/>
+              <a:cs typeface="Times New Roman"/>
+              <a:sym typeface="Times New Roman"/>
+            </a:endParaRPr>
+          </a:p>
+          <a:p>
+            <a:pPr indent="0" lvl="0" marL="0" rtl="0" algn="l">
+              <a:lnSpc>
+                <a:spcPct val="100000"/>
+              </a:lnSpc>
+              <a:spcBef>
+                <a:spcPts val="0"/>
+              </a:spcBef>
+              <a:spcAft>
+                <a:spcPts val="0"/>
+              </a:spcAft>
+              <a:buNone/>
+            </a:pPr>
+            <a:r>
+              <a:t/>
+            </a:r>
+            <a:endParaRPr sz="2000">
+              <a:solidFill>
+                <a:srgbClr val="4F81BD"/>
+              </a:solidFill>
+              <a:latin typeface="Times New Roman"/>
+              <a:ea typeface="Times New Roman"/>
+              <a:cs typeface="Times New Roman"/>
+              <a:sym typeface="Times New Roman"/>
+            </a:endParaRPr>
+          </a:p>
+          <a:p>
+            <a:pPr indent="0" lvl="0" marL="0" rtl="0" algn="l">
+              <a:lnSpc>
+                <a:spcPct val="100000"/>
+              </a:lnSpc>
+              <a:spcBef>
+                <a:spcPts val="0"/>
+              </a:spcBef>
+              <a:spcAft>
+                <a:spcPts val="0"/>
+              </a:spcAft>
+              <a:buClr>
+                <a:srgbClr val="000000"/>
+              </a:buClr>
+              <a:buFont typeface="Arial"/>
+              <a:buNone/>
+            </a:pPr>
+            <a:r>
+              <a:rPr lang="en" sz="2000">
+                <a:solidFill>
+                  <a:srgbClr val="4F81BD"/>
+                </a:solidFill>
+                <a:latin typeface="Courier New"/>
+                <a:ea typeface="Courier New"/>
+                <a:cs typeface="Courier New"/>
+                <a:sym typeface="Courier New"/>
+              </a:rPr>
+              <a:t> var</a:t>
+            </a:r>
+            <a:r>
+              <a:rPr lang="en" sz="2000">
+                <a:solidFill>
+                  <a:srgbClr val="000000"/>
+                </a:solidFill>
+                <a:latin typeface="Courier New"/>
+                <a:ea typeface="Courier New"/>
+                <a:cs typeface="Courier New"/>
+                <a:sym typeface="Courier New"/>
+              </a:rPr>
+              <a:t> x = </a:t>
+            </a:r>
+            <a:r>
+              <a:rPr lang="en" sz="2000">
+                <a:solidFill>
+                  <a:srgbClr val="F79646"/>
+                </a:solidFill>
+                <a:latin typeface="Courier New"/>
+                <a:ea typeface="Courier New"/>
+                <a:cs typeface="Courier New"/>
+                <a:sym typeface="Courier New"/>
+              </a:rPr>
+              <a:t>3 + 2</a:t>
+            </a:r>
+            <a:r>
+              <a:rPr lang="en" sz="2000">
+                <a:solidFill>
+                  <a:srgbClr val="000000"/>
+                </a:solidFill>
+                <a:latin typeface="Courier New"/>
+                <a:ea typeface="Courier New"/>
+                <a:cs typeface="Courier New"/>
+                <a:sym typeface="Courier New"/>
+              </a:rPr>
+              <a:t>;			</a:t>
+            </a:r>
+            <a:r>
+              <a:rPr lang="en" sz="2000">
+                <a:solidFill>
+                  <a:srgbClr val="76923C"/>
+                </a:solidFill>
+                <a:latin typeface="Courier New"/>
+                <a:ea typeface="Courier New"/>
+                <a:cs typeface="Courier New"/>
+                <a:sym typeface="Courier New"/>
+              </a:rPr>
+              <a:t>// x is 5</a:t>
+            </a:r>
+            <a:endParaRPr sz="1400">
+              <a:solidFill>
+                <a:srgbClr val="000000"/>
+              </a:solidFill>
+              <a:latin typeface="Courier New"/>
+              <a:ea typeface="Courier New"/>
+              <a:cs typeface="Courier New"/>
+              <a:sym typeface="Courier New"/>
+            </a:endParaRPr>
+          </a:p>
+          <a:p>
+            <a:pPr indent="0" lvl="0" marL="0" rtl="0" algn="l">
+              <a:lnSpc>
+                <a:spcPct val="100000"/>
+              </a:lnSpc>
+              <a:spcBef>
+                <a:spcPts val="0"/>
+              </a:spcBef>
+              <a:spcAft>
+                <a:spcPts val="0"/>
+              </a:spcAft>
+              <a:buClr>
+                <a:srgbClr val="000000"/>
+              </a:buClr>
+              <a:buFont typeface="Arial"/>
+              <a:buNone/>
+            </a:pPr>
+            <a:r>
+              <a:rPr lang="en" sz="2000">
+                <a:solidFill>
+                  <a:srgbClr val="4F81BD"/>
+                </a:solidFill>
+                <a:latin typeface="Courier New"/>
+                <a:ea typeface="Courier New"/>
+                <a:cs typeface="Courier New"/>
+                <a:sym typeface="Courier New"/>
+              </a:rPr>
+              <a:t> let</a:t>
+            </a:r>
+            <a:r>
+              <a:rPr lang="en" sz="2000">
+                <a:solidFill>
+                  <a:srgbClr val="000000"/>
+                </a:solidFill>
+                <a:latin typeface="Courier New"/>
+                <a:ea typeface="Courier New"/>
+                <a:cs typeface="Courier New"/>
+                <a:sym typeface="Courier New"/>
+              </a:rPr>
+              <a:t> y = </a:t>
+            </a:r>
+            <a:r>
+              <a:rPr lang="en" sz="2000">
+                <a:solidFill>
+                  <a:srgbClr val="F79646"/>
+                </a:solidFill>
+                <a:latin typeface="Courier New"/>
+                <a:ea typeface="Courier New"/>
+                <a:cs typeface="Courier New"/>
+                <a:sym typeface="Courier New"/>
+              </a:rPr>
+              <a:t>10</a:t>
+            </a:r>
+            <a:r>
+              <a:rPr lang="en" sz="2000">
+                <a:solidFill>
+                  <a:srgbClr val="000000"/>
+                </a:solidFill>
+                <a:latin typeface="Courier New"/>
+                <a:ea typeface="Courier New"/>
+                <a:cs typeface="Courier New"/>
+                <a:sym typeface="Courier New"/>
+              </a:rPr>
+              <a:t>; 				</a:t>
+            </a:r>
+            <a:r>
+              <a:rPr lang="en" sz="2000">
+                <a:solidFill>
+                  <a:srgbClr val="76923C"/>
+                </a:solidFill>
+                <a:latin typeface="Courier New"/>
+                <a:ea typeface="Courier New"/>
+                <a:cs typeface="Courier New"/>
+                <a:sym typeface="Courier New"/>
+              </a:rPr>
+              <a:t>// y is 10</a:t>
+            </a:r>
+            <a:endParaRPr sz="1400">
+              <a:solidFill>
+                <a:srgbClr val="000000"/>
+              </a:solidFill>
+              <a:latin typeface="Courier New"/>
+              <a:ea typeface="Courier New"/>
+              <a:cs typeface="Courier New"/>
+              <a:sym typeface="Courier New"/>
+            </a:endParaRPr>
+          </a:p>
+          <a:p>
+            <a:pPr indent="0" lvl="0" marL="0" rtl="0" algn="l">
+              <a:lnSpc>
+                <a:spcPct val="100000"/>
+              </a:lnSpc>
+              <a:spcBef>
+                <a:spcPts val="0"/>
+              </a:spcBef>
+              <a:spcAft>
+                <a:spcPts val="0"/>
+              </a:spcAft>
+              <a:buClr>
+                <a:srgbClr val="000000"/>
+              </a:buClr>
+              <a:buFont typeface="Arial"/>
+              <a:buNone/>
+            </a:pPr>
+            <a:r>
+              <a:rPr lang="en" sz="2000">
+                <a:solidFill>
+                  <a:srgbClr val="4F81BD"/>
+                </a:solidFill>
+                <a:latin typeface="Courier New"/>
+                <a:ea typeface="Courier New"/>
+                <a:cs typeface="Courier New"/>
+                <a:sym typeface="Courier New"/>
+              </a:rPr>
+              <a:t> const </a:t>
+            </a:r>
+            <a:r>
+              <a:rPr lang="en" sz="2000">
+                <a:solidFill>
+                  <a:srgbClr val="000000"/>
+                </a:solidFill>
+                <a:latin typeface="Courier New"/>
+                <a:ea typeface="Courier New"/>
+                <a:cs typeface="Courier New"/>
+                <a:sym typeface="Courier New"/>
+              </a:rPr>
+              <a:t>PI = </a:t>
+            </a:r>
+            <a:r>
+              <a:rPr lang="en" sz="2000">
+                <a:solidFill>
+                  <a:srgbClr val="F79646"/>
+                </a:solidFill>
+                <a:latin typeface="Courier New"/>
+                <a:ea typeface="Courier New"/>
+                <a:cs typeface="Courier New"/>
+                <a:sym typeface="Courier New"/>
+              </a:rPr>
+              <a:t>3.14</a:t>
+            </a:r>
+            <a:r>
+              <a:rPr lang="en" sz="2000">
+                <a:solidFill>
+                  <a:srgbClr val="000000"/>
+                </a:solidFill>
+                <a:latin typeface="Courier New"/>
+                <a:ea typeface="Courier New"/>
+                <a:cs typeface="Courier New"/>
+                <a:sym typeface="Courier New"/>
+              </a:rPr>
+              <a:t>; 			</a:t>
+            </a:r>
+            <a:r>
+              <a:rPr lang="en" sz="2000">
+                <a:solidFill>
+                  <a:srgbClr val="76923C"/>
+                </a:solidFill>
+                <a:latin typeface="Courier New"/>
+                <a:ea typeface="Courier New"/>
+                <a:cs typeface="Courier New"/>
+                <a:sym typeface="Courier New"/>
+              </a:rPr>
+              <a:t>// PI is "3.14"</a:t>
+            </a:r>
+            <a:endParaRPr sz="1400">
+              <a:solidFill>
+                <a:srgbClr val="000000"/>
+              </a:solidFill>
+              <a:latin typeface="Courier New"/>
+              <a:ea typeface="Courier New"/>
+              <a:cs typeface="Courier New"/>
+              <a:sym typeface="Courier New"/>
+            </a:endParaRPr>
+          </a:p>
+          <a:p>
+            <a:pPr indent="0" lvl="0" marL="0" rtl="0" algn="l">
+              <a:lnSpc>
+                <a:spcPct val="100000"/>
+              </a:lnSpc>
+              <a:spcBef>
+                <a:spcPts val="0"/>
+              </a:spcBef>
+              <a:spcAft>
+                <a:spcPts val="0"/>
+              </a:spcAft>
+              <a:buClr>
+                <a:srgbClr val="000000"/>
+              </a:buClr>
+              <a:buFont typeface="Arial"/>
+              <a:buNone/>
+            </a:pPr>
+            <a:r>
+              <a:rPr lang="en" sz="2000">
+                <a:solidFill>
+                  <a:srgbClr val="000000"/>
+                </a:solidFill>
+                <a:latin typeface="Courier New"/>
+                <a:ea typeface="Courier New"/>
+                <a:cs typeface="Courier New"/>
+                <a:sym typeface="Courier New"/>
+              </a:rPr>
+              <a:t> msg = </a:t>
+            </a:r>
+            <a:r>
+              <a:rPr lang="en" sz="2000">
+                <a:solidFill>
+                  <a:srgbClr val="F79646"/>
+                </a:solidFill>
+                <a:latin typeface="Courier New"/>
+                <a:ea typeface="Courier New"/>
+                <a:cs typeface="Courier New"/>
+                <a:sym typeface="Courier New"/>
+              </a:rPr>
+              <a:t>"Hello!"</a:t>
+            </a:r>
+            <a:r>
+              <a:rPr lang="en" sz="2000">
+                <a:solidFill>
+                  <a:srgbClr val="000000"/>
+                </a:solidFill>
+                <a:latin typeface="Courier New"/>
+                <a:ea typeface="Courier New"/>
+                <a:cs typeface="Courier New"/>
+                <a:sym typeface="Courier New"/>
+              </a:rPr>
+              <a:t>;			</a:t>
+            </a:r>
+            <a:r>
+              <a:rPr lang="en" sz="2000">
+                <a:solidFill>
+                  <a:srgbClr val="76923C"/>
+                </a:solidFill>
+                <a:latin typeface="Courier New"/>
+                <a:ea typeface="Courier New"/>
+                <a:cs typeface="Courier New"/>
+                <a:sym typeface="Courier New"/>
+              </a:rPr>
+              <a:t>// </a:t>
+            </a:r>
+            <a:r>
+              <a:rPr lang="en" sz="2000">
+                <a:solidFill>
+                  <a:schemeClr val="dk1"/>
+                </a:solidFill>
+                <a:latin typeface="Courier New"/>
+                <a:ea typeface="Courier New"/>
+                <a:cs typeface="Courier New"/>
+                <a:sym typeface="Courier New"/>
+              </a:rPr>
+              <a:t>msg</a:t>
+            </a:r>
+            <a:r>
+              <a:rPr lang="en" sz="2000">
+                <a:solidFill>
+                  <a:srgbClr val="76923C"/>
+                </a:solidFill>
+                <a:latin typeface="Courier New"/>
+                <a:ea typeface="Courier New"/>
+                <a:cs typeface="Courier New"/>
+                <a:sym typeface="Courier New"/>
+              </a:rPr>
+              <a:t> is "Hello!"</a:t>
+            </a:r>
+            <a:endParaRPr sz="2000">
+              <a:solidFill>
+                <a:srgbClr val="76923C"/>
+              </a:solidFill>
+              <a:latin typeface="Courier New"/>
+              <a:ea typeface="Courier New"/>
+              <a:cs typeface="Courier New"/>
+              <a:sym typeface="Courier New"/>
+            </a:endParaRPr>
+          </a:p>
+          <a:p>
+            <a:pPr indent="0" lvl="2" marL="0" rtl="0" algn="l">
+              <a:lnSpc>
+                <a:spcPct val="150000"/>
+              </a:lnSpc>
+              <a:spcBef>
+                <a:spcPts val="0"/>
+              </a:spcBef>
+              <a:spcAft>
+                <a:spcPts val="0"/>
+              </a:spcAft>
+              <a:buNone/>
+            </a:pPr>
+            <a:r>
+              <a:t/>
+            </a:r>
+            <a:endParaRPr b="1" sz="1800">
+              <a:solidFill>
+                <a:srgbClr val="FF0000"/>
+              </a:solidFill>
+              <a:latin typeface="Times New Roman"/>
+              <a:ea typeface="Times New Roman"/>
+              <a:cs typeface="Times New Roman"/>
+              <a:sym typeface="Times New Roman"/>
+            </a:endParaRPr>
+          </a:p>
+          <a:p>
+            <a:pPr indent="0" lvl="2" marL="0" rtl="0" algn="l">
+              <a:lnSpc>
+                <a:spcPct val="150000"/>
+              </a:lnSpc>
+              <a:spcBef>
+                <a:spcPts val="0"/>
+              </a:spcBef>
+              <a:spcAft>
+                <a:spcPts val="0"/>
+              </a:spcAft>
+              <a:buNone/>
+            </a:pPr>
+            <a:r>
+              <a:rPr b="1" lang="en" sz="1800">
+                <a:solidFill>
+                  <a:srgbClr val="FF0000"/>
+                </a:solidFill>
+                <a:latin typeface="Times New Roman"/>
+                <a:ea typeface="Times New Roman"/>
+                <a:cs typeface="Times New Roman"/>
+                <a:sym typeface="Times New Roman"/>
+              </a:rPr>
+              <a:t>Variables declared with let and const cannot be redeclared.</a:t>
+            </a:r>
+            <a:endParaRPr b="1" sz="1800">
+              <a:solidFill>
+                <a:srgbClr val="FF0000"/>
+              </a:solidFill>
+              <a:latin typeface="Times New Roman"/>
+              <a:ea typeface="Times New Roman"/>
+              <a:cs typeface="Times New Roman"/>
+              <a:sym typeface="Times New Roman"/>
+            </a:endParaRPr>
+          </a:p>
+        </p:txBody>
+      </p:sp>
+      <p:sp>
+        <p:nvSpPr>
+          <p:cNvPr id="117" name="Google Shape;117;p22"/>
+          <p:cNvSpPr txBox="1"/>
+          <p:nvPr>
+            <p:ph type="title"/>
+          </p:nvPr>
+        </p:nvSpPr>
+        <p:spPr>
+          <a:xfrm>
+            <a:off x="0" y="0"/>
+            <a:ext cx="9144000" cy="572700"/>
+          </a:xfrm>
+          <a:prstGeom prst="rect">
+            <a:avLst/>
+          </a:prstGeom>
+        </p:spPr>
+        <p:txBody>
+          <a:bodyPr anchorCtr="0" anchor="t" bIns="91425" lIns="91425" spcFirstLastPara="1" rIns="91425" wrap="square" tIns="91425">
+            <a:noAutofit/>
+          </a:bodyPr>
+          <a:lstStyle/>
+          <a:p>
+            <a:pPr indent="0" lvl="0" marL="0" rtl="0" algn="l">
+              <a:spcBef>
+                <a:spcPts val="0"/>
+              </a:spcBef>
+              <a:spcAft>
+                <a:spcPts val="0"/>
+              </a:spcAft>
+              <a:buSzPts val="990"/>
+              <a:buNone/>
+            </a:pPr>
+            <a:r>
+              <a:rPr b="1" lang="en" sz="3020">
+                <a:latin typeface="Times New Roman"/>
+                <a:ea typeface="Times New Roman"/>
+                <a:cs typeface="Times New Roman"/>
+                <a:sym typeface="Times New Roman"/>
+              </a:rPr>
+              <a:t>Variables</a:t>
+            </a:r>
+            <a:endParaRPr b="1" sz="3020">
+              <a:latin typeface="Times New Roman"/>
+              <a:ea typeface="Times New Roman"/>
+              <a:cs typeface="Times New Roman"/>
+              <a:sym typeface="Times New Roman"/>
+            </a:endParaRPr>
+          </a:p>
+        </p:txBody>
+      </p:sp>
+      <p:sp>
+        <p:nvSpPr>
+          <p:cNvPr id="118" name="Google Shape;118;p22"/>
+          <p:cNvSpPr/>
+          <p:nvPr/>
+        </p:nvSpPr>
+        <p:spPr>
+          <a:xfrm>
+            <a:off x="0" y="4676700"/>
+            <a:ext cx="9144000" cy="466800"/>
+          </a:xfrm>
+          <a:prstGeom prst="rect">
+            <a:avLst/>
+          </a:prstGeom>
+          <a:noFill/>
+          <a:ln>
+            <a:noFill/>
+          </a:ln>
+        </p:spPr>
+        <p:txBody>
+          <a:bodyPr anchorCtr="0" anchor="ctr" bIns="91425" lIns="91425" spcFirstLastPara="1" rIns="91425" wrap="square" tIns="91425">
+            <a:noAutofit/>
+          </a:bodyPr>
+          <a:lstStyle/>
+          <a:p>
+            <a:pPr indent="0" lvl="0" marL="0" rtl="0" algn="ctr">
+              <a:spcBef>
+                <a:spcPts val="0"/>
+              </a:spcBef>
+              <a:spcAft>
+                <a:spcPts val="0"/>
+              </a:spcAft>
+              <a:buNone/>
+            </a:pPr>
+            <a:r>
+              <a:rPr b="1" lang="en">
+                <a:solidFill>
+                  <a:schemeClr val="dk1"/>
+                </a:solidFill>
+                <a:latin typeface="Times New Roman"/>
+                <a:ea typeface="Times New Roman"/>
+                <a:cs typeface="Times New Roman"/>
+                <a:sym typeface="Times New Roman"/>
+              </a:rPr>
+              <a:t>e</a:t>
+            </a:r>
+            <a:r>
+              <a:rPr b="1" lang="en">
+                <a:solidFill>
+                  <a:schemeClr val="dk1"/>
+                </a:solidFill>
+                <a:latin typeface="Times New Roman"/>
+                <a:ea typeface="Times New Roman"/>
+                <a:cs typeface="Times New Roman"/>
+                <a:sym typeface="Times New Roman"/>
+              </a:rPr>
+              <a:t>xample-5.html, example-6.html</a:t>
             </a:r>
             <a:endParaRPr b="1">
               <a:solidFill>
